--- a/Presentation Project1 - Los Angeles Crime Statistics.pptx
+++ b/Presentation Project1 - Los Angeles Crime Statistics.pptx
@@ -6,10 +6,11 @@
   </p:sldMasterIdLst>
   <p:sldIdLst>
     <p:sldId id="256" r:id="rId2"/>
-    <p:sldId id="258" r:id="rId3"/>
-    <p:sldId id="257" r:id="rId4"/>
-    <p:sldId id="259" r:id="rId5"/>
-    <p:sldId id="260" r:id="rId6"/>
+    <p:sldId id="261" r:id="rId3"/>
+    <p:sldId id="258" r:id="rId4"/>
+    <p:sldId id="257" r:id="rId5"/>
+    <p:sldId id="259" r:id="rId6"/>
+    <p:sldId id="260" r:id="rId7"/>
   </p:sldIdLst>
   <p:sldSz cx="12192000" cy="6858000"/>
   <p:notesSz cx="6858000" cy="9144000"/>
@@ -108,6 +109,11 @@
       </a:defRPr>
     </a:lvl9pPr>
   </p:defaultTextStyle>
+  <p:extLst>
+    <p:ext uri="{EFAFB233-063F-42B5-8137-9DF3F51BA10A}">
+      <p15:sldGuideLst xmlns:p15="http://schemas.microsoft.com/office/powerpoint/2012/main"/>
+    </p:ext>
+  </p:extLst>
 </p:presentation>
 </file>
 
@@ -683,13 +689,21 @@
         <p:spPr/>
         <p:txBody>
           <a:bodyPr/>
-          <a:lstStyle/>
-          <a:p>
-            <a:r>
-              <a:rPr lang="en-US" smtClean="0"/>
+          <a:lstStyle>
+            <a:lvl1pPr>
+              <a:defRPr b="1">
+                <a:solidFill>
+                  <a:srgbClr val="00CC99"/>
+                </a:solidFill>
+              </a:defRPr>
+            </a:lvl1pPr>
+          </a:lstStyle>
+          <a:p>
+            <a:r>
+              <a:rPr lang="en-US" dirty="0" smtClean="0"/>
               <a:t>Click to edit Master title style</a:t>
             </a:r>
-            <a:endParaRPr lang="en-US"/>
+            <a:endParaRPr lang="en-US" dirty="0"/>
           </a:p>
         </p:txBody>
       </p:sp>
@@ -820,6 +834,13 @@
   <p:clrMapOvr>
     <a:masterClrMapping/>
   </p:clrMapOvr>
+  <p:timing>
+    <p:tnLst>
+      <p:par>
+        <p:cTn id="1" dur="indefinite" restart="never" nodeType="tmRoot"/>
+      </p:par>
+    </p:tnLst>
+  </p:timing>
 </p:sldLayout>
 </file>
 
@@ -1099,13 +1120,21 @@
         <p:spPr/>
         <p:txBody>
           <a:bodyPr/>
-          <a:lstStyle/>
-          <a:p>
-            <a:r>
-              <a:rPr lang="en-US" smtClean="0"/>
+          <a:lstStyle>
+            <a:lvl1pPr>
+              <a:defRPr b="1">
+                <a:solidFill>
+                  <a:srgbClr val="00CC99"/>
+                </a:solidFill>
+              </a:defRPr>
+            </a:lvl1pPr>
+          </a:lstStyle>
+          <a:p>
+            <a:r>
+              <a:rPr lang="en-US" dirty="0" smtClean="0"/>
               <a:t>Click to edit Master title style</a:t>
             </a:r>
-            <a:endParaRPr lang="en-US"/>
+            <a:endParaRPr lang="en-US" dirty="0"/>
           </a:p>
         </p:txBody>
       </p:sp>
@@ -1298,6 +1327,13 @@
   <p:clrMapOvr>
     <a:masterClrMapping/>
   </p:clrMapOvr>
+  <p:timing>
+    <p:tnLst>
+      <p:par>
+        <p:cTn id="1" dur="indefinite" restart="never" nodeType="tmRoot"/>
+      </p:par>
+    </p:tnLst>
+  </p:timing>
 </p:sldLayout>
 </file>
 
@@ -2668,6 +2704,13 @@
     <p:sldLayoutId id="2147483658" r:id="rId10"/>
     <p:sldLayoutId id="2147483659" r:id="rId11"/>
   </p:sldLayoutIdLst>
+  <p:timing>
+    <p:tnLst>
+      <p:par>
+        <p:cTn id="1" dur="indefinite" restart="never" nodeType="tmRoot"/>
+      </p:par>
+    </p:tnLst>
+  </p:timing>
   <p:txStyles>
     <p:titleStyle>
       <a:lvl1pPr algn="l" defTabSz="914400" rtl="0" eaLnBrk="1" latinLnBrk="0" hangingPunct="1">
@@ -3180,6 +3223,13 @@
   <p:clrMapOvr>
     <a:masterClrMapping/>
   </p:clrMapOvr>
+  <p:timing>
+    <p:tnLst>
+      <p:par>
+        <p:cTn id="1" dur="indefinite" restart="never" nodeType="tmRoot"/>
+      </p:par>
+    </p:tnLst>
+  </p:timing>
 </p:sld>
 </file>
 
@@ -3217,13 +3267,171 @@
           <a:p>
             <a:r>
               <a:rPr lang="en-US" dirty="0" smtClean="0"/>
-              <a:t>Expectation versus Data: </a:t>
+              <a:t>Strong Disparity by </a:t>
             </a:r>
             <a:r>
               <a:rPr lang="en-US" dirty="0" smtClean="0"/>
-              <a:t>Victim Descent</a:t>
+              <a:t>Zip Code</a:t>
             </a:r>
             <a:endParaRPr lang="en-US" dirty="0"/>
+          </a:p>
+        </p:txBody>
+      </p:sp>
+      <p:sp>
+        <p:nvSpPr>
+          <p:cNvPr id="3" name="Content Placeholder 2"/>
+          <p:cNvSpPr>
+            <a:spLocks noGrp="1"/>
+          </p:cNvSpPr>
+          <p:nvPr>
+            <p:ph idx="1"/>
+          </p:nvPr>
+        </p:nvSpPr>
+        <p:spPr/>
+        <p:txBody>
+          <a:bodyPr/>
+          <a:lstStyle/>
+          <a:p>
+            <a:r>
+              <a:rPr lang="en-US" dirty="0" smtClean="0"/>
+              <a:t>169 </a:t>
+            </a:r>
+            <a:r>
+              <a:rPr lang="en-US" dirty="0" smtClean="0"/>
+              <a:t>zip codes</a:t>
+            </a:r>
+            <a:endParaRPr lang="en-US" dirty="0" smtClean="0"/>
+          </a:p>
+          <a:p>
+            <a:r>
+              <a:rPr lang="en-US" sz="3600" b="1" dirty="0" smtClean="0"/>
+              <a:t>10%</a:t>
+            </a:r>
+            <a:r>
+              <a:rPr lang="en-US" dirty="0" smtClean="0"/>
+              <a:t> of </a:t>
+            </a:r>
+            <a:r>
+              <a:rPr lang="en-US" sz="3600" b="1" dirty="0" smtClean="0"/>
+              <a:t>top violent crimes zip codes </a:t>
+            </a:r>
+            <a:r>
+              <a:rPr lang="en-US" dirty="0" smtClean="0"/>
+              <a:t>account for </a:t>
+            </a:r>
+            <a:r>
+              <a:rPr lang="en-US" sz="3600" b="1" dirty="0" smtClean="0"/>
+              <a:t>43.66 </a:t>
+            </a:r>
+            <a:r>
+              <a:rPr lang="en-US" sz="3600" b="1" dirty="0" smtClean="0"/>
+              <a:t>% of total</a:t>
+            </a:r>
+            <a:r>
+              <a:rPr lang="en-US" dirty="0" smtClean="0"/>
+              <a:t> violent crimes</a:t>
+            </a:r>
+          </a:p>
+          <a:p>
+            <a:r>
+              <a:rPr lang="en-US" sz="3600" b="1" dirty="0" smtClean="0"/>
+              <a:t>20 %</a:t>
+            </a:r>
+            <a:r>
+              <a:rPr lang="en-US" dirty="0" smtClean="0"/>
+              <a:t> of </a:t>
+            </a:r>
+            <a:r>
+              <a:rPr lang="en-US" sz="3600" b="1" dirty="0"/>
+              <a:t>top violent crimes zip codes </a:t>
+            </a:r>
+            <a:r>
+              <a:rPr lang="en-US" dirty="0"/>
+              <a:t>account for </a:t>
+            </a:r>
+            <a:r>
+              <a:rPr lang="en-US" sz="3600" b="1" dirty="0" smtClean="0"/>
+              <a:t>65.19 </a:t>
+            </a:r>
+            <a:r>
+              <a:rPr lang="en-US" sz="3600" b="1" dirty="0"/>
+              <a:t>% of total</a:t>
+            </a:r>
+            <a:r>
+              <a:rPr lang="en-US" dirty="0"/>
+              <a:t> violent crimes</a:t>
+            </a:r>
+          </a:p>
+          <a:p>
+            <a:endParaRPr lang="en-US" dirty="0"/>
+          </a:p>
+        </p:txBody>
+      </p:sp>
+    </p:spTree>
+    <p:extLst>
+      <p:ext uri="{BB962C8B-B14F-4D97-AF65-F5344CB8AC3E}">
+        <p14:creationId xmlns:p14="http://schemas.microsoft.com/office/powerpoint/2010/main" val="3222392049"/>
+      </p:ext>
+    </p:extLst>
+  </p:cSld>
+  <p:clrMapOvr>
+    <a:masterClrMapping/>
+  </p:clrMapOvr>
+  <p:timing>
+    <p:tnLst>
+      <p:par>
+        <p:cTn id="1" dur="indefinite" restart="never" nodeType="tmRoot"/>
+      </p:par>
+    </p:tnLst>
+  </p:timing>
+</p:sld>
+</file>
+
+<file path=ppt/slides/slide3.xml><?xml version="1.0" encoding="utf-8"?>
+<p:sld xmlns:a="http://schemas.openxmlformats.org/drawingml/2006/main" xmlns:r="http://schemas.openxmlformats.org/officeDocument/2006/relationships" xmlns:p="http://schemas.openxmlformats.org/presentationml/2006/main">
+  <p:cSld>
+    <p:spTree>
+      <p:nvGrpSpPr>
+        <p:cNvPr id="1" name=""/>
+        <p:cNvGrpSpPr/>
+        <p:nvPr/>
+      </p:nvGrpSpPr>
+      <p:grpSpPr>
+        <a:xfrm>
+          <a:off x="0" y="0"/>
+          <a:ext cx="0" cy="0"/>
+          <a:chOff x="0" y="0"/>
+          <a:chExt cx="0" cy="0"/>
+        </a:xfrm>
+      </p:grpSpPr>
+      <p:sp>
+        <p:nvSpPr>
+          <p:cNvPr id="2" name="Title 1"/>
+          <p:cNvSpPr>
+            <a:spLocks noGrp="1"/>
+          </p:cNvSpPr>
+          <p:nvPr>
+            <p:ph type="title"/>
+          </p:nvPr>
+        </p:nvSpPr>
+        <p:spPr/>
+        <p:txBody>
+          <a:bodyPr/>
+          <a:lstStyle/>
+          <a:p>
+            <a:r>
+              <a:rPr lang="en-US" dirty="0" smtClean="0">
+                <a:solidFill>
+                  <a:srgbClr val="00CC99"/>
+                </a:solidFill>
+              </a:rPr>
+              <a:t>Expectation versus Data: Victim Descent</a:t>
+            </a:r>
+            <a:endParaRPr lang="en-US" dirty="0">
+              <a:solidFill>
+                <a:srgbClr val="00CC99"/>
+              </a:solidFill>
+            </a:endParaRPr>
           </a:p>
         </p:txBody>
       </p:sp>
@@ -3316,11 +3524,267 @@
         </p:blipFill>
         <p:spPr>
           <a:xfrm>
-            <a:off x="6172200" y="2274094"/>
+            <a:off x="6172200" y="1825625"/>
             <a:ext cx="5181600" cy="3454399"/>
           </a:xfrm>
         </p:spPr>
       </p:pic>
+      <p:graphicFrame>
+        <p:nvGraphicFramePr>
+          <p:cNvPr id="5" name="Table 4"/>
+          <p:cNvGraphicFramePr>
+            <a:graphicFrameLocks noGrp="1"/>
+          </p:cNvGraphicFramePr>
+          <p:nvPr>
+            <p:extLst>
+              <p:ext uri="{D42A27DB-BD31-4B8C-83A1-F6EECF244321}">
+                <p14:modId xmlns:p14="http://schemas.microsoft.com/office/powerpoint/2010/main" val="3000799969"/>
+              </p:ext>
+            </p:extLst>
+          </p:nvPr>
+        </p:nvGraphicFramePr>
+        <p:xfrm>
+          <a:off x="8013700" y="5414963"/>
+          <a:ext cx="1498600" cy="762000"/>
+        </p:xfrm>
+        <a:graphic>
+          <a:graphicData uri="http://schemas.openxmlformats.org/drawingml/2006/table">
+            <a:tbl>
+              <a:tblPr>
+                <a:tableStyleId>{5C22544A-7EE6-4342-B048-85BDC9FD1C3A}</a:tableStyleId>
+              </a:tblPr>
+              <a:tblGrid>
+                <a:gridCol w="674845">
+                  <a:extLst>
+                    <a:ext uri="{9D8B030D-6E8A-4147-A177-3AD203B41FA5}">
+                      <a16:colId xmlns:a16="http://schemas.microsoft.com/office/drawing/2014/main" val="2814594"/>
+                    </a:ext>
+                  </a:extLst>
+                </a:gridCol>
+                <a:gridCol w="823755">
+                  <a:extLst>
+                    <a:ext uri="{9D8B030D-6E8A-4147-A177-3AD203B41FA5}">
+                      <a16:colId xmlns:a16="http://schemas.microsoft.com/office/drawing/2014/main" val="2436596278"/>
+                    </a:ext>
+                  </a:extLst>
+                </a:gridCol>
+              </a:tblGrid>
+              <a:tr h="190500">
+                <a:tc>
+                  <a:txBody>
+                    <a:bodyPr/>
+                    <a:lstStyle/>
+                    <a:p>
+                      <a:pPr algn="l" fontAlgn="ctr"/>
+                      <a:r>
+                        <a:rPr lang="en-US" sz="1100" u="none" strike="noStrike">
+                          <a:effectLst/>
+                        </a:rPr>
+                        <a:t>Descent</a:t>
+                      </a:r>
+                      <a:endParaRPr lang="en-US" sz="1100" b="0" i="0" u="none" strike="noStrike">
+                        <a:solidFill>
+                          <a:srgbClr val="000000"/>
+                        </a:solidFill>
+                        <a:effectLst/>
+                        <a:latin typeface="Calibri" panose="020F0502020204030204" pitchFamily="34" charset="0"/>
+                      </a:endParaRPr>
+                    </a:p>
+                  </a:txBody>
+                  <a:tcPr marL="9525" marR="9525" marT="9525" marB="0" anchor="ctr"/>
+                </a:tc>
+                <a:tc>
+                  <a:txBody>
+                    <a:bodyPr/>
+                    <a:lstStyle/>
+                    <a:p>
+                      <a:pPr algn="l" fontAlgn="ctr"/>
+                      <a:r>
+                        <a:rPr lang="en-US" sz="1100" u="none" strike="noStrike">
+                          <a:effectLst/>
+                        </a:rPr>
+                        <a:t>Percentage</a:t>
+                      </a:r>
+                      <a:endParaRPr lang="en-US" sz="1100" b="0" i="0" u="none" strike="noStrike">
+                        <a:solidFill>
+                          <a:srgbClr val="000000"/>
+                        </a:solidFill>
+                        <a:effectLst/>
+                        <a:latin typeface="Calibri" panose="020F0502020204030204" pitchFamily="34" charset="0"/>
+                      </a:endParaRPr>
+                    </a:p>
+                  </a:txBody>
+                  <a:tcPr marL="9525" marR="9525" marT="9525" marB="0" anchor="ctr"/>
+                </a:tc>
+                <a:extLst>
+                  <a:ext uri="{0D108BD9-81ED-4DB2-BD59-A6C34878D82A}">
+                    <a16:rowId xmlns:a16="http://schemas.microsoft.com/office/drawing/2014/main" val="2097428440"/>
+                  </a:ext>
+                </a:extLst>
+              </a:tr>
+              <a:tr h="190500">
+                <a:tc>
+                  <a:txBody>
+                    <a:bodyPr/>
+                    <a:lstStyle/>
+                    <a:p>
+                      <a:pPr algn="r" fontAlgn="ctr"/>
+                      <a:r>
+                        <a:rPr lang="en-US" sz="1100" u="none" strike="noStrike">
+                          <a:effectLst/>
+                        </a:rPr>
+                        <a:t>Hispanic</a:t>
+                      </a:r>
+                      <a:endParaRPr lang="en-US" sz="1100" b="0" i="0" u="none" strike="noStrike">
+                        <a:solidFill>
+                          <a:srgbClr val="000000"/>
+                        </a:solidFill>
+                        <a:effectLst/>
+                        <a:latin typeface="Calibri" panose="020F0502020204030204" pitchFamily="34" charset="0"/>
+                      </a:endParaRPr>
+                    </a:p>
+                  </a:txBody>
+                  <a:tcPr marL="9525" marR="9525" marT="9525" marB="0" anchor="ctr"/>
+                </a:tc>
+                <a:tc>
+                  <a:txBody>
+                    <a:bodyPr/>
+                    <a:lstStyle/>
+                    <a:p>
+                      <a:pPr algn="r" fontAlgn="ctr"/>
+                      <a:r>
+                        <a:rPr lang="en-US" sz="1100" u="none" strike="noStrike">
+                          <a:effectLst/>
+                        </a:rPr>
+                        <a:t>49.56%</a:t>
+                      </a:r>
+                      <a:endParaRPr lang="en-US" sz="1100" b="0" i="0" u="none" strike="noStrike">
+                        <a:solidFill>
+                          <a:srgbClr val="000000"/>
+                        </a:solidFill>
+                        <a:effectLst/>
+                        <a:latin typeface="Calibri" panose="020F0502020204030204" pitchFamily="34" charset="0"/>
+                      </a:endParaRPr>
+                    </a:p>
+                  </a:txBody>
+                  <a:tcPr marL="9525" marR="9525" marT="9525" marB="0" anchor="ctr"/>
+                </a:tc>
+                <a:extLst>
+                  <a:ext uri="{0D108BD9-81ED-4DB2-BD59-A6C34878D82A}">
+                    <a16:rowId xmlns:a16="http://schemas.microsoft.com/office/drawing/2014/main" val="2887343469"/>
+                  </a:ext>
+                </a:extLst>
+              </a:tr>
+              <a:tr h="190500">
+                <a:tc>
+                  <a:txBody>
+                    <a:bodyPr/>
+                    <a:lstStyle/>
+                    <a:p>
+                      <a:pPr algn="r" fontAlgn="ctr"/>
+                      <a:r>
+                        <a:rPr lang="en-US" sz="1100" u="none" strike="noStrike">
+                          <a:effectLst/>
+                        </a:rPr>
+                        <a:t>Black</a:t>
+                      </a:r>
+                      <a:endParaRPr lang="en-US" sz="1100" b="0" i="0" u="none" strike="noStrike">
+                        <a:solidFill>
+                          <a:srgbClr val="000000"/>
+                        </a:solidFill>
+                        <a:effectLst/>
+                        <a:latin typeface="Calibri" panose="020F0502020204030204" pitchFamily="34" charset="0"/>
+                      </a:endParaRPr>
+                    </a:p>
+                  </a:txBody>
+                  <a:tcPr marL="9525" marR="9525" marT="9525" marB="0" anchor="ctr"/>
+                </a:tc>
+                <a:tc>
+                  <a:txBody>
+                    <a:bodyPr/>
+                    <a:lstStyle/>
+                    <a:p>
+                      <a:pPr algn="r" fontAlgn="ctr"/>
+                      <a:r>
+                        <a:rPr lang="en-US" sz="1100" u="none" strike="noStrike">
+                          <a:effectLst/>
+                        </a:rPr>
+                        <a:t>23.80%</a:t>
+                      </a:r>
+                      <a:endParaRPr lang="en-US" sz="1100" b="0" i="0" u="none" strike="noStrike">
+                        <a:solidFill>
+                          <a:srgbClr val="000000"/>
+                        </a:solidFill>
+                        <a:effectLst/>
+                        <a:latin typeface="Calibri" panose="020F0502020204030204" pitchFamily="34" charset="0"/>
+                      </a:endParaRPr>
+                    </a:p>
+                  </a:txBody>
+                  <a:tcPr marL="9525" marR="9525" marT="9525" marB="0" anchor="ctr"/>
+                </a:tc>
+                <a:extLst>
+                  <a:ext uri="{0D108BD9-81ED-4DB2-BD59-A6C34878D82A}">
+                    <a16:rowId xmlns:a16="http://schemas.microsoft.com/office/drawing/2014/main" val="950445556"/>
+                  </a:ext>
+                </a:extLst>
+              </a:tr>
+              <a:tr h="190500">
+                <a:tc>
+                  <a:txBody>
+                    <a:bodyPr/>
+                    <a:lstStyle/>
+                    <a:p>
+                      <a:pPr algn="r" fontAlgn="ctr"/>
+                      <a:r>
+                        <a:rPr lang="en-US" sz="1100" u="none" strike="noStrike">
+                          <a:effectLst/>
+                        </a:rPr>
+                        <a:t>White</a:t>
+                      </a:r>
+                      <a:endParaRPr lang="en-US" sz="1100" b="0" i="0" u="none" strike="noStrike">
+                        <a:solidFill>
+                          <a:srgbClr val="000000"/>
+                        </a:solidFill>
+                        <a:effectLst/>
+                        <a:latin typeface="Calibri" panose="020F0502020204030204" pitchFamily="34" charset="0"/>
+                      </a:endParaRPr>
+                    </a:p>
+                  </a:txBody>
+                  <a:tcPr marL="9525" marR="9525" marT="9525" marB="0" anchor="ctr"/>
+                </a:tc>
+                <a:tc>
+                  <a:txBody>
+                    <a:bodyPr/>
+                    <a:lstStyle/>
+                    <a:p>
+                      <a:pPr algn="r" fontAlgn="ctr"/>
+                      <a:r>
+                        <a:rPr lang="en-US" sz="1100" u="none" strike="noStrike" dirty="0">
+                          <a:effectLst/>
+                        </a:rPr>
+                        <a:t>15.10%</a:t>
+                      </a:r>
+                      <a:endParaRPr lang="en-US" sz="1100" b="0" i="0" u="none" strike="noStrike" dirty="0">
+                        <a:solidFill>
+                          <a:srgbClr val="000000"/>
+                        </a:solidFill>
+                        <a:effectLst/>
+                        <a:latin typeface="Calibri" panose="020F0502020204030204" pitchFamily="34" charset="0"/>
+                      </a:endParaRPr>
+                    </a:p>
+                  </a:txBody>
+                  <a:tcPr marL="9525" marR="9525" marT="9525" marB="0" anchor="ctr"/>
+                </a:tc>
+                <a:extLst>
+                  <a:ext uri="{0D108BD9-81ED-4DB2-BD59-A6C34878D82A}">
+                    <a16:rowId xmlns:a16="http://schemas.microsoft.com/office/drawing/2014/main" val="1562267796"/>
+                  </a:ext>
+                </a:extLst>
+              </a:tr>
+            </a:tbl>
+          </a:graphicData>
+        </a:graphic>
+      </p:graphicFrame>
     </p:spTree>
     <p:extLst>
       <p:ext uri="{BB962C8B-B14F-4D97-AF65-F5344CB8AC3E}">
@@ -3331,10 +3795,17 @@
   <p:clrMapOvr>
     <a:masterClrMapping/>
   </p:clrMapOvr>
+  <p:timing>
+    <p:tnLst>
+      <p:par>
+        <p:cTn id="1" dur="indefinite" restart="never" nodeType="tmRoot"/>
+      </p:par>
+    </p:tnLst>
+  </p:timing>
 </p:sld>
 </file>
 
-<file path=ppt/slides/slide3.xml><?xml version="1.0" encoding="utf-8"?>
+<file path=ppt/slides/slide4.xml><?xml version="1.0" encoding="utf-8"?>
 <p:sld xmlns:a="http://schemas.openxmlformats.org/drawingml/2006/main" xmlns:r="http://schemas.openxmlformats.org/officeDocument/2006/relationships" xmlns:p="http://schemas.openxmlformats.org/presentationml/2006/main">
   <p:cSld>
     <p:spTree>
@@ -3467,7 +3938,7 @@
 </p:sld>
 </file>
 
-<file path=ppt/slides/slide4.xml><?xml version="1.0" encoding="utf-8"?>
+<file path=ppt/slides/slide5.xml><?xml version="1.0" encoding="utf-8"?>
 <p:sld xmlns:a="http://schemas.openxmlformats.org/drawingml/2006/main" xmlns:r="http://schemas.openxmlformats.org/officeDocument/2006/relationships" xmlns:p="http://schemas.openxmlformats.org/presentationml/2006/main">
   <p:cSld>
     <p:spTree>
@@ -3702,10 +4173,17 @@
   <p:clrMapOvr>
     <a:masterClrMapping/>
   </p:clrMapOvr>
+  <p:timing>
+    <p:tnLst>
+      <p:par>
+        <p:cTn id="1" dur="indefinite" restart="never" nodeType="tmRoot"/>
+      </p:par>
+    </p:tnLst>
+  </p:timing>
 </p:sld>
 </file>
 
-<file path=ppt/slides/slide5.xml><?xml version="1.0" encoding="utf-8"?>
+<file path=ppt/slides/slide6.xml><?xml version="1.0" encoding="utf-8"?>
 <p:sld xmlns:a="http://schemas.openxmlformats.org/drawingml/2006/main" xmlns:r="http://schemas.openxmlformats.org/officeDocument/2006/relationships" xmlns:p="http://schemas.openxmlformats.org/presentationml/2006/main">
   <p:cSld>
     <p:spTree>
@@ -3758,7 +4236,7 @@
         <p:spPr/>
         <p:txBody>
           <a:bodyPr>
-            <a:normAutofit lnSpcReduction="10000"/>
+            <a:normAutofit fontScale="92500" lnSpcReduction="10000"/>
           </a:bodyPr>
           <a:lstStyle/>
           <a:p>
@@ -3819,6 +4297,12 @@
             <a:r>
               <a:rPr lang="en-US" dirty="0" smtClean="0"/>
               <a:t>Overall conclusion violent crime decrease sounds good, but local stark differences</a:t>
+            </a:r>
+          </a:p>
+          <a:p>
+            <a:r>
+              <a:rPr lang="en-US" dirty="0" smtClean="0"/>
+              <a:t>How to account for changing perception of what constitutes a crime and/or what people consider ‘normal/acceptable’ behavior over time</a:t>
             </a:r>
           </a:p>
           <a:p>

--- a/Presentation Project1 - Los Angeles Crime Statistics.pptx
+++ b/Presentation Project1 - Los Angeles Crime Statistics.pptx
@@ -11,6 +11,7 @@
     <p:sldId id="257" r:id="rId5"/>
     <p:sldId id="259" r:id="rId6"/>
     <p:sldId id="260" r:id="rId7"/>
+    <p:sldId id="262" r:id="rId8"/>
   </p:sldIdLst>
   <p:sldSz cx="12192000" cy="6858000"/>
   <p:notesSz cx="6858000" cy="9144000"/>
@@ -3267,40 +3268,31 @@
           <a:p>
             <a:r>
               <a:rPr lang="en-US" dirty="0" smtClean="0"/>
-              <a:t>Strong Disparity by </a:t>
-            </a:r>
+              <a:t>Strong Disparity by Zip Code</a:t>
+            </a:r>
+            <a:endParaRPr lang="en-US" dirty="0"/>
+          </a:p>
+        </p:txBody>
+      </p:sp>
+      <p:sp>
+        <p:nvSpPr>
+          <p:cNvPr id="3" name="Content Placeholder 2"/>
+          <p:cNvSpPr>
+            <a:spLocks noGrp="1"/>
+          </p:cNvSpPr>
+          <p:nvPr>
+            <p:ph idx="1"/>
+          </p:nvPr>
+        </p:nvSpPr>
+        <p:spPr/>
+        <p:txBody>
+          <a:bodyPr/>
+          <a:lstStyle/>
+          <a:p>
             <a:r>
               <a:rPr lang="en-US" dirty="0" smtClean="0"/>
-              <a:t>Zip Code</a:t>
-            </a:r>
-            <a:endParaRPr lang="en-US" dirty="0"/>
-          </a:p>
-        </p:txBody>
-      </p:sp>
-      <p:sp>
-        <p:nvSpPr>
-          <p:cNvPr id="3" name="Content Placeholder 2"/>
-          <p:cNvSpPr>
-            <a:spLocks noGrp="1"/>
-          </p:cNvSpPr>
-          <p:nvPr>
-            <p:ph idx="1"/>
-          </p:nvPr>
-        </p:nvSpPr>
-        <p:spPr/>
-        <p:txBody>
-          <a:bodyPr/>
-          <a:lstStyle/>
-          <a:p>
-            <a:r>
-              <a:rPr lang="en-US" dirty="0" smtClean="0"/>
-              <a:t>169 </a:t>
-            </a:r>
-            <a:r>
-              <a:rPr lang="en-US" dirty="0" smtClean="0"/>
-              <a:t>zip codes</a:t>
-            </a:r>
-            <a:endParaRPr lang="en-US" dirty="0" smtClean="0"/>
+              <a:t>169 zip codes</a:t>
+            </a:r>
           </a:p>
           <a:p>
             <a:r>
@@ -3321,11 +3313,7 @@
             </a:r>
             <a:r>
               <a:rPr lang="en-US" sz="3600" b="1" dirty="0" smtClean="0"/>
-              <a:t>43.66 </a:t>
-            </a:r>
-            <a:r>
-              <a:rPr lang="en-US" sz="3600" b="1" dirty="0" smtClean="0"/>
-              <a:t>% of total</a:t>
+              <a:t>43.66 % of total</a:t>
             </a:r>
             <a:r>
               <a:rPr lang="en-US" dirty="0" smtClean="0"/>
@@ -4323,6 +4311,159 @@
 </p:sld>
 </file>
 
+<file path=ppt/slides/slide7.xml><?xml version="1.0" encoding="utf-8"?>
+<p:sld xmlns:a="http://schemas.openxmlformats.org/drawingml/2006/main" xmlns:r="http://schemas.openxmlformats.org/officeDocument/2006/relationships" xmlns:p="http://schemas.openxmlformats.org/presentationml/2006/main">
+  <p:cSld>
+    <p:spTree>
+      <p:nvGrpSpPr>
+        <p:cNvPr id="1" name=""/>
+        <p:cNvGrpSpPr/>
+        <p:nvPr/>
+      </p:nvGrpSpPr>
+      <p:grpSpPr>
+        <a:xfrm>
+          <a:off x="0" y="0"/>
+          <a:ext cx="0" cy="0"/>
+          <a:chOff x="0" y="0"/>
+          <a:chExt cx="0" cy="0"/>
+        </a:xfrm>
+      </p:grpSpPr>
+      <p:sp>
+        <p:nvSpPr>
+          <p:cNvPr id="2" name="Title 1"/>
+          <p:cNvSpPr>
+            <a:spLocks noGrp="1"/>
+          </p:cNvSpPr>
+          <p:nvPr>
+            <p:ph type="title"/>
+          </p:nvPr>
+        </p:nvSpPr>
+        <p:spPr/>
+        <p:txBody>
+          <a:bodyPr/>
+          <a:lstStyle/>
+          <a:p>
+            <a:r>
+              <a:rPr lang="en-US" dirty="0" smtClean="0"/>
+              <a:t>Zip Codes</a:t>
+            </a:r>
+            <a:endParaRPr lang="en-US" dirty="0"/>
+          </a:p>
+        </p:txBody>
+      </p:sp>
+      <p:sp>
+        <p:nvSpPr>
+          <p:cNvPr id="3" name="Content Placeholder 2"/>
+          <p:cNvSpPr>
+            <a:spLocks noGrp="1"/>
+          </p:cNvSpPr>
+          <p:nvPr>
+            <p:ph idx="1"/>
+          </p:nvPr>
+        </p:nvSpPr>
+        <p:spPr/>
+        <p:txBody>
+          <a:bodyPr/>
+          <a:lstStyle/>
+          <a:p>
+            <a:endParaRPr lang="en-US"/>
+          </a:p>
+        </p:txBody>
+      </p:sp>
+      <p:graphicFrame>
+        <p:nvGraphicFramePr>
+          <p:cNvPr id="4" name="Object 3"/>
+          <p:cNvGraphicFramePr>
+            <a:graphicFrameLocks noChangeAspect="1"/>
+          </p:cNvGraphicFramePr>
+          <p:nvPr>
+            <p:extLst>
+              <p:ext uri="{D42A27DB-BD31-4B8C-83A1-F6EECF244321}">
+                <p14:modId xmlns:p14="http://schemas.microsoft.com/office/powerpoint/2010/main" val="1013870627"/>
+              </p:ext>
+            </p:extLst>
+          </p:nvPr>
+        </p:nvGraphicFramePr>
+        <p:xfrm>
+          <a:off x="11260138" y="3714750"/>
+          <a:ext cx="669925" cy="376238"/>
+        </p:xfrm>
+        <a:graphic>
+          <a:graphicData uri="http://schemas.openxmlformats.org/presentationml/2006/ole">
+            <mc:AlternateContent xmlns:mc="http://schemas.openxmlformats.org/markup-compatibility/2006">
+              <mc:Choice xmlns:v="urn:schemas-microsoft-com:vml" Requires="v">
+                <p:oleObj spid="_x0000_s2050" name="Packager Shell Object" showAsIcon="1" r:id="rId3" imgW="669600" imgH="375840" progId="Package">
+                  <p:embed/>
+                </p:oleObj>
+              </mc:Choice>
+              <mc:Fallback>
+                <p:oleObj name="Packager Shell Object" showAsIcon="1" r:id="rId3" imgW="669600" imgH="375840" progId="Package">
+                  <p:embed/>
+                  <p:pic>
+                    <p:nvPicPr>
+                      <p:cNvPr id="0" name=""/>
+                      <p:cNvPicPr/>
+                      <p:nvPr/>
+                    </p:nvPicPr>
+                    <p:blipFill>
+                      <a:blip r:embed="rId4"/>
+                      <a:stretch>
+                        <a:fillRect/>
+                      </a:stretch>
+                    </p:blipFill>
+                    <p:spPr>
+                      <a:xfrm>
+                        <a:off x="11260138" y="3714750"/>
+                        <a:ext cx="669925" cy="376238"/>
+                      </a:xfrm>
+                      <a:prstGeom prst="rect">
+                        <a:avLst/>
+                      </a:prstGeom>
+                    </p:spPr>
+                  </p:pic>
+                </p:oleObj>
+              </mc:Fallback>
+            </mc:AlternateContent>
+          </a:graphicData>
+        </a:graphic>
+      </p:graphicFrame>
+      <p:pic>
+        <p:nvPicPr>
+          <p:cNvPr id="5" name="Picture 4"/>
+          <p:cNvPicPr>
+            <a:picLocks noChangeAspect="1"/>
+          </p:cNvPicPr>
+          <p:nvPr/>
+        </p:nvPicPr>
+        <p:blipFill>
+          <a:blip r:embed="rId5"/>
+          <a:stretch>
+            <a:fillRect/>
+          </a:stretch>
+        </p:blipFill>
+        <p:spPr>
+          <a:xfrm rot="16200000">
+            <a:off x="6925602" y="1618595"/>
+            <a:ext cx="5516243" cy="3340154"/>
+          </a:xfrm>
+          <a:prstGeom prst="rect">
+            <a:avLst/>
+          </a:prstGeom>
+        </p:spPr>
+      </p:pic>
+    </p:spTree>
+    <p:extLst>
+      <p:ext uri="{BB962C8B-B14F-4D97-AF65-F5344CB8AC3E}">
+        <p14:creationId xmlns:p14="http://schemas.microsoft.com/office/powerpoint/2010/main" val="3985750971"/>
+      </p:ext>
+    </p:extLst>
+  </p:cSld>
+  <p:clrMapOvr>
+    <a:masterClrMapping/>
+  </p:clrMapOvr>
+</p:sld>
+</file>
+
 <file path=ppt/theme/theme1.xml><?xml version="1.0" encoding="utf-8"?>
 <a:theme xmlns:a="http://schemas.openxmlformats.org/drawingml/2006/main" name="Office Theme">
   <a:themeElements>

--- a/Presentation Project1 - Los Angeles Crime Statistics.pptx
+++ b/Presentation Project1 - Los Angeles Crime Statistics.pptx
@@ -12,6 +12,8 @@
     <p:sldId id="259" r:id="rId6"/>
     <p:sldId id="260" r:id="rId7"/>
     <p:sldId id="262" r:id="rId8"/>
+    <p:sldId id="263" r:id="rId9"/>
+    <p:sldId id="264" r:id="rId10"/>
   </p:sldIdLst>
   <p:sldSz cx="12192000" cy="6858000"/>
   <p:notesSz cx="6858000" cy="9144000"/>
@@ -160,10 +162,9 @@
           </a:lstStyle>
           <a:p>
             <a:r>
-              <a:rPr lang="en-US" smtClean="0"/>
+              <a:rPr lang="en-US"/>
               <a:t>Click to edit Master title style</a:t>
             </a:r>
-            <a:endParaRPr lang="en-US"/>
           </a:p>
         </p:txBody>
       </p:sp>
@@ -225,10 +226,9 @@
           </a:lstStyle>
           <a:p>
             <a:r>
-              <a:rPr lang="en-US" smtClean="0"/>
+              <a:rPr lang="en-US"/>
               <a:t>Click to edit Master subtitle style</a:t>
             </a:r>
-            <a:endParaRPr lang="en-US"/>
           </a:p>
         </p:txBody>
       </p:sp>
@@ -249,7 +249,7 @@
           <a:p>
             <a:fld id="{6ADD931D-199D-4775-8AFB-7A6102A10C14}" type="datetimeFigureOut">
               <a:rPr lang="en-US" smtClean="0"/>
-              <a:t>3/27/2019</a:t>
+              <a:t>3/28/2019</a:t>
             </a:fld>
             <a:endParaRPr lang="en-US"/>
           </a:p>
@@ -343,10 +343,9 @@
           <a:lstStyle/>
           <a:p>
             <a:r>
-              <a:rPr lang="en-US" smtClean="0"/>
+              <a:rPr lang="en-US"/>
               <a:t>Click to edit Master title style</a:t>
             </a:r>
-            <a:endParaRPr lang="en-US"/>
           </a:p>
         </p:txBody>
       </p:sp>
@@ -367,38 +366,37 @@
           <a:p>
             <a:pPr lvl="0"/>
             <a:r>
-              <a:rPr lang="en-US" smtClean="0"/>
+              <a:rPr lang="en-US"/>
               <a:t>Edit Master text styles</a:t>
             </a:r>
           </a:p>
           <a:p>
             <a:pPr lvl="1"/>
             <a:r>
-              <a:rPr lang="en-US" smtClean="0"/>
+              <a:rPr lang="en-US"/>
               <a:t>Second level</a:t>
             </a:r>
           </a:p>
           <a:p>
             <a:pPr lvl="2"/>
             <a:r>
-              <a:rPr lang="en-US" smtClean="0"/>
+              <a:rPr lang="en-US"/>
               <a:t>Third level</a:t>
             </a:r>
           </a:p>
           <a:p>
             <a:pPr lvl="3"/>
             <a:r>
-              <a:rPr lang="en-US" smtClean="0"/>
+              <a:rPr lang="en-US"/>
               <a:t>Fourth level</a:t>
             </a:r>
           </a:p>
           <a:p>
             <a:pPr lvl="4"/>
             <a:r>
-              <a:rPr lang="en-US" smtClean="0"/>
+              <a:rPr lang="en-US"/>
               <a:t>Fifth level</a:t>
             </a:r>
-            <a:endParaRPr lang="en-US"/>
           </a:p>
         </p:txBody>
       </p:sp>
@@ -419,7 +417,7 @@
           <a:p>
             <a:fld id="{6ADD931D-199D-4775-8AFB-7A6102A10C14}" type="datetimeFigureOut">
               <a:rPr lang="en-US" smtClean="0"/>
-              <a:t>3/27/2019</a:t>
+              <a:t>3/28/2019</a:t>
             </a:fld>
             <a:endParaRPr lang="en-US"/>
           </a:p>
@@ -518,10 +516,9 @@
           <a:lstStyle/>
           <a:p>
             <a:r>
-              <a:rPr lang="en-US" smtClean="0"/>
+              <a:rPr lang="en-US"/>
               <a:t>Click to edit Master title style</a:t>
             </a:r>
-            <a:endParaRPr lang="en-US"/>
           </a:p>
         </p:txBody>
       </p:sp>
@@ -547,38 +544,37 @@
           <a:p>
             <a:pPr lvl="0"/>
             <a:r>
-              <a:rPr lang="en-US" smtClean="0"/>
+              <a:rPr lang="en-US"/>
               <a:t>Edit Master text styles</a:t>
             </a:r>
           </a:p>
           <a:p>
             <a:pPr lvl="1"/>
             <a:r>
-              <a:rPr lang="en-US" smtClean="0"/>
+              <a:rPr lang="en-US"/>
               <a:t>Second level</a:t>
             </a:r>
           </a:p>
           <a:p>
             <a:pPr lvl="2"/>
             <a:r>
-              <a:rPr lang="en-US" smtClean="0"/>
+              <a:rPr lang="en-US"/>
               <a:t>Third level</a:t>
             </a:r>
           </a:p>
           <a:p>
             <a:pPr lvl="3"/>
             <a:r>
-              <a:rPr lang="en-US" smtClean="0"/>
+              <a:rPr lang="en-US"/>
               <a:t>Fourth level</a:t>
             </a:r>
           </a:p>
           <a:p>
             <a:pPr lvl="4"/>
             <a:r>
-              <a:rPr lang="en-US" smtClean="0"/>
+              <a:rPr lang="en-US"/>
               <a:t>Fifth level</a:t>
             </a:r>
-            <a:endParaRPr lang="en-US"/>
           </a:p>
         </p:txBody>
       </p:sp>
@@ -599,7 +595,7 @@
           <a:p>
             <a:fld id="{6ADD931D-199D-4775-8AFB-7A6102A10C14}" type="datetimeFigureOut">
               <a:rPr lang="en-US" smtClean="0"/>
-              <a:t>3/27/2019</a:t>
+              <a:t>3/28/2019</a:t>
             </a:fld>
             <a:endParaRPr lang="en-US"/>
           </a:p>
@@ -701,10 +697,9 @@
           </a:lstStyle>
           <a:p>
             <a:r>
-              <a:rPr lang="en-US" dirty="0" smtClean="0"/>
+              <a:rPr lang="en-US" dirty="0"/>
               <a:t>Click to edit Master title style</a:t>
             </a:r>
-            <a:endParaRPr lang="en-US" dirty="0"/>
           </a:p>
         </p:txBody>
       </p:sp>
@@ -725,38 +720,37 @@
           <a:p>
             <a:pPr lvl="0"/>
             <a:r>
-              <a:rPr lang="en-US" smtClean="0"/>
+              <a:rPr lang="en-US"/>
               <a:t>Edit Master text styles</a:t>
             </a:r>
           </a:p>
           <a:p>
             <a:pPr lvl="1"/>
             <a:r>
-              <a:rPr lang="en-US" smtClean="0"/>
+              <a:rPr lang="en-US"/>
               <a:t>Second level</a:t>
             </a:r>
           </a:p>
           <a:p>
             <a:pPr lvl="2"/>
             <a:r>
-              <a:rPr lang="en-US" smtClean="0"/>
+              <a:rPr lang="en-US"/>
               <a:t>Third level</a:t>
             </a:r>
           </a:p>
           <a:p>
             <a:pPr lvl="3"/>
             <a:r>
-              <a:rPr lang="en-US" smtClean="0"/>
+              <a:rPr lang="en-US"/>
               <a:t>Fourth level</a:t>
             </a:r>
           </a:p>
           <a:p>
             <a:pPr lvl="4"/>
             <a:r>
-              <a:rPr lang="en-US" smtClean="0"/>
+              <a:rPr lang="en-US"/>
               <a:t>Fifth level</a:t>
             </a:r>
-            <a:endParaRPr lang="en-US"/>
           </a:p>
         </p:txBody>
       </p:sp>
@@ -777,7 +771,7 @@
           <a:p>
             <a:fld id="{6ADD931D-199D-4775-8AFB-7A6102A10C14}" type="datetimeFigureOut">
               <a:rPr lang="en-US" smtClean="0"/>
-              <a:t>3/27/2019</a:t>
+              <a:t>3/28/2019</a:t>
             </a:fld>
             <a:endParaRPr lang="en-US"/>
           </a:p>
@@ -835,13 +829,6 @@
   <p:clrMapOvr>
     <a:masterClrMapping/>
   </p:clrMapOvr>
-  <p:timing>
-    <p:tnLst>
-      <p:par>
-        <p:cTn id="1" dur="indefinite" restart="never" nodeType="tmRoot"/>
-      </p:par>
-    </p:tnLst>
-  </p:timing>
 </p:sldLayout>
 </file>
 
@@ -887,10 +874,9 @@
           </a:lstStyle>
           <a:p>
             <a:r>
-              <a:rPr lang="en-US" smtClean="0"/>
+              <a:rPr lang="en-US"/>
               <a:t>Click to edit Master title style</a:t>
             </a:r>
-            <a:endParaRPr lang="en-US"/>
           </a:p>
         </p:txBody>
       </p:sp>
@@ -1007,7 +993,7 @@
           <a:p>
             <a:pPr lvl="0"/>
             <a:r>
-              <a:rPr lang="en-US" smtClean="0"/>
+              <a:rPr lang="en-US"/>
               <a:t>Edit Master text styles</a:t>
             </a:r>
           </a:p>
@@ -1030,7 +1016,7 @@
           <a:p>
             <a:fld id="{6ADD931D-199D-4775-8AFB-7A6102A10C14}" type="datetimeFigureOut">
               <a:rPr lang="en-US" smtClean="0"/>
-              <a:t>3/27/2019</a:t>
+              <a:t>3/28/2019</a:t>
             </a:fld>
             <a:endParaRPr lang="en-US"/>
           </a:p>
@@ -1132,10 +1118,9 @@
           </a:lstStyle>
           <a:p>
             <a:r>
-              <a:rPr lang="en-US" dirty="0" smtClean="0"/>
+              <a:rPr lang="en-US" dirty="0"/>
               <a:t>Click to edit Master title style</a:t>
             </a:r>
-            <a:endParaRPr lang="en-US" dirty="0"/>
           </a:p>
         </p:txBody>
       </p:sp>
@@ -1161,38 +1146,37 @@
           <a:p>
             <a:pPr lvl="0"/>
             <a:r>
-              <a:rPr lang="en-US" smtClean="0"/>
+              <a:rPr lang="en-US"/>
               <a:t>Edit Master text styles</a:t>
             </a:r>
           </a:p>
           <a:p>
             <a:pPr lvl="1"/>
             <a:r>
-              <a:rPr lang="en-US" smtClean="0"/>
+              <a:rPr lang="en-US"/>
               <a:t>Second level</a:t>
             </a:r>
           </a:p>
           <a:p>
             <a:pPr lvl="2"/>
             <a:r>
-              <a:rPr lang="en-US" smtClean="0"/>
+              <a:rPr lang="en-US"/>
               <a:t>Third level</a:t>
             </a:r>
           </a:p>
           <a:p>
             <a:pPr lvl="3"/>
             <a:r>
-              <a:rPr lang="en-US" smtClean="0"/>
+              <a:rPr lang="en-US"/>
               <a:t>Fourth level</a:t>
             </a:r>
           </a:p>
           <a:p>
             <a:pPr lvl="4"/>
             <a:r>
-              <a:rPr lang="en-US" smtClean="0"/>
+              <a:rPr lang="en-US"/>
               <a:t>Fifth level</a:t>
             </a:r>
-            <a:endParaRPr lang="en-US"/>
           </a:p>
         </p:txBody>
       </p:sp>
@@ -1218,38 +1202,37 @@
           <a:p>
             <a:pPr lvl="0"/>
             <a:r>
-              <a:rPr lang="en-US" smtClean="0"/>
+              <a:rPr lang="en-US"/>
               <a:t>Edit Master text styles</a:t>
             </a:r>
           </a:p>
           <a:p>
             <a:pPr lvl="1"/>
             <a:r>
-              <a:rPr lang="en-US" smtClean="0"/>
+              <a:rPr lang="en-US"/>
               <a:t>Second level</a:t>
             </a:r>
           </a:p>
           <a:p>
             <a:pPr lvl="2"/>
             <a:r>
-              <a:rPr lang="en-US" smtClean="0"/>
+              <a:rPr lang="en-US"/>
               <a:t>Third level</a:t>
             </a:r>
           </a:p>
           <a:p>
             <a:pPr lvl="3"/>
             <a:r>
-              <a:rPr lang="en-US" smtClean="0"/>
+              <a:rPr lang="en-US"/>
               <a:t>Fourth level</a:t>
             </a:r>
           </a:p>
           <a:p>
             <a:pPr lvl="4"/>
             <a:r>
-              <a:rPr lang="en-US" smtClean="0"/>
+              <a:rPr lang="en-US"/>
               <a:t>Fifth level</a:t>
             </a:r>
-            <a:endParaRPr lang="en-US"/>
           </a:p>
         </p:txBody>
       </p:sp>
@@ -1270,7 +1253,7 @@
           <a:p>
             <a:fld id="{6ADD931D-199D-4775-8AFB-7A6102A10C14}" type="datetimeFigureOut">
               <a:rPr lang="en-US" smtClean="0"/>
-              <a:t>3/27/2019</a:t>
+              <a:t>3/28/2019</a:t>
             </a:fld>
             <a:endParaRPr lang="en-US"/>
           </a:p>
@@ -1328,13 +1311,6 @@
   <p:clrMapOvr>
     <a:masterClrMapping/>
   </p:clrMapOvr>
-  <p:timing>
-    <p:tnLst>
-      <p:par>
-        <p:cTn id="1" dur="indefinite" restart="never" nodeType="tmRoot"/>
-      </p:par>
-    </p:tnLst>
-  </p:timing>
 </p:sldLayout>
 </file>
 
@@ -1376,10 +1352,9 @@
           <a:lstStyle/>
           <a:p>
             <a:r>
-              <a:rPr lang="en-US" smtClean="0"/>
+              <a:rPr lang="en-US"/>
               <a:t>Click to edit Master title style</a:t>
             </a:r>
-            <a:endParaRPr lang="en-US"/>
           </a:p>
         </p:txBody>
       </p:sp>
@@ -1442,7 +1417,7 @@
           <a:p>
             <a:pPr lvl="0"/>
             <a:r>
-              <a:rPr lang="en-US" smtClean="0"/>
+              <a:rPr lang="en-US"/>
               <a:t>Edit Master text styles</a:t>
             </a:r>
           </a:p>
@@ -1470,38 +1445,37 @@
           <a:p>
             <a:pPr lvl="0"/>
             <a:r>
-              <a:rPr lang="en-US" smtClean="0"/>
+              <a:rPr lang="en-US"/>
               <a:t>Edit Master text styles</a:t>
             </a:r>
           </a:p>
           <a:p>
             <a:pPr lvl="1"/>
             <a:r>
-              <a:rPr lang="en-US" smtClean="0"/>
+              <a:rPr lang="en-US"/>
               <a:t>Second level</a:t>
             </a:r>
           </a:p>
           <a:p>
             <a:pPr lvl="2"/>
             <a:r>
-              <a:rPr lang="en-US" smtClean="0"/>
+              <a:rPr lang="en-US"/>
               <a:t>Third level</a:t>
             </a:r>
           </a:p>
           <a:p>
             <a:pPr lvl="3"/>
             <a:r>
-              <a:rPr lang="en-US" smtClean="0"/>
+              <a:rPr lang="en-US"/>
               <a:t>Fourth level</a:t>
             </a:r>
           </a:p>
           <a:p>
             <a:pPr lvl="4"/>
             <a:r>
-              <a:rPr lang="en-US" smtClean="0"/>
+              <a:rPr lang="en-US"/>
               <a:t>Fifth level</a:t>
             </a:r>
-            <a:endParaRPr lang="en-US"/>
           </a:p>
         </p:txBody>
       </p:sp>
@@ -1564,7 +1538,7 @@
           <a:p>
             <a:pPr lvl="0"/>
             <a:r>
-              <a:rPr lang="en-US" smtClean="0"/>
+              <a:rPr lang="en-US"/>
               <a:t>Edit Master text styles</a:t>
             </a:r>
           </a:p>
@@ -1592,38 +1566,37 @@
           <a:p>
             <a:pPr lvl="0"/>
             <a:r>
-              <a:rPr lang="en-US" smtClean="0"/>
+              <a:rPr lang="en-US"/>
               <a:t>Edit Master text styles</a:t>
             </a:r>
           </a:p>
           <a:p>
             <a:pPr lvl="1"/>
             <a:r>
-              <a:rPr lang="en-US" smtClean="0"/>
+              <a:rPr lang="en-US"/>
               <a:t>Second level</a:t>
             </a:r>
           </a:p>
           <a:p>
             <a:pPr lvl="2"/>
             <a:r>
-              <a:rPr lang="en-US" smtClean="0"/>
+              <a:rPr lang="en-US"/>
               <a:t>Third level</a:t>
             </a:r>
           </a:p>
           <a:p>
             <a:pPr lvl="3"/>
             <a:r>
-              <a:rPr lang="en-US" smtClean="0"/>
+              <a:rPr lang="en-US"/>
               <a:t>Fourth level</a:t>
             </a:r>
           </a:p>
           <a:p>
             <a:pPr lvl="4"/>
             <a:r>
-              <a:rPr lang="en-US" smtClean="0"/>
+              <a:rPr lang="en-US"/>
               <a:t>Fifth level</a:t>
             </a:r>
-            <a:endParaRPr lang="en-US"/>
           </a:p>
         </p:txBody>
       </p:sp>
@@ -1644,7 +1617,7 @@
           <a:p>
             <a:fld id="{6ADD931D-199D-4775-8AFB-7A6102A10C14}" type="datetimeFigureOut">
               <a:rPr lang="en-US" smtClean="0"/>
-              <a:t>3/27/2019</a:t>
+              <a:t>3/28/2019</a:t>
             </a:fld>
             <a:endParaRPr lang="en-US"/>
           </a:p>
@@ -1738,10 +1711,9 @@
           <a:lstStyle/>
           <a:p>
             <a:r>
-              <a:rPr lang="en-US" smtClean="0"/>
+              <a:rPr lang="en-US"/>
               <a:t>Click to edit Master title style</a:t>
             </a:r>
-            <a:endParaRPr lang="en-US"/>
           </a:p>
         </p:txBody>
       </p:sp>
@@ -1762,7 +1734,7 @@
           <a:p>
             <a:fld id="{6ADD931D-199D-4775-8AFB-7A6102A10C14}" type="datetimeFigureOut">
               <a:rPr lang="en-US" smtClean="0"/>
-              <a:t>3/27/2019</a:t>
+              <a:t>3/28/2019</a:t>
             </a:fld>
             <a:endParaRPr lang="en-US"/>
           </a:p>
@@ -1857,7 +1829,7 @@
           <a:p>
             <a:fld id="{6ADD931D-199D-4775-8AFB-7A6102A10C14}" type="datetimeFigureOut">
               <a:rPr lang="en-US" smtClean="0"/>
-              <a:t>3/27/2019</a:t>
+              <a:t>3/28/2019</a:t>
             </a:fld>
             <a:endParaRPr lang="en-US"/>
           </a:p>
@@ -1960,10 +1932,9 @@
           </a:lstStyle>
           <a:p>
             <a:r>
-              <a:rPr lang="en-US" smtClean="0"/>
+              <a:rPr lang="en-US"/>
               <a:t>Click to edit Master title style</a:t>
             </a:r>
-            <a:endParaRPr lang="en-US"/>
           </a:p>
         </p:txBody>
       </p:sp>
@@ -2017,38 +1988,37 @@
           <a:p>
             <a:pPr lvl="0"/>
             <a:r>
-              <a:rPr lang="en-US" smtClean="0"/>
+              <a:rPr lang="en-US"/>
               <a:t>Edit Master text styles</a:t>
             </a:r>
           </a:p>
           <a:p>
             <a:pPr lvl="1"/>
             <a:r>
-              <a:rPr lang="en-US" smtClean="0"/>
+              <a:rPr lang="en-US"/>
               <a:t>Second level</a:t>
             </a:r>
           </a:p>
           <a:p>
             <a:pPr lvl="2"/>
             <a:r>
-              <a:rPr lang="en-US" smtClean="0"/>
+              <a:rPr lang="en-US"/>
               <a:t>Third level</a:t>
             </a:r>
           </a:p>
           <a:p>
             <a:pPr lvl="3"/>
             <a:r>
-              <a:rPr lang="en-US" smtClean="0"/>
+              <a:rPr lang="en-US"/>
               <a:t>Fourth level</a:t>
             </a:r>
           </a:p>
           <a:p>
             <a:pPr lvl="4"/>
             <a:r>
-              <a:rPr lang="en-US" smtClean="0"/>
+              <a:rPr lang="en-US"/>
               <a:t>Fifth level</a:t>
             </a:r>
-            <a:endParaRPr lang="en-US"/>
           </a:p>
         </p:txBody>
       </p:sp>
@@ -2111,7 +2081,7 @@
           <a:p>
             <a:pPr lvl="0"/>
             <a:r>
-              <a:rPr lang="en-US" smtClean="0"/>
+              <a:rPr lang="en-US"/>
               <a:t>Edit Master text styles</a:t>
             </a:r>
           </a:p>
@@ -2134,7 +2104,7 @@
           <a:p>
             <a:fld id="{6ADD931D-199D-4775-8AFB-7A6102A10C14}" type="datetimeFigureOut">
               <a:rPr lang="en-US" smtClean="0"/>
-              <a:t>3/27/2019</a:t>
+              <a:t>3/28/2019</a:t>
             </a:fld>
             <a:endParaRPr lang="en-US"/>
           </a:p>
@@ -2237,10 +2207,9 @@
           </a:lstStyle>
           <a:p>
             <a:r>
-              <a:rPr lang="en-US" smtClean="0"/>
+              <a:rPr lang="en-US"/>
               <a:t>Click to edit Master title style</a:t>
             </a:r>
-            <a:endParaRPr lang="en-US"/>
           </a:p>
         </p:txBody>
       </p:sp>
@@ -2364,7 +2333,7 @@
           <a:p>
             <a:pPr lvl="0"/>
             <a:r>
-              <a:rPr lang="en-US" smtClean="0"/>
+              <a:rPr lang="en-US"/>
               <a:t>Edit Master text styles</a:t>
             </a:r>
           </a:p>
@@ -2387,7 +2356,7 @@
           <a:p>
             <a:fld id="{6ADD931D-199D-4775-8AFB-7A6102A10C14}" type="datetimeFigureOut">
               <a:rPr lang="en-US" smtClean="0"/>
-              <a:t>3/27/2019</a:t>
+              <a:t>3/28/2019</a:t>
             </a:fld>
             <a:endParaRPr lang="en-US"/>
           </a:p>
@@ -2496,10 +2465,9 @@
           <a:lstStyle/>
           <a:p>
             <a:r>
-              <a:rPr lang="en-US" smtClean="0"/>
+              <a:rPr lang="en-US"/>
               <a:t>Click to edit Master title style</a:t>
             </a:r>
-            <a:endParaRPr lang="en-US"/>
           </a:p>
         </p:txBody>
       </p:sp>
@@ -2530,38 +2498,37 @@
           <a:p>
             <a:pPr lvl="0"/>
             <a:r>
-              <a:rPr lang="en-US" smtClean="0"/>
+              <a:rPr lang="en-US"/>
               <a:t>Edit Master text styles</a:t>
             </a:r>
           </a:p>
           <a:p>
             <a:pPr lvl="1"/>
             <a:r>
-              <a:rPr lang="en-US" smtClean="0"/>
+              <a:rPr lang="en-US"/>
               <a:t>Second level</a:t>
             </a:r>
           </a:p>
           <a:p>
             <a:pPr lvl="2"/>
             <a:r>
-              <a:rPr lang="en-US" smtClean="0"/>
+              <a:rPr lang="en-US"/>
               <a:t>Third level</a:t>
             </a:r>
           </a:p>
           <a:p>
             <a:pPr lvl="3"/>
             <a:r>
-              <a:rPr lang="en-US" smtClean="0"/>
+              <a:rPr lang="en-US"/>
               <a:t>Fourth level</a:t>
             </a:r>
           </a:p>
           <a:p>
             <a:pPr lvl="4"/>
             <a:r>
-              <a:rPr lang="en-US" smtClean="0"/>
+              <a:rPr lang="en-US"/>
               <a:t>Fifth level</a:t>
             </a:r>
-            <a:endParaRPr lang="en-US"/>
           </a:p>
         </p:txBody>
       </p:sp>
@@ -2600,7 +2567,7 @@
           <a:p>
             <a:fld id="{6ADD931D-199D-4775-8AFB-7A6102A10C14}" type="datetimeFigureOut">
               <a:rPr lang="en-US" smtClean="0"/>
-              <a:t>3/27/2019</a:t>
+              <a:t>3/28/2019</a:t>
             </a:fld>
             <a:endParaRPr lang="en-US"/>
           </a:p>
@@ -2705,13 +2672,6 @@
     <p:sldLayoutId id="2147483658" r:id="rId10"/>
     <p:sldLayoutId id="2147483659" r:id="rId11"/>
   </p:sldLayoutIdLst>
-  <p:timing>
-    <p:tnLst>
-      <p:par>
-        <p:cTn id="1" dur="indefinite" restart="never" nodeType="tmRoot"/>
-      </p:par>
-    </p:tnLst>
-  </p:timing>
   <p:txStyles>
     <p:titleStyle>
       <a:lvl1pPr algn="l" defTabSz="914400" rtl="0" eaLnBrk="1" latinLnBrk="0" hangingPunct="1">
@@ -3130,7 +3090,7 @@
           <a:p>
             <a:pPr algn="ctr"/>
             <a:r>
-              <a:rPr lang="en-US" b="0" i="0" dirty="0" smtClean="0">
+              <a:rPr lang="en-US" b="0" i="0" dirty="0">
                 <a:solidFill>
                   <a:srgbClr val="FFFFFF"/>
                 </a:solidFill>
@@ -3143,28 +3103,12 @@
           <a:p>
             <a:pPr algn="ctr"/>
             <a:r>
-              <a:rPr lang="en-US" dirty="0" smtClean="0">
-                <a:solidFill>
-                  <a:schemeClr val="bg1"/>
-                </a:solidFill>
-              </a:rPr>
-              <a:t>Project 1 - Information</a:t>
-            </a:r>
-            <a:r>
               <a:rPr lang="en-US" dirty="0">
                 <a:solidFill>
                   <a:schemeClr val="bg1"/>
                 </a:solidFill>
               </a:rPr>
-              <a:t>, Insights, and Analysis from the City of Los </a:t>
-            </a:r>
-            <a:r>
-              <a:rPr lang="en-US" dirty="0" smtClean="0">
-                <a:solidFill>
-                  <a:schemeClr val="bg1"/>
-                </a:solidFill>
-              </a:rPr>
-              <a:t>Angeles – Crime – 2010 through 2018</a:t>
+              <a:t>Project 1 - Information, Insights, and Analysis from the City of Los Angeles – Crime – 2010 through 2018</a:t>
             </a:r>
             <a:endParaRPr lang="en-US" b="0" i="0" dirty="0">
               <a:solidFill>
@@ -3199,18 +3143,13 @@
           <a:lstStyle/>
           <a:p>
             <a:r>
-              <a:rPr lang="en-US" dirty="0" smtClean="0">
+              <a:rPr lang="en-US" dirty="0">
                 <a:solidFill>
                   <a:schemeClr val="bg1"/>
                 </a:solidFill>
               </a:rPr>
               <a:t>Frederik De Bruyker / Ehsan  Khan / Jeff Mackey </a:t>
             </a:r>
-            <a:endParaRPr lang="en-US" dirty="0">
-              <a:solidFill>
-                <a:schemeClr val="bg1"/>
-              </a:solidFill>
-            </a:endParaRPr>
           </a:p>
         </p:txBody>
       </p:sp>
@@ -3224,13 +3163,6 @@
   <p:clrMapOvr>
     <a:masterClrMapping/>
   </p:clrMapOvr>
-  <p:timing>
-    <p:tnLst>
-      <p:par>
-        <p:cTn id="1" dur="indefinite" restart="never" nodeType="tmRoot"/>
-      </p:par>
-    </p:tnLst>
-  </p:timing>
 </p:sld>
 </file>
 
@@ -3267,10 +3199,9 @@
           <a:lstStyle/>
           <a:p>
             <a:r>
-              <a:rPr lang="en-US" dirty="0" smtClean="0"/>
+              <a:rPr lang="en-US" dirty="0"/>
               <a:t>Strong Disparity by Zip Code</a:t>
             </a:r>
-            <a:endParaRPr lang="en-US" dirty="0"/>
           </a:p>
         </p:txBody>
       </p:sp>
@@ -3290,43 +3221,17 @@
           <a:lstStyle/>
           <a:p>
             <a:r>
-              <a:rPr lang="en-US" dirty="0" smtClean="0"/>
+              <a:rPr lang="en-US" dirty="0"/>
               <a:t>169 zip codes</a:t>
             </a:r>
           </a:p>
           <a:p>
             <a:r>
-              <a:rPr lang="en-US" sz="3600" b="1" dirty="0" smtClean="0"/>
+              <a:rPr lang="en-US" sz="3600" b="1" dirty="0"/>
               <a:t>10%</a:t>
             </a:r>
             <a:r>
-              <a:rPr lang="en-US" dirty="0" smtClean="0"/>
-              <a:t> of </a:t>
-            </a:r>
-            <a:r>
-              <a:rPr lang="en-US" sz="3600" b="1" dirty="0" smtClean="0"/>
-              <a:t>top violent crimes zip codes </a:t>
-            </a:r>
-            <a:r>
-              <a:rPr lang="en-US" dirty="0" smtClean="0"/>
-              <a:t>account for </a:t>
-            </a:r>
-            <a:r>
-              <a:rPr lang="en-US" sz="3600" b="1" dirty="0" smtClean="0"/>
-              <a:t>43.66 % of total</a:t>
-            </a:r>
-            <a:r>
-              <a:rPr lang="en-US" dirty="0" smtClean="0"/>
-              <a:t> violent crimes</a:t>
-            </a:r>
-          </a:p>
-          <a:p>
-            <a:r>
-              <a:rPr lang="en-US" sz="3600" b="1" dirty="0" smtClean="0"/>
-              <a:t>20 %</a:t>
-            </a:r>
-            <a:r>
-              <a:rPr lang="en-US" dirty="0" smtClean="0"/>
+              <a:rPr lang="en-US" dirty="0"/>
               <a:t> of </a:t>
             </a:r>
             <a:r>
@@ -3338,12 +3243,34 @@
               <a:t>account for </a:t>
             </a:r>
             <a:r>
-              <a:rPr lang="en-US" sz="3600" b="1" dirty="0" smtClean="0"/>
-              <a:t>65.19 </a:t>
-            </a:r>
-            <a:r>
               <a:rPr lang="en-US" sz="3600" b="1" dirty="0"/>
-              <a:t>% of total</a:t>
+              <a:t>43.66 % of total</a:t>
+            </a:r>
+            <a:r>
+              <a:rPr lang="en-US" dirty="0"/>
+              <a:t> violent crimes</a:t>
+            </a:r>
+          </a:p>
+          <a:p>
+            <a:r>
+              <a:rPr lang="en-US" sz="3600" b="1" dirty="0"/>
+              <a:t>20 %</a:t>
+            </a:r>
+            <a:r>
+              <a:rPr lang="en-US" dirty="0"/>
+              <a:t> of </a:t>
+            </a:r>
+            <a:r>
+              <a:rPr lang="en-US" sz="3600" b="1" dirty="0"/>
+              <a:t>top violent crimes zip codes </a:t>
+            </a:r>
+            <a:r>
+              <a:rPr lang="en-US" dirty="0"/>
+              <a:t>account for </a:t>
+            </a:r>
+            <a:r>
+              <a:rPr lang="en-US" sz="3600" b="1" dirty="0"/>
+              <a:t>65.19 % of total</a:t>
             </a:r>
             <a:r>
               <a:rPr lang="en-US" dirty="0"/>
@@ -3365,13 +3292,6 @@
   <p:clrMapOvr>
     <a:masterClrMapping/>
   </p:clrMapOvr>
-  <p:timing>
-    <p:tnLst>
-      <p:par>
-        <p:cTn id="1" dur="indefinite" restart="never" nodeType="tmRoot"/>
-      </p:par>
-    </p:tnLst>
-  </p:timing>
 </p:sld>
 </file>
 
@@ -3408,18 +3328,13 @@
           <a:lstStyle/>
           <a:p>
             <a:r>
-              <a:rPr lang="en-US" dirty="0" smtClean="0">
+              <a:rPr lang="en-US" dirty="0">
                 <a:solidFill>
                   <a:srgbClr val="00CC99"/>
                 </a:solidFill>
               </a:rPr>
               <a:t>Expectation versus Data: Victim Descent</a:t>
             </a:r>
-            <a:endParaRPr lang="en-US" dirty="0">
-              <a:solidFill>
-                <a:srgbClr val="00CC99"/>
-              </a:solidFill>
-            </a:endParaRPr>
           </a:p>
         </p:txBody>
       </p:sp>
@@ -3441,50 +3356,49 @@
           <a:lstStyle/>
           <a:p>
             <a:r>
-              <a:rPr lang="en-US" dirty="0" smtClean="0"/>
+              <a:rPr lang="en-US" dirty="0"/>
               <a:t>Expectation: expected % of Hispanic / Black victims to be close</a:t>
             </a:r>
           </a:p>
           <a:p>
             <a:r>
-              <a:rPr lang="en-US" dirty="0" smtClean="0"/>
+              <a:rPr lang="en-US" dirty="0"/>
               <a:t>Data: </a:t>
             </a:r>
           </a:p>
           <a:p>
             <a:pPr lvl="1"/>
             <a:r>
-              <a:rPr lang="en-US" sz="3600" b="1" dirty="0" smtClean="0"/>
+              <a:rPr lang="en-US" sz="3600" b="1" dirty="0"/>
               <a:t>49.56 %</a:t>
             </a:r>
             <a:r>
-              <a:rPr lang="en-US" sz="2800" dirty="0" smtClean="0"/>
+              <a:rPr lang="en-US" sz="2800" dirty="0"/>
               <a:t> of </a:t>
             </a:r>
             <a:r>
-              <a:rPr lang="en-US" sz="3600" b="1" dirty="0" smtClean="0"/>
+              <a:rPr lang="en-US" sz="3600" b="1" dirty="0"/>
               <a:t>violent crime </a:t>
             </a:r>
             <a:r>
-              <a:rPr lang="en-US" sz="2800" dirty="0" smtClean="0"/>
+              <a:rPr lang="en-US" sz="2800" dirty="0"/>
               <a:t>victims are of </a:t>
             </a:r>
             <a:r>
-              <a:rPr lang="en-US" sz="3600" b="1" dirty="0" smtClean="0"/>
+              <a:rPr lang="en-US" sz="3600" b="1" dirty="0"/>
               <a:t>Hispanic</a:t>
             </a:r>
             <a:r>
-              <a:rPr lang="en-US" sz="2800" dirty="0" smtClean="0"/>
+              <a:rPr lang="en-US" sz="2800" dirty="0"/>
               <a:t> descent</a:t>
             </a:r>
           </a:p>
           <a:p>
             <a:pPr lvl="1"/>
             <a:r>
-              <a:rPr lang="en-US" sz="2800" dirty="0" smtClean="0"/>
+              <a:rPr lang="en-US" sz="2800" dirty="0"/>
               <a:t>Black / White crime are not that dramatically different</a:t>
             </a:r>
-            <a:endParaRPr lang="en-US" sz="2800" dirty="0"/>
           </a:p>
         </p:txBody>
       </p:sp>
@@ -3783,13 +3697,6 @@
   <p:clrMapOvr>
     <a:masterClrMapping/>
   </p:clrMapOvr>
-  <p:timing>
-    <p:tnLst>
-      <p:par>
-        <p:cTn id="1" dur="indefinite" restart="never" nodeType="tmRoot"/>
-      </p:par>
-    </p:tnLst>
-  </p:timing>
 </p:sld>
 </file>
 
@@ -3826,10 +3733,9 @@
           <a:lstStyle/>
           <a:p>
             <a:r>
-              <a:rPr lang="en-US" dirty="0" smtClean="0"/>
+              <a:rPr lang="en-US" dirty="0"/>
               <a:t>Expectation versus Data: Victim Gender</a:t>
             </a:r>
-            <a:endParaRPr lang="en-US" dirty="0"/>
           </a:p>
         </p:txBody>
       </p:sp>
@@ -3851,36 +3757,36 @@
           <a:lstStyle/>
           <a:p>
             <a:r>
-              <a:rPr lang="en-US" dirty="0" smtClean="0"/>
+              <a:rPr lang="en-US" dirty="0"/>
               <a:t>Expectation: higher % of female victim violent crime</a:t>
             </a:r>
           </a:p>
           <a:p>
             <a:r>
-              <a:rPr lang="en-US" dirty="0" smtClean="0"/>
+              <a:rPr lang="en-US" dirty="0"/>
               <a:t>Data: </a:t>
             </a:r>
             <a:r>
-              <a:rPr lang="en-US" sz="3600" b="1" dirty="0" smtClean="0"/>
+              <a:rPr lang="en-US" sz="3600" b="1" dirty="0"/>
               <a:t>60.15%</a:t>
             </a:r>
             <a:r>
-              <a:rPr lang="en-US" dirty="0" smtClean="0"/>
+              <a:rPr lang="en-US" dirty="0"/>
               <a:t> of </a:t>
             </a:r>
             <a:r>
-              <a:rPr lang="en-US" sz="3600" b="1" dirty="0" smtClean="0"/>
+              <a:rPr lang="en-US" sz="3600" b="1" dirty="0"/>
               <a:t>victims of violent crime</a:t>
             </a:r>
             <a:r>
-              <a:rPr lang="en-US" dirty="0" smtClean="0"/>
+              <a:rPr lang="en-US" dirty="0"/>
               <a:t> are </a:t>
             </a:r>
             <a:r>
-              <a:rPr lang="en-US" sz="3600" b="1" dirty="0" smtClean="0"/>
+              <a:rPr lang="en-US" sz="3600" b="1" dirty="0"/>
               <a:t>male</a:t>
             </a:r>
-            <a:endParaRPr lang="en-US" b="1" dirty="0" smtClean="0"/>
+            <a:endParaRPr lang="en-US" b="1" dirty="0"/>
           </a:p>
         </p:txBody>
       </p:sp>
@@ -3959,10 +3865,9 @@
           <a:lstStyle/>
           <a:p>
             <a:r>
-              <a:rPr lang="en-US" dirty="0" smtClean="0"/>
+              <a:rPr lang="en-US" dirty="0"/>
               <a:t>News validation</a:t>
             </a:r>
-            <a:endParaRPr lang="en-US" dirty="0"/>
           </a:p>
         </p:txBody>
       </p:sp>
@@ -3982,16 +3887,16 @@
           <a:lstStyle/>
           <a:p>
             <a:r>
-              <a:rPr lang="en-US" dirty="0" smtClean="0"/>
+              <a:rPr lang="en-US" dirty="0"/>
               <a:t>article: </a:t>
             </a:r>
             <a:r>
-              <a:rPr lang="en-US" dirty="0" smtClean="0">
+              <a:rPr lang="en-US" dirty="0">
                 <a:hlinkClick r:id="rId2"/>
               </a:rPr>
               <a:t>https://www.latimes.com/local/lanow/la-me-lapd-crime-stats-20181229-story.html</a:t>
             </a:r>
-            <a:endParaRPr lang="en-US" dirty="0" smtClean="0"/>
+            <a:endParaRPr lang="en-US" dirty="0"/>
           </a:p>
           <a:p>
             <a:pPr>
@@ -4000,21 +3905,21 @@
               </a:spcBef>
             </a:pPr>
             <a:r>
-              <a:rPr lang="en-US" dirty="0" smtClean="0"/>
+              <a:rPr lang="en-US" dirty="0"/>
               <a:t>Analysis: 2018 versus 2017 from an overall violent crime perspective: from 29,045 to 27,991: decrease of 3.63 %</a:t>
             </a:r>
           </a:p>
           <a:p>
             <a:r>
-              <a:rPr lang="en-US" dirty="0" smtClean="0"/>
+              <a:rPr lang="en-US" dirty="0"/>
               <a:t>Article validation: </a:t>
             </a:r>
             <a:r>
-              <a:rPr lang="en-US" sz="3200" b="1" dirty="0" smtClean="0"/>
+              <a:rPr lang="en-US" sz="3200" b="1" dirty="0"/>
               <a:t>In line </a:t>
             </a:r>
             <a:r>
-              <a:rPr lang="en-US" dirty="0" smtClean="0"/>
+              <a:rPr lang="en-US" dirty="0"/>
               <a:t>with article 27,246 for 2018 and a decrease of near to 4 %</a:t>
             </a:r>
           </a:p>
@@ -4161,13 +4066,6 @@
   <p:clrMapOvr>
     <a:masterClrMapping/>
   </p:clrMapOvr>
-  <p:timing>
-    <p:tnLst>
-      <p:par>
-        <p:cTn id="1" dur="indefinite" restart="never" nodeType="tmRoot"/>
-      </p:par>
-    </p:tnLst>
-  </p:timing>
 </p:sld>
 </file>
 
@@ -4204,10 +4102,9 @@
           <a:lstStyle/>
           <a:p>
             <a:r>
-              <a:rPr lang="en-US" dirty="0" smtClean="0"/>
+              <a:rPr lang="en-US" dirty="0"/>
               <a:t>News validation: Issues</a:t>
             </a:r>
-            <a:endParaRPr lang="en-US" dirty="0"/>
           </a:p>
         </p:txBody>
       </p:sp>
@@ -4229,67 +4126,66 @@
           <a:lstStyle/>
           <a:p>
             <a:r>
-              <a:rPr lang="en-US" dirty="0" smtClean="0"/>
+              <a:rPr lang="en-US" dirty="0"/>
               <a:t>No fixed definition of what constitutes violent crime</a:t>
             </a:r>
           </a:p>
           <a:p>
             <a:pPr lvl="1"/>
             <a:r>
-              <a:rPr lang="en-US" dirty="0" smtClean="0"/>
+              <a:rPr lang="en-US" dirty="0"/>
               <a:t>The LA Times article describes violent crime as 'violent crime — which includes homicide, rape, robbery and aggravated assault‘</a:t>
             </a:r>
           </a:p>
           <a:p>
             <a:pPr lvl="1"/>
             <a:r>
-              <a:rPr lang="en-US" dirty="0" smtClean="0"/>
+              <a:rPr lang="en-US" dirty="0"/>
               <a:t>Efforts on going to classify crime (</a:t>
             </a:r>
             <a:r>
-              <a:rPr lang="en-US" dirty="0" smtClean="0">
+              <a:rPr lang="en-US" dirty="0">
                 <a:hlinkClick r:id="rId2"/>
               </a:rPr>
               <a:t>https://www.nap.edu/read/23492/chapter/7#121</a:t>
             </a:r>
             <a:r>
-              <a:rPr lang="en-US" dirty="0" smtClean="0"/>
+              <a:rPr lang="en-US" dirty="0"/>
               <a:t>)</a:t>
             </a:r>
           </a:p>
           <a:p>
             <a:r>
-              <a:rPr lang="en-US" dirty="0" smtClean="0"/>
+              <a:rPr lang="en-US" dirty="0"/>
               <a:t>The data analysis can only be as good as the underlying data</a:t>
             </a:r>
           </a:p>
           <a:p>
             <a:pPr lvl="1"/>
             <a:r>
-              <a:rPr lang="en-US" dirty="0" smtClean="0"/>
+              <a:rPr lang="en-US" dirty="0"/>
               <a:t>The LA Times article states that more then 25,000 serious crimes were classified as minor</a:t>
             </a:r>
-            <a:endParaRPr lang="en-US" dirty="0"/>
           </a:p>
           <a:p>
             <a:pPr lvl="1"/>
             <a:r>
-              <a:rPr lang="en-US" dirty="0" smtClean="0">
+              <a:rPr lang="en-US" dirty="0">
                 <a:hlinkClick r:id="rId3"/>
               </a:rPr>
               <a:t>https://www.latimes.com/local/crime/la-me-lapd-audit-20151206-story.html</a:t>
             </a:r>
-            <a:endParaRPr lang="en-US" dirty="0" smtClean="0"/>
-          </a:p>
-          <a:p>
-            <a:r>
-              <a:rPr lang="en-US" dirty="0" smtClean="0"/>
+            <a:endParaRPr lang="en-US" dirty="0"/>
+          </a:p>
+          <a:p>
+            <a:r>
+              <a:rPr lang="en-US" dirty="0"/>
               <a:t>Overall conclusion violent crime decrease sounds good, but local stark differences</a:t>
             </a:r>
           </a:p>
           <a:p>
             <a:r>
-              <a:rPr lang="en-US" dirty="0" smtClean="0"/>
+              <a:rPr lang="en-US" dirty="0"/>
               <a:t>How to account for changing perception of what constitutes a crime and/or what people consider ‘normal/acceptable’ behavior over time</a:t>
             </a:r>
           </a:p>
@@ -4344,10 +4240,9 @@
           <a:lstStyle/>
           <a:p>
             <a:r>
-              <a:rPr lang="en-US" dirty="0" smtClean="0"/>
+              <a:rPr lang="en-US" dirty="0"/>
               <a:t>Zip Codes</a:t>
             </a:r>
-            <a:endParaRPr lang="en-US" dirty="0"/>
           </a:p>
         </p:txBody>
       </p:sp>
@@ -4392,7 +4287,7 @@
           <a:graphicData uri="http://schemas.openxmlformats.org/presentationml/2006/ole">
             <mc:AlternateContent xmlns:mc="http://schemas.openxmlformats.org/markup-compatibility/2006">
               <mc:Choice xmlns:v="urn:schemas-microsoft-com:vml" Requires="v">
-                <p:oleObj spid="_x0000_s2050" name="Packager Shell Object" showAsIcon="1" r:id="rId3" imgW="669600" imgH="375840" progId="Package">
+                <p:oleObj spid="_x0000_s2052" name="Packager Shell Object" showAsIcon="1" r:id="rId3" imgW="669600" imgH="375840" progId="Package">
                   <p:embed/>
                 </p:oleObj>
               </mc:Choice>
@@ -4455,6 +4350,235 @@
     <p:extLst>
       <p:ext uri="{BB962C8B-B14F-4D97-AF65-F5344CB8AC3E}">
         <p14:creationId xmlns:p14="http://schemas.microsoft.com/office/powerpoint/2010/main" val="3985750971"/>
+      </p:ext>
+    </p:extLst>
+  </p:cSld>
+  <p:clrMapOvr>
+    <a:masterClrMapping/>
+  </p:clrMapOvr>
+</p:sld>
+</file>
+
+<file path=ppt/slides/slide8.xml><?xml version="1.0" encoding="utf-8"?>
+<p:sld xmlns:a="http://schemas.openxmlformats.org/drawingml/2006/main" xmlns:r="http://schemas.openxmlformats.org/officeDocument/2006/relationships" xmlns:p="http://schemas.openxmlformats.org/presentationml/2006/main">
+  <p:cSld>
+    <p:spTree>
+      <p:nvGrpSpPr>
+        <p:cNvPr id="1" name=""/>
+        <p:cNvGrpSpPr/>
+        <p:nvPr/>
+      </p:nvGrpSpPr>
+      <p:grpSpPr>
+        <a:xfrm>
+          <a:off x="0" y="0"/>
+          <a:ext cx="0" cy="0"/>
+          <a:chOff x="0" y="0"/>
+          <a:chExt cx="0" cy="0"/>
+        </a:xfrm>
+      </p:grpSpPr>
+      <p:sp>
+        <p:nvSpPr>
+          <p:cNvPr id="2" name="Title 1">
+            <a:extLst>
+              <a:ext uri="{FF2B5EF4-FFF2-40B4-BE49-F238E27FC236}">
+                <a16:creationId xmlns:a16="http://schemas.microsoft.com/office/drawing/2014/main" id="{E390AA14-0418-497B-963B-7619A4ADA13C}"/>
+              </a:ext>
+            </a:extLst>
+          </p:cNvPr>
+          <p:cNvSpPr>
+            <a:spLocks noGrp="1"/>
+          </p:cNvSpPr>
+          <p:nvPr>
+            <p:ph type="title"/>
+          </p:nvPr>
+        </p:nvSpPr>
+        <p:spPr/>
+        <p:txBody>
+          <a:bodyPr/>
+          <a:lstStyle/>
+          <a:p>
+            <a:r>
+              <a:rPr lang="en-US" dirty="0"/>
+              <a:t>Effects of Property Values on Crime Rates</a:t>
+            </a:r>
+          </a:p>
+        </p:txBody>
+      </p:sp>
+      <p:pic>
+        <p:nvPicPr>
+          <p:cNvPr id="5" name="Content Placeholder 4">
+            <a:extLst>
+              <a:ext uri="{FF2B5EF4-FFF2-40B4-BE49-F238E27FC236}">
+                <a16:creationId xmlns:a16="http://schemas.microsoft.com/office/drawing/2014/main" id="{1A905802-84B2-4656-A99A-799BA3F39449}"/>
+              </a:ext>
+            </a:extLst>
+          </p:cNvPr>
+          <p:cNvPicPr>
+            <a:picLocks noGrp="1" noChangeAspect="1"/>
+          </p:cNvPicPr>
+          <p:nvPr>
+            <p:ph idx="1"/>
+          </p:nvPr>
+        </p:nvPicPr>
+        <p:blipFill>
+          <a:blip r:embed="rId2">
+            <a:extLst>
+              <a:ext uri="{28A0092B-C50C-407E-A947-70E740481C1C}">
+                <a14:useLocalDpi xmlns:a14="http://schemas.microsoft.com/office/drawing/2010/main" val="0"/>
+              </a:ext>
+            </a:extLst>
+          </a:blip>
+          <a:stretch>
+            <a:fillRect/>
+          </a:stretch>
+        </p:blipFill>
+        <p:spPr>
+          <a:xfrm>
+            <a:off x="1748902" y="1627008"/>
+            <a:ext cx="7778984" cy="4865867"/>
+          </a:xfrm>
+        </p:spPr>
+      </p:pic>
+    </p:spTree>
+    <p:extLst>
+      <p:ext uri="{BB962C8B-B14F-4D97-AF65-F5344CB8AC3E}">
+        <p14:creationId xmlns:p14="http://schemas.microsoft.com/office/powerpoint/2010/main" val="3806262976"/>
+      </p:ext>
+    </p:extLst>
+  </p:cSld>
+  <p:clrMapOvr>
+    <a:masterClrMapping/>
+  </p:clrMapOvr>
+</p:sld>
+</file>
+
+<file path=ppt/slides/slide9.xml><?xml version="1.0" encoding="utf-8"?>
+<p:sld xmlns:a="http://schemas.openxmlformats.org/drawingml/2006/main" xmlns:r="http://schemas.openxmlformats.org/officeDocument/2006/relationships" xmlns:p="http://schemas.openxmlformats.org/presentationml/2006/main">
+  <p:cSld>
+    <p:spTree>
+      <p:nvGrpSpPr>
+        <p:cNvPr id="1" name=""/>
+        <p:cNvGrpSpPr/>
+        <p:nvPr/>
+      </p:nvGrpSpPr>
+      <p:grpSpPr>
+        <a:xfrm>
+          <a:off x="0" y="0"/>
+          <a:ext cx="0" cy="0"/>
+          <a:chOff x="0" y="0"/>
+          <a:chExt cx="0" cy="0"/>
+        </a:xfrm>
+      </p:grpSpPr>
+      <p:sp>
+        <p:nvSpPr>
+          <p:cNvPr id="2" name="Title 1">
+            <a:extLst>
+              <a:ext uri="{FF2B5EF4-FFF2-40B4-BE49-F238E27FC236}">
+                <a16:creationId xmlns:a16="http://schemas.microsoft.com/office/drawing/2014/main" id="{2BD75507-4969-4CC9-A690-0FBD4304FFDC}"/>
+              </a:ext>
+            </a:extLst>
+          </p:cNvPr>
+          <p:cNvSpPr>
+            <a:spLocks noGrp="1"/>
+          </p:cNvSpPr>
+          <p:nvPr>
+            <p:ph type="title"/>
+          </p:nvPr>
+        </p:nvSpPr>
+        <p:spPr/>
+        <p:txBody>
+          <a:bodyPr/>
+          <a:lstStyle/>
+          <a:p>
+            <a:r>
+              <a:rPr lang="en-US" dirty="0"/>
+              <a:t>Effects of Property Values on Crime Rates:</a:t>
+            </a:r>
+            <a:br>
+              <a:rPr lang="en-US" dirty="0"/>
+            </a:br>
+            <a:r>
+              <a:rPr lang="en-US" dirty="0"/>
+              <a:t>Other views</a:t>
+            </a:r>
+          </a:p>
+        </p:txBody>
+      </p:sp>
+      <p:pic>
+        <p:nvPicPr>
+          <p:cNvPr id="11" name="Content Placeholder 10">
+            <a:extLst>
+              <a:ext uri="{FF2B5EF4-FFF2-40B4-BE49-F238E27FC236}">
+                <a16:creationId xmlns:a16="http://schemas.microsoft.com/office/drawing/2014/main" id="{7FC71050-A42C-4403-9EA3-3162C3D0034E}"/>
+              </a:ext>
+            </a:extLst>
+          </p:cNvPr>
+          <p:cNvPicPr>
+            <a:picLocks noGrp="1" noChangeAspect="1"/>
+          </p:cNvPicPr>
+          <p:nvPr>
+            <p:ph idx="1"/>
+          </p:nvPr>
+        </p:nvPicPr>
+        <p:blipFill>
+          <a:blip r:embed="rId2">
+            <a:extLst>
+              <a:ext uri="{28A0092B-C50C-407E-A947-70E740481C1C}">
+                <a14:useLocalDpi xmlns:a14="http://schemas.microsoft.com/office/drawing/2010/main" val="0"/>
+              </a:ext>
+            </a:extLst>
+          </a:blip>
+          <a:stretch>
+            <a:fillRect/>
+          </a:stretch>
+        </p:blipFill>
+        <p:spPr>
+          <a:xfrm>
+            <a:off x="935632" y="1965422"/>
+            <a:ext cx="4900476" cy="3245770"/>
+          </a:xfrm>
+        </p:spPr>
+      </p:pic>
+      <p:pic>
+        <p:nvPicPr>
+          <p:cNvPr id="13" name="Picture 12">
+            <a:extLst>
+              <a:ext uri="{FF2B5EF4-FFF2-40B4-BE49-F238E27FC236}">
+                <a16:creationId xmlns:a16="http://schemas.microsoft.com/office/drawing/2014/main" id="{980DADD5-6BD3-43D2-9DEE-BF8E4ECB3B0E}"/>
+              </a:ext>
+            </a:extLst>
+          </p:cNvPr>
+          <p:cNvPicPr>
+            <a:picLocks noChangeAspect="1"/>
+          </p:cNvPicPr>
+          <p:nvPr/>
+        </p:nvPicPr>
+        <p:blipFill>
+          <a:blip r:embed="rId3">
+            <a:extLst>
+              <a:ext uri="{28A0092B-C50C-407E-A947-70E740481C1C}">
+                <a14:useLocalDpi xmlns:a14="http://schemas.microsoft.com/office/drawing/2010/main" val="0"/>
+              </a:ext>
+            </a:extLst>
+          </a:blip>
+          <a:stretch>
+            <a:fillRect/>
+          </a:stretch>
+        </p:blipFill>
+        <p:spPr>
+          <a:xfrm>
+            <a:off x="6355894" y="1965422"/>
+            <a:ext cx="4797206" cy="3245769"/>
+          </a:xfrm>
+          <a:prstGeom prst="rect">
+            <a:avLst/>
+          </a:prstGeom>
+        </p:spPr>
+      </p:pic>
+    </p:spTree>
+    <p:extLst>
+      <p:ext uri="{BB962C8B-B14F-4D97-AF65-F5344CB8AC3E}">
+        <p14:creationId xmlns:p14="http://schemas.microsoft.com/office/powerpoint/2010/main" val="3014659041"/>
       </p:ext>
     </p:extLst>
   </p:cSld>

--- a/Presentation Project1 - Los Angeles Crime Statistics.pptx
+++ b/Presentation Project1 - Los Angeles Crime Statistics.pptx
@@ -4,6 +4,9 @@
   <p:sldMasterIdLst>
     <p:sldMasterId id="2147483648" r:id="rId1"/>
   </p:sldMasterIdLst>
+  <p:notesMasterIdLst>
+    <p:notesMasterId r:id="rId11"/>
+  </p:notesMasterIdLst>
   <p:sldIdLst>
     <p:sldId id="256" r:id="rId2"/>
     <p:sldId id="261" r:id="rId3"/>
@@ -118,6 +121,525 @@
     </p:ext>
   </p:extLst>
 </p:presentation>
+</file>
+
+<file path=ppt/notesMasters/notesMaster1.xml><?xml version="1.0" encoding="utf-8"?>
+<p:notesMaster xmlns:a="http://schemas.openxmlformats.org/drawingml/2006/main" xmlns:r="http://schemas.openxmlformats.org/officeDocument/2006/relationships" xmlns:p="http://schemas.openxmlformats.org/presentationml/2006/main">
+  <p:cSld>
+    <p:bg>
+      <p:bgRef idx="1001">
+        <a:schemeClr val="bg1"/>
+      </p:bgRef>
+    </p:bg>
+    <p:spTree>
+      <p:nvGrpSpPr>
+        <p:cNvPr id="1" name=""/>
+        <p:cNvGrpSpPr/>
+        <p:nvPr/>
+      </p:nvGrpSpPr>
+      <p:grpSpPr>
+        <a:xfrm>
+          <a:off x="0" y="0"/>
+          <a:ext cx="0" cy="0"/>
+          <a:chOff x="0" y="0"/>
+          <a:chExt cx="0" cy="0"/>
+        </a:xfrm>
+      </p:grpSpPr>
+      <p:sp>
+        <p:nvSpPr>
+          <p:cNvPr id="2" name="Header Placeholder 1"/>
+          <p:cNvSpPr>
+            <a:spLocks noGrp="1"/>
+          </p:cNvSpPr>
+          <p:nvPr>
+            <p:ph type="hdr" sz="quarter"/>
+          </p:nvPr>
+        </p:nvSpPr>
+        <p:spPr>
+          <a:xfrm>
+            <a:off x="0" y="0"/>
+            <a:ext cx="2971800" cy="458788"/>
+          </a:xfrm>
+          <a:prstGeom prst="rect">
+            <a:avLst/>
+          </a:prstGeom>
+        </p:spPr>
+        <p:txBody>
+          <a:bodyPr vert="horz" lIns="91440" tIns="45720" rIns="91440" bIns="45720" rtlCol="0"/>
+          <a:lstStyle>
+            <a:lvl1pPr algn="l">
+              <a:defRPr sz="1200"/>
+            </a:lvl1pPr>
+          </a:lstStyle>
+          <a:p>
+            <a:endParaRPr lang="en-US"/>
+          </a:p>
+        </p:txBody>
+      </p:sp>
+      <p:sp>
+        <p:nvSpPr>
+          <p:cNvPr id="3" name="Date Placeholder 2"/>
+          <p:cNvSpPr>
+            <a:spLocks noGrp="1"/>
+          </p:cNvSpPr>
+          <p:nvPr>
+            <p:ph type="dt" idx="1"/>
+          </p:nvPr>
+        </p:nvSpPr>
+        <p:spPr>
+          <a:xfrm>
+            <a:off x="3884613" y="0"/>
+            <a:ext cx="2971800" cy="458788"/>
+          </a:xfrm>
+          <a:prstGeom prst="rect">
+            <a:avLst/>
+          </a:prstGeom>
+        </p:spPr>
+        <p:txBody>
+          <a:bodyPr vert="horz" lIns="91440" tIns="45720" rIns="91440" bIns="45720" rtlCol="0"/>
+          <a:lstStyle>
+            <a:lvl1pPr algn="r">
+              <a:defRPr sz="1200"/>
+            </a:lvl1pPr>
+          </a:lstStyle>
+          <a:p>
+            <a:fld id="{35DA68C4-F8BF-43E3-8330-6C18CC5931C6}" type="datetimeFigureOut">
+              <a:rPr lang="en-US" smtClean="0"/>
+              <a:t>3/28/2019</a:t>
+            </a:fld>
+            <a:endParaRPr lang="en-US"/>
+          </a:p>
+        </p:txBody>
+      </p:sp>
+      <p:sp>
+        <p:nvSpPr>
+          <p:cNvPr id="4" name="Slide Image Placeholder 3"/>
+          <p:cNvSpPr>
+            <a:spLocks noGrp="1" noRot="1" noChangeAspect="1"/>
+          </p:cNvSpPr>
+          <p:nvPr>
+            <p:ph type="sldImg" idx="2"/>
+          </p:nvPr>
+        </p:nvSpPr>
+        <p:spPr>
+          <a:xfrm>
+            <a:off x="685800" y="1143000"/>
+            <a:ext cx="5486400" cy="3086100"/>
+          </a:xfrm>
+          <a:prstGeom prst="rect">
+            <a:avLst/>
+          </a:prstGeom>
+          <a:noFill/>
+          <a:ln w="12700">
+            <a:solidFill>
+              <a:prstClr val="black"/>
+            </a:solidFill>
+          </a:ln>
+        </p:spPr>
+        <p:txBody>
+          <a:bodyPr vert="horz" lIns="91440" tIns="45720" rIns="91440" bIns="45720" rtlCol="0" anchor="ctr"/>
+          <a:lstStyle/>
+          <a:p>
+            <a:endParaRPr lang="en-US"/>
+          </a:p>
+        </p:txBody>
+      </p:sp>
+      <p:sp>
+        <p:nvSpPr>
+          <p:cNvPr id="5" name="Notes Placeholder 4"/>
+          <p:cNvSpPr>
+            <a:spLocks noGrp="1"/>
+          </p:cNvSpPr>
+          <p:nvPr>
+            <p:ph type="body" sz="quarter" idx="3"/>
+          </p:nvPr>
+        </p:nvSpPr>
+        <p:spPr>
+          <a:xfrm>
+            <a:off x="685800" y="4400550"/>
+            <a:ext cx="5486400" cy="3600450"/>
+          </a:xfrm>
+          <a:prstGeom prst="rect">
+            <a:avLst/>
+          </a:prstGeom>
+        </p:spPr>
+        <p:txBody>
+          <a:bodyPr vert="horz" lIns="91440" tIns="45720" rIns="91440" bIns="45720" rtlCol="0"/>
+          <a:lstStyle/>
+          <a:p>
+            <a:pPr lvl="0"/>
+            <a:r>
+              <a:rPr lang="en-US" smtClean="0"/>
+              <a:t>Edit Master text styles</a:t>
+            </a:r>
+          </a:p>
+          <a:p>
+            <a:pPr lvl="1"/>
+            <a:r>
+              <a:rPr lang="en-US" smtClean="0"/>
+              <a:t>Second level</a:t>
+            </a:r>
+          </a:p>
+          <a:p>
+            <a:pPr lvl="2"/>
+            <a:r>
+              <a:rPr lang="en-US" smtClean="0"/>
+              <a:t>Third level</a:t>
+            </a:r>
+          </a:p>
+          <a:p>
+            <a:pPr lvl="3"/>
+            <a:r>
+              <a:rPr lang="en-US" smtClean="0"/>
+              <a:t>Fourth level</a:t>
+            </a:r>
+          </a:p>
+          <a:p>
+            <a:pPr lvl="4"/>
+            <a:r>
+              <a:rPr lang="en-US" smtClean="0"/>
+              <a:t>Fifth level</a:t>
+            </a:r>
+            <a:endParaRPr lang="en-US"/>
+          </a:p>
+        </p:txBody>
+      </p:sp>
+      <p:sp>
+        <p:nvSpPr>
+          <p:cNvPr id="6" name="Footer Placeholder 5"/>
+          <p:cNvSpPr>
+            <a:spLocks noGrp="1"/>
+          </p:cNvSpPr>
+          <p:nvPr>
+            <p:ph type="ftr" sz="quarter" idx="4"/>
+          </p:nvPr>
+        </p:nvSpPr>
+        <p:spPr>
+          <a:xfrm>
+            <a:off x="0" y="8685213"/>
+            <a:ext cx="2971800" cy="458787"/>
+          </a:xfrm>
+          <a:prstGeom prst="rect">
+            <a:avLst/>
+          </a:prstGeom>
+        </p:spPr>
+        <p:txBody>
+          <a:bodyPr vert="horz" lIns="91440" tIns="45720" rIns="91440" bIns="45720" rtlCol="0" anchor="b"/>
+          <a:lstStyle>
+            <a:lvl1pPr algn="l">
+              <a:defRPr sz="1200"/>
+            </a:lvl1pPr>
+          </a:lstStyle>
+          <a:p>
+            <a:endParaRPr lang="en-US"/>
+          </a:p>
+        </p:txBody>
+      </p:sp>
+      <p:sp>
+        <p:nvSpPr>
+          <p:cNvPr id="7" name="Slide Number Placeholder 6"/>
+          <p:cNvSpPr>
+            <a:spLocks noGrp="1"/>
+          </p:cNvSpPr>
+          <p:nvPr>
+            <p:ph type="sldNum" sz="quarter" idx="5"/>
+          </p:nvPr>
+        </p:nvSpPr>
+        <p:spPr>
+          <a:xfrm>
+            <a:off x="3884613" y="8685213"/>
+            <a:ext cx="2971800" cy="458787"/>
+          </a:xfrm>
+          <a:prstGeom prst="rect">
+            <a:avLst/>
+          </a:prstGeom>
+        </p:spPr>
+        <p:txBody>
+          <a:bodyPr vert="horz" lIns="91440" tIns="45720" rIns="91440" bIns="45720" rtlCol="0" anchor="b"/>
+          <a:lstStyle>
+            <a:lvl1pPr algn="r">
+              <a:defRPr sz="1200"/>
+            </a:lvl1pPr>
+          </a:lstStyle>
+          <a:p>
+            <a:fld id="{7E61B202-5A31-402F-95CF-E5CC3E545A61}" type="slidenum">
+              <a:rPr lang="en-US" smtClean="0"/>
+              <a:t>‹#›</a:t>
+            </a:fld>
+            <a:endParaRPr lang="en-US"/>
+          </a:p>
+        </p:txBody>
+      </p:sp>
+    </p:spTree>
+    <p:extLst>
+      <p:ext uri="{BB962C8B-B14F-4D97-AF65-F5344CB8AC3E}">
+        <p14:creationId xmlns:p14="http://schemas.microsoft.com/office/powerpoint/2010/main" val="749757491"/>
+      </p:ext>
+    </p:extLst>
+  </p:cSld>
+  <p:clrMap bg1="lt1" tx1="dk1" bg2="lt2" tx2="dk2" accent1="accent1" accent2="accent2" accent3="accent3" accent4="accent4" accent5="accent5" accent6="accent6" hlink="hlink" folHlink="folHlink"/>
+  <p:notesStyle>
+    <a:lvl1pPr marL="0" algn="l" defTabSz="914400" rtl="0" eaLnBrk="1" latinLnBrk="0" hangingPunct="1">
+      <a:defRPr sz="1200" kern="1200">
+        <a:solidFill>
+          <a:schemeClr val="tx1"/>
+        </a:solidFill>
+        <a:latin typeface="+mn-lt"/>
+        <a:ea typeface="+mn-ea"/>
+        <a:cs typeface="+mn-cs"/>
+      </a:defRPr>
+    </a:lvl1pPr>
+    <a:lvl2pPr marL="457200" algn="l" defTabSz="914400" rtl="0" eaLnBrk="1" latinLnBrk="0" hangingPunct="1">
+      <a:defRPr sz="1200" kern="1200">
+        <a:solidFill>
+          <a:schemeClr val="tx1"/>
+        </a:solidFill>
+        <a:latin typeface="+mn-lt"/>
+        <a:ea typeface="+mn-ea"/>
+        <a:cs typeface="+mn-cs"/>
+      </a:defRPr>
+    </a:lvl2pPr>
+    <a:lvl3pPr marL="914400" algn="l" defTabSz="914400" rtl="0" eaLnBrk="1" latinLnBrk="0" hangingPunct="1">
+      <a:defRPr sz="1200" kern="1200">
+        <a:solidFill>
+          <a:schemeClr val="tx1"/>
+        </a:solidFill>
+        <a:latin typeface="+mn-lt"/>
+        <a:ea typeface="+mn-ea"/>
+        <a:cs typeface="+mn-cs"/>
+      </a:defRPr>
+    </a:lvl3pPr>
+    <a:lvl4pPr marL="1371600" algn="l" defTabSz="914400" rtl="0" eaLnBrk="1" latinLnBrk="0" hangingPunct="1">
+      <a:defRPr sz="1200" kern="1200">
+        <a:solidFill>
+          <a:schemeClr val="tx1"/>
+        </a:solidFill>
+        <a:latin typeface="+mn-lt"/>
+        <a:ea typeface="+mn-ea"/>
+        <a:cs typeface="+mn-cs"/>
+      </a:defRPr>
+    </a:lvl4pPr>
+    <a:lvl5pPr marL="1828800" algn="l" defTabSz="914400" rtl="0" eaLnBrk="1" latinLnBrk="0" hangingPunct="1">
+      <a:defRPr sz="1200" kern="1200">
+        <a:solidFill>
+          <a:schemeClr val="tx1"/>
+        </a:solidFill>
+        <a:latin typeface="+mn-lt"/>
+        <a:ea typeface="+mn-ea"/>
+        <a:cs typeface="+mn-cs"/>
+      </a:defRPr>
+    </a:lvl5pPr>
+    <a:lvl6pPr marL="2286000" algn="l" defTabSz="914400" rtl="0" eaLnBrk="1" latinLnBrk="0" hangingPunct="1">
+      <a:defRPr sz="1200" kern="1200">
+        <a:solidFill>
+          <a:schemeClr val="tx1"/>
+        </a:solidFill>
+        <a:latin typeface="+mn-lt"/>
+        <a:ea typeface="+mn-ea"/>
+        <a:cs typeface="+mn-cs"/>
+      </a:defRPr>
+    </a:lvl6pPr>
+    <a:lvl7pPr marL="2743200" algn="l" defTabSz="914400" rtl="0" eaLnBrk="1" latinLnBrk="0" hangingPunct="1">
+      <a:defRPr sz="1200" kern="1200">
+        <a:solidFill>
+          <a:schemeClr val="tx1"/>
+        </a:solidFill>
+        <a:latin typeface="+mn-lt"/>
+        <a:ea typeface="+mn-ea"/>
+        <a:cs typeface="+mn-cs"/>
+      </a:defRPr>
+    </a:lvl7pPr>
+    <a:lvl8pPr marL="3200400" algn="l" defTabSz="914400" rtl="0" eaLnBrk="1" latinLnBrk="0" hangingPunct="1">
+      <a:defRPr sz="1200" kern="1200">
+        <a:solidFill>
+          <a:schemeClr val="tx1"/>
+        </a:solidFill>
+        <a:latin typeface="+mn-lt"/>
+        <a:ea typeface="+mn-ea"/>
+        <a:cs typeface="+mn-cs"/>
+      </a:defRPr>
+    </a:lvl8pPr>
+    <a:lvl9pPr marL="3657600" algn="l" defTabSz="914400" rtl="0" eaLnBrk="1" latinLnBrk="0" hangingPunct="1">
+      <a:defRPr sz="1200" kern="1200">
+        <a:solidFill>
+          <a:schemeClr val="tx1"/>
+        </a:solidFill>
+        <a:latin typeface="+mn-lt"/>
+        <a:ea typeface="+mn-ea"/>
+        <a:cs typeface="+mn-cs"/>
+      </a:defRPr>
+    </a:lvl9pPr>
+  </p:notesStyle>
+</p:notesMaster>
+</file>
+
+<file path=ppt/notesSlides/notesSlide1.xml><?xml version="1.0" encoding="utf-8"?>
+<p:notes xmlns:a="http://schemas.openxmlformats.org/drawingml/2006/main" xmlns:r="http://schemas.openxmlformats.org/officeDocument/2006/relationships" xmlns:p="http://schemas.openxmlformats.org/presentationml/2006/main">
+  <p:cSld>
+    <p:spTree>
+      <p:nvGrpSpPr>
+        <p:cNvPr id="1" name=""/>
+        <p:cNvGrpSpPr/>
+        <p:nvPr/>
+      </p:nvGrpSpPr>
+      <p:grpSpPr>
+        <a:xfrm>
+          <a:off x="0" y="0"/>
+          <a:ext cx="0" cy="0"/>
+          <a:chOff x="0" y="0"/>
+          <a:chExt cx="0" cy="0"/>
+        </a:xfrm>
+      </p:grpSpPr>
+      <p:sp>
+        <p:nvSpPr>
+          <p:cNvPr id="2" name="Slide Image Placeholder 1"/>
+          <p:cNvSpPr>
+            <a:spLocks noGrp="1" noRot="1" noChangeAspect="1"/>
+          </p:cNvSpPr>
+          <p:nvPr>
+            <p:ph type="sldImg"/>
+          </p:nvPr>
+        </p:nvSpPr>
+        <p:spPr/>
+      </p:sp>
+      <p:sp>
+        <p:nvSpPr>
+          <p:cNvPr id="3" name="Notes Placeholder 2"/>
+          <p:cNvSpPr>
+            <a:spLocks noGrp="1"/>
+          </p:cNvSpPr>
+          <p:nvPr>
+            <p:ph type="body" idx="1"/>
+          </p:nvPr>
+        </p:nvSpPr>
+        <p:spPr/>
+        <p:txBody>
+          <a:bodyPr/>
+          <a:lstStyle/>
+          <a:p>
+            <a:r>
+              <a:rPr lang="en-US" b="1" dirty="0" smtClean="0"/>
+              <a:t>No fixed definition </a:t>
+            </a:r>
+            <a:r>
+              <a:rPr lang="en-US" dirty="0" smtClean="0"/>
+              <a:t>of what constitutes violent crime</a:t>
+            </a:r>
+          </a:p>
+          <a:p>
+            <a:pPr lvl="1"/>
+            <a:r>
+              <a:rPr lang="en-US" dirty="0" smtClean="0"/>
+              <a:t>The LA Times article describes violent crime as 'violent crime — which includes homicide, rape, robbery and aggravated assault‘</a:t>
+            </a:r>
+          </a:p>
+          <a:p>
+            <a:pPr lvl="1"/>
+            <a:r>
+              <a:rPr lang="en-US" dirty="0" smtClean="0"/>
+              <a:t>Efforts on going to classify crime (</a:t>
+            </a:r>
+            <a:r>
+              <a:rPr lang="en-US" dirty="0" smtClean="0">
+                <a:hlinkClick r:id="rId3"/>
+              </a:rPr>
+              <a:t>https://www.nap.edu/read/23492/chapter/7#121</a:t>
+            </a:r>
+            <a:r>
+              <a:rPr lang="en-US" dirty="0" smtClean="0"/>
+              <a:t>)</a:t>
+            </a:r>
+          </a:p>
+          <a:p>
+            <a:r>
+              <a:rPr lang="en-US" dirty="0" smtClean="0"/>
+              <a:t>The </a:t>
+            </a:r>
+            <a:r>
+              <a:rPr lang="en-US" b="1" dirty="0" smtClean="0"/>
+              <a:t>data analysis</a:t>
+            </a:r>
+            <a:r>
+              <a:rPr lang="en-US" dirty="0" smtClean="0"/>
+              <a:t> can </a:t>
+            </a:r>
+            <a:r>
+              <a:rPr lang="en-US" b="1" dirty="0" smtClean="0"/>
+              <a:t>only be as good as the underlying data</a:t>
+            </a:r>
+          </a:p>
+          <a:p>
+            <a:pPr lvl="1"/>
+            <a:r>
+              <a:rPr lang="en-US" dirty="0" smtClean="0"/>
+              <a:t>The LA Times article states that more then 25,000 serious crimes were classified as minor</a:t>
+            </a:r>
+          </a:p>
+          <a:p>
+            <a:pPr lvl="1"/>
+            <a:r>
+              <a:rPr lang="en-US" dirty="0" smtClean="0">
+                <a:hlinkClick r:id="rId4"/>
+              </a:rPr>
+              <a:t>https://www.latimes.com/local/crime/la-me-lapd-audit-20151206-story.html</a:t>
+            </a:r>
+            <a:endParaRPr lang="en-US" dirty="0" smtClean="0"/>
+          </a:p>
+          <a:p>
+            <a:r>
+              <a:rPr lang="en-US" dirty="0" smtClean="0"/>
+              <a:t>Overall conclusion violent crime decrease sounds good, but </a:t>
+            </a:r>
+            <a:r>
+              <a:rPr lang="en-US" b="1" dirty="0" smtClean="0"/>
+              <a:t>local stark differences</a:t>
+            </a:r>
+          </a:p>
+          <a:p>
+            <a:r>
+              <a:rPr lang="en-US" dirty="0" smtClean="0"/>
+              <a:t>How to account for changing perception of what constitutes a crime and/or what people consider ‘normal/acceptable’ behavior over time</a:t>
+            </a:r>
+          </a:p>
+          <a:p>
+            <a:endParaRPr lang="en-US" dirty="0"/>
+          </a:p>
+        </p:txBody>
+      </p:sp>
+      <p:sp>
+        <p:nvSpPr>
+          <p:cNvPr id="4" name="Slide Number Placeholder 3"/>
+          <p:cNvSpPr>
+            <a:spLocks noGrp="1"/>
+          </p:cNvSpPr>
+          <p:nvPr>
+            <p:ph type="sldNum" sz="quarter" idx="10"/>
+          </p:nvPr>
+        </p:nvSpPr>
+        <p:spPr/>
+        <p:txBody>
+          <a:bodyPr/>
+          <a:lstStyle/>
+          <a:p>
+            <a:fld id="{7E61B202-5A31-402F-95CF-E5CC3E545A61}" type="slidenum">
+              <a:rPr lang="en-US" smtClean="0"/>
+              <a:t>6</a:t>
+            </a:fld>
+            <a:endParaRPr lang="en-US"/>
+          </a:p>
+        </p:txBody>
+      </p:sp>
+    </p:spTree>
+    <p:extLst>
+      <p:ext uri="{BB962C8B-B14F-4D97-AF65-F5344CB8AC3E}">
+        <p14:creationId xmlns:p14="http://schemas.microsoft.com/office/powerpoint/2010/main" val="1964760127"/>
+      </p:ext>
+    </p:extLst>
+  </p:cSld>
+  <p:clrMapOvr>
+    <a:masterClrMapping/>
+  </p:clrMapOvr>
+</p:notes>
 </file>
 
 <file path=ppt/slideLayouts/slideLayout1.xml><?xml version="1.0" encoding="utf-8"?>
@@ -3199,8 +3721,12 @@
           <a:lstStyle/>
           <a:p>
             <a:r>
+              <a:rPr lang="en-US" dirty="0" smtClean="0"/>
+              <a:t>Top Violent Crimes Disparity </a:t>
+            </a:r>
+            <a:r>
               <a:rPr lang="en-US" dirty="0"/>
-              <a:t>Strong Disparity by Zip Code</a:t>
+              <a:t>by Zip Code</a:t>
             </a:r>
           </a:p>
         </p:txBody>
@@ -3221,61 +3747,65 @@
           <a:lstStyle/>
           <a:p>
             <a:r>
+              <a:rPr lang="en-US" sz="3600" b="1" dirty="0" smtClean="0"/>
+              <a:t>Top 10</a:t>
+            </a:r>
+            <a:r>
+              <a:rPr lang="en-US" sz="3600" b="1" dirty="0"/>
+              <a:t>%</a:t>
+            </a:r>
+            <a:r>
               <a:rPr lang="en-US" dirty="0"/>
-              <a:t>169 zip codes</a:t>
-            </a:r>
-          </a:p>
-          <a:p>
+              <a:t> </a:t>
+            </a:r>
+            <a:r>
+              <a:rPr lang="en-US" dirty="0" smtClean="0"/>
+              <a:t>account </a:t>
+            </a:r>
+            <a:r>
+              <a:rPr lang="en-US" dirty="0"/>
+              <a:t>for </a:t>
+            </a:r>
             <a:r>
               <a:rPr lang="en-US" sz="3600" b="1" dirty="0"/>
-              <a:t>10%</a:t>
+              <a:t>43.66 </a:t>
+            </a:r>
+            <a:r>
+              <a:rPr lang="en-US" sz="3600" b="1" dirty="0" smtClean="0"/>
+              <a:t>%</a:t>
+            </a:r>
+            <a:endParaRPr lang="en-US" dirty="0"/>
+          </a:p>
+          <a:p>
+            <a:r>
+              <a:rPr lang="en-US" sz="3600" b="1" dirty="0" smtClean="0"/>
+              <a:t>Top 20 </a:t>
+            </a:r>
+            <a:r>
+              <a:rPr lang="en-US" sz="3600" b="1" dirty="0"/>
+              <a:t>%</a:t>
             </a:r>
             <a:r>
               <a:rPr lang="en-US" dirty="0"/>
-              <a:t> of </a:t>
+              <a:t> </a:t>
+            </a:r>
+            <a:r>
+              <a:rPr lang="en-US" dirty="0" smtClean="0"/>
+              <a:t>account </a:t>
+            </a:r>
+            <a:r>
+              <a:rPr lang="en-US" dirty="0"/>
+              <a:t>for </a:t>
             </a:r>
             <a:r>
               <a:rPr lang="en-US" sz="3600" b="1" dirty="0"/>
-              <a:t>top violent crimes zip codes </a:t>
-            </a:r>
-            <a:r>
-              <a:rPr lang="en-US" dirty="0"/>
-              <a:t>account for </a:t>
-            </a:r>
-            <a:r>
-              <a:rPr lang="en-US" sz="3600" b="1" dirty="0"/>
-              <a:t>43.66 % of total</a:t>
-            </a:r>
-            <a:r>
-              <a:rPr lang="en-US" dirty="0"/>
-              <a:t> violent crimes</a:t>
-            </a:r>
-          </a:p>
-          <a:p>
-            <a:r>
-              <a:rPr lang="en-US" sz="3600" b="1" dirty="0"/>
-              <a:t>20 %</a:t>
-            </a:r>
-            <a:r>
-              <a:rPr lang="en-US" dirty="0"/>
-              <a:t> of </a:t>
-            </a:r>
-            <a:r>
-              <a:rPr lang="en-US" sz="3600" b="1" dirty="0"/>
-              <a:t>top violent crimes zip codes </a:t>
-            </a:r>
-            <a:r>
-              <a:rPr lang="en-US" dirty="0"/>
-              <a:t>account for </a:t>
-            </a:r>
-            <a:r>
-              <a:rPr lang="en-US" sz="3600" b="1" dirty="0"/>
-              <a:t>65.19 % of total</a:t>
-            </a:r>
-            <a:r>
-              <a:rPr lang="en-US" dirty="0"/>
-              <a:t> violent crimes</a:t>
-            </a:r>
+              <a:t>65.19 </a:t>
+            </a:r>
+            <a:r>
+              <a:rPr lang="en-US" sz="3600" b="1" dirty="0" smtClean="0"/>
+              <a:t>%</a:t>
+            </a:r>
+            <a:endParaRPr lang="en-US" dirty="0"/>
           </a:p>
           <a:p>
             <a:endParaRPr lang="en-US" dirty="0"/>
@@ -3333,7 +3863,38 @@
                   <a:srgbClr val="00CC99"/>
                 </a:solidFill>
               </a:rPr>
-              <a:t>Expectation versus Data: Victim Descent</a:t>
+              <a:t>Expectation versus Data: </a:t>
+            </a:r>
+            <a:r>
+              <a:rPr lang="en-US" dirty="0" smtClean="0">
+                <a:solidFill>
+                  <a:srgbClr val="00CC99"/>
+                </a:solidFill>
+              </a:rPr>
+              <a:t/>
+            </a:r>
+            <a:br>
+              <a:rPr lang="en-US" dirty="0" smtClean="0">
+                <a:solidFill>
+                  <a:srgbClr val="00CC99"/>
+                </a:solidFill>
+              </a:rPr>
+            </a:br>
+            <a:r>
+              <a:rPr lang="en-US" dirty="0" smtClean="0">
+                <a:solidFill>
+                  <a:srgbClr val="00CC99"/>
+                </a:solidFill>
+              </a:rPr>
+              <a:t>Violent Crime Victim </a:t>
+            </a:r>
+            <a:r>
+              <a:rPr lang="en-US" dirty="0">
+                <a:solidFill>
+                  <a:srgbClr val="00CC99"/>
+                </a:solidFill>
+              </a:rPr>
+              <a:t>Descent</a:t>
             </a:r>
           </a:p>
         </p:txBody>
@@ -3357,13 +3918,33 @@
           <a:p>
             <a:r>
               <a:rPr lang="en-US" dirty="0"/>
-              <a:t>Expectation: expected % of Hispanic / Black victims to be close</a:t>
-            </a:r>
-          </a:p>
-          <a:p>
+              <a:t>Expectation: </a:t>
+            </a:r>
+            <a:endParaRPr lang="en-US" dirty="0" smtClean="0"/>
+          </a:p>
+          <a:p>
+            <a:pPr lvl="1"/>
+            <a:r>
+              <a:rPr lang="en-US" sz="3200" b="1" dirty="0" smtClean="0"/>
+              <a:t>Close % </a:t>
+            </a:r>
+            <a:r>
+              <a:rPr lang="en-US" sz="3200" b="1" dirty="0"/>
+              <a:t>of Hispanic / Black </a:t>
+            </a:r>
+            <a:r>
+              <a:rPr lang="en-US" sz="3200" b="1" dirty="0" smtClean="0"/>
+              <a:t>victims</a:t>
+            </a:r>
+          </a:p>
+          <a:p>
+            <a:r>
+              <a:rPr lang="en-US" dirty="0" smtClean="0"/>
+              <a:t>Data</a:t>
+            </a:r>
             <a:r>
               <a:rPr lang="en-US" dirty="0"/>
-              <a:t>Data: </a:t>
+              <a:t>: </a:t>
             </a:r>
           </a:p>
           <a:p>
@@ -3377,27 +3958,35 @@
               <a:t> of </a:t>
             </a:r>
             <a:r>
+              <a:rPr lang="en-US" sz="3600" b="1" dirty="0" smtClean="0"/>
+              <a:t>Hispanic</a:t>
+            </a:r>
+            <a:r>
+              <a:rPr lang="en-US" sz="2800" dirty="0" smtClean="0"/>
+              <a:t> </a:t>
+            </a:r>
+            <a:r>
+              <a:rPr lang="en-US" sz="2800" dirty="0"/>
+              <a:t>descent</a:t>
+            </a:r>
+          </a:p>
+          <a:p>
+            <a:pPr lvl="1"/>
+            <a:r>
               <a:rPr lang="en-US" sz="3600" b="1" dirty="0"/>
-              <a:t>violent crime </a:t>
+              <a:t>Black / White </a:t>
             </a:r>
             <a:r>
               <a:rPr lang="en-US" sz="2800" dirty="0"/>
-              <a:t>victims are of </a:t>
-            </a:r>
-            <a:r>
-              <a:rPr lang="en-US" sz="3600" b="1" dirty="0"/>
-              <a:t>Hispanic</a:t>
-            </a:r>
-            <a:r>
-              <a:rPr lang="en-US" sz="2800" dirty="0"/>
-              <a:t> descent</a:t>
-            </a:r>
-          </a:p>
-          <a:p>
-            <a:pPr lvl="1"/>
-            <a:r>
-              <a:rPr lang="en-US" sz="2800" dirty="0"/>
-              <a:t>Black / White crime are not that dramatically different</a:t>
+              <a:t>crime </a:t>
+            </a:r>
+            <a:r>
+              <a:rPr lang="en-US" sz="2800" b="1" dirty="0" smtClean="0"/>
+              <a:t>not dramatically </a:t>
+            </a:r>
+            <a:r>
+              <a:rPr lang="en-US" sz="2800" b="1" dirty="0"/>
+              <a:t>different</a:t>
             </a:r>
           </a:p>
         </p:txBody>
@@ -3734,7 +4323,26 @@
           <a:p>
             <a:r>
               <a:rPr lang="en-US" dirty="0"/>
-              <a:t>Expectation versus Data: Victim Gender</a:t>
+              <a:t>Expectation versus Data: </a:t>
+            </a:r>
+            <a:r>
+              <a:rPr lang="en-US" dirty="0" smtClean="0"/>
+              <a:t/>
+            </a:r>
+            <a:br>
+              <a:rPr lang="en-US" dirty="0" smtClean="0"/>
+            </a:br>
+            <a:r>
+              <a:rPr lang="en-US" dirty="0" smtClean="0"/>
+              <a:t>Violent Crime </a:t>
+            </a:r>
+            <a:r>
+              <a:rPr lang="en-US" dirty="0" smtClean="0"/>
+              <a:t>Victim </a:t>
+            </a:r>
+            <a:r>
+              <a:rPr lang="en-US" dirty="0"/>
+              <a:t>Gender</a:t>
             </a:r>
           </a:p>
         </p:txBody>
@@ -3758,29 +4366,50 @@
           <a:p>
             <a:r>
               <a:rPr lang="en-US" dirty="0"/>
-              <a:t>Expectation: higher % of female victim violent crime</a:t>
-            </a:r>
+              <a:t>Expectation: </a:t>
+            </a:r>
+            <a:endParaRPr lang="en-US" dirty="0" smtClean="0"/>
+          </a:p>
+          <a:p>
+            <a:pPr lvl="1"/>
+            <a:r>
+              <a:rPr lang="en-US" sz="3200" b="1" dirty="0" smtClean="0"/>
+              <a:t>Higher </a:t>
+            </a:r>
+            <a:r>
+              <a:rPr lang="en-US" sz="3200" b="1" dirty="0"/>
+              <a:t>% of female </a:t>
+            </a:r>
+            <a:r>
+              <a:rPr lang="en-US" sz="3200" b="1" dirty="0" smtClean="0"/>
+              <a:t>victim</a:t>
+            </a:r>
+            <a:endParaRPr lang="en-US" sz="3200" b="1" dirty="0"/>
           </a:p>
           <a:p>
             <a:r>
               <a:rPr lang="en-US" dirty="0"/>
               <a:t>Data: </a:t>
             </a:r>
+            <a:endParaRPr lang="en-US" dirty="0" smtClean="0"/>
+          </a:p>
+          <a:p>
+            <a:pPr lvl="1"/>
+            <a:r>
+              <a:rPr lang="en-US" sz="3600" b="1" dirty="0" smtClean="0"/>
+              <a:t>60.15</a:t>
+            </a:r>
             <a:r>
               <a:rPr lang="en-US" sz="3600" b="1" dirty="0"/>
-              <a:t>60.15%</a:t>
+              <a:t>%</a:t>
             </a:r>
             <a:r>
               <a:rPr lang="en-US" dirty="0"/>
-              <a:t> of </a:t>
-            </a:r>
-            <a:r>
-              <a:rPr lang="en-US" sz="3600" b="1" dirty="0"/>
-              <a:t>victims of violent crime</a:t>
-            </a:r>
-            <a:r>
-              <a:rPr lang="en-US" dirty="0"/>
-              <a:t> are </a:t>
+              <a:t> </a:t>
+            </a:r>
+            <a:r>
+              <a:rPr lang="en-US" dirty="0" smtClean="0"/>
+              <a:t>are </a:t>
             </a:r>
             <a:r>
               <a:rPr lang="en-US" sz="3600" b="1" dirty="0"/>
@@ -3866,8 +4495,28 @@
           <a:p>
             <a:r>
               <a:rPr lang="en-US" dirty="0"/>
-              <a:t>News validation</a:t>
-            </a:r>
+              <a:t>News </a:t>
+            </a:r>
+            <a:r>
+              <a:rPr lang="en-US" dirty="0" smtClean="0"/>
+              <a:t>Validation</a:t>
+            </a:r>
+            <a:r>
+              <a:rPr lang="en-US" dirty="0"/>
+              <a:t>: 2018 versus 2017 </a:t>
+            </a:r>
+            <a:r>
+              <a:rPr lang="en-US" dirty="0" smtClean="0"/>
+              <a:t>: </a:t>
+            </a:r>
+            <a:br>
+              <a:rPr lang="en-US" dirty="0" smtClean="0"/>
+            </a:br>
+            <a:r>
+              <a:rPr lang="en-US" dirty="0" smtClean="0"/>
+              <a:t>Overall Violent Crime</a:t>
+            </a:r>
+            <a:endParaRPr lang="en-US" dirty="0"/>
           </a:p>
         </p:txBody>
       </p:sp>
@@ -3883,45 +4532,129 @@
         </p:nvSpPr>
         <p:spPr/>
         <p:txBody>
-          <a:bodyPr/>
-          <a:lstStyle/>
-          <a:p>
+          <a:bodyPr>
+            <a:normAutofit/>
+          </a:bodyPr>
+          <a:lstStyle/>
+          <a:p>
+            <a:r>
+              <a:rPr lang="en-US" dirty="0" smtClean="0"/>
+              <a:t>News article</a:t>
+            </a:r>
             <a:r>
               <a:rPr lang="en-US" dirty="0"/>
-              <a:t>article: </a:t>
-            </a:r>
-            <a:r>
-              <a:rPr lang="en-US" dirty="0">
+              <a:t>: </a:t>
+            </a:r>
+            <a:endParaRPr lang="en-US" dirty="0" smtClean="0"/>
+          </a:p>
+          <a:p>
+            <a:pPr lvl="1"/>
+            <a:r>
+              <a:rPr lang="en-US" dirty="0" smtClean="0"/>
+              <a:t>Violent crime: 2018: </a:t>
+            </a:r>
+            <a:r>
+              <a:rPr lang="en-US" sz="3200" b="1" dirty="0" smtClean="0"/>
+              <a:t>27,246</a:t>
+            </a:r>
+          </a:p>
+          <a:p>
+            <a:pPr lvl="1"/>
+            <a:r>
+              <a:rPr lang="en-US" dirty="0"/>
+              <a:t>D</a:t>
+            </a:r>
+            <a:r>
+              <a:rPr lang="en-US" dirty="0" smtClean="0"/>
+              <a:t>ecrease </a:t>
+            </a:r>
+            <a:r>
+              <a:rPr lang="en-US" dirty="0"/>
+              <a:t>of near to </a:t>
+            </a:r>
+            <a:r>
+              <a:rPr lang="en-US" sz="3200" b="1" dirty="0"/>
+              <a:t>4 %</a:t>
+            </a:r>
+            <a:endParaRPr lang="en-US" b="1" dirty="0"/>
+          </a:p>
+          <a:p>
+            <a:pPr marL="457200" lvl="1" indent="0">
+              <a:buNone/>
+            </a:pPr>
+            <a:r>
+              <a:rPr lang="en-US" sz="1400" dirty="0" smtClean="0">
                 <a:hlinkClick r:id="rId2"/>
               </a:rPr>
-              <a:t>https://www.latimes.com/local/lanow/la-me-lapd-crime-stats-20181229-story.html</a:t>
-            </a:r>
-            <a:endParaRPr lang="en-US" dirty="0"/>
+              <a:t>https</a:t>
+            </a:r>
+            <a:r>
+              <a:rPr lang="en-US" sz="1400" dirty="0">
+                <a:hlinkClick r:id="rId2"/>
+              </a:rPr>
+              <a:t>://www.latimes.com/local/lanow/la-me-lapd-crime-stats-20181229-story.html</a:t>
+            </a:r>
+            <a:endParaRPr lang="en-US" sz="1400" dirty="0"/>
           </a:p>
           <a:p>
             <a:pPr>
               <a:spcBef>
-                <a:spcPts val="6000"/>
+                <a:spcPts val="2000"/>
               </a:spcBef>
             </a:pPr>
             <a:r>
               <a:rPr lang="en-US" dirty="0"/>
-              <a:t>Analysis: 2018 versus 2017 from an overall violent crime perspective: from 29,045 to 27,991: decrease of 3.63 %</a:t>
-            </a:r>
-          </a:p>
-          <a:p>
+              <a:t>Analysis: </a:t>
+            </a:r>
+            <a:endParaRPr lang="en-US" dirty="0" smtClean="0"/>
+          </a:p>
+          <a:p>
+            <a:pPr lvl="1"/>
             <a:r>
               <a:rPr lang="en-US" dirty="0"/>
-              <a:t>Article validation: </a:t>
+              <a:t>Violent crime: 2018: </a:t>
             </a:r>
             <a:r>
               <a:rPr lang="en-US" sz="3200" b="1" dirty="0"/>
-              <a:t>In line </a:t>
+              <a:t>27,991</a:t>
             </a:r>
             <a:r>
               <a:rPr lang="en-US" dirty="0"/>
-              <a:t>with article 27,246 for 2018 and a decrease of near to 4 %</a:t>
-            </a:r>
+              <a:t> </a:t>
+            </a:r>
+            <a:r>
+              <a:rPr lang="en-US" dirty="0" smtClean="0"/>
+              <a:t>(from 2017: 29,045)</a:t>
+            </a:r>
+          </a:p>
+          <a:p>
+            <a:pPr lvl="1"/>
+            <a:r>
+              <a:rPr lang="en-US" dirty="0" smtClean="0"/>
+              <a:t>Decrease </a:t>
+            </a:r>
+            <a:r>
+              <a:rPr lang="en-US" dirty="0"/>
+              <a:t>of </a:t>
+            </a:r>
+            <a:r>
+              <a:rPr lang="en-US" sz="3200" b="1" dirty="0" smtClean="0"/>
+              <a:t>3.63 </a:t>
+            </a:r>
+            <a:r>
+              <a:rPr lang="en-US" sz="3200" b="1" dirty="0"/>
+              <a:t>%</a:t>
+            </a:r>
+            <a:endParaRPr lang="en-US" b="1" dirty="0"/>
+          </a:p>
+          <a:p>
+            <a:pPr marL="0" indent="0">
+              <a:spcBef>
+                <a:spcPts val="0"/>
+              </a:spcBef>
+              <a:buNone/>
+            </a:pPr>
+            <a:endParaRPr lang="en-US" dirty="0"/>
           </a:p>
         </p:txBody>
       </p:sp>
@@ -3948,7 +4681,7 @@
         </p:blipFill>
         <p:spPr bwMode="auto">
           <a:xfrm>
-            <a:off x="8164478" y="164632"/>
+            <a:off x="9014789" y="365125"/>
             <a:ext cx="2836898" cy="1325237"/>
           </a:xfrm>
           <a:prstGeom prst="rect">
@@ -3988,7 +4721,7 @@
         </p:blipFill>
         <p:spPr>
           <a:xfrm>
-            <a:off x="3652213" y="4787899"/>
+            <a:off x="9014789" y="2208281"/>
             <a:ext cx="2548563" cy="1699042"/>
           </a:xfrm>
           <a:prstGeom prst="rect">
@@ -4018,37 +4751,7 @@
         </p:blipFill>
         <p:spPr>
           <a:xfrm>
-            <a:off x="6200776" y="4787900"/>
-            <a:ext cx="2548563" cy="1699042"/>
-          </a:xfrm>
-          <a:prstGeom prst="rect">
-            <a:avLst/>
-          </a:prstGeom>
-        </p:spPr>
-      </p:pic>
-      <p:pic>
-        <p:nvPicPr>
-          <p:cNvPr id="9" name="Picture 8"/>
-          <p:cNvPicPr>
-            <a:picLocks noChangeAspect="1"/>
-          </p:cNvPicPr>
-          <p:nvPr/>
-        </p:nvPicPr>
-        <p:blipFill>
-          <a:blip r:embed="rId6">
-            <a:extLst>
-              <a:ext uri="{28A0092B-C50C-407E-A947-70E740481C1C}">
-                <a14:useLocalDpi xmlns:a14="http://schemas.microsoft.com/office/drawing/2010/main" val="0"/>
-              </a:ext>
-            </a:extLst>
-          </a:blip>
-          <a:stretch>
-            <a:fillRect/>
-          </a:stretch>
-        </p:blipFill>
-        <p:spPr>
-          <a:xfrm>
-            <a:off x="9014789" y="4787899"/>
+            <a:off x="8982096" y="4477921"/>
             <a:ext cx="2548563" cy="1699042"/>
           </a:xfrm>
           <a:prstGeom prst="rect">
@@ -4121,76 +4824,43 @@
         <p:spPr/>
         <p:txBody>
           <a:bodyPr>
-            <a:normAutofit fontScale="92500" lnSpcReduction="10000"/>
+            <a:normAutofit/>
           </a:bodyPr>
           <a:lstStyle/>
           <a:p>
             <a:r>
-              <a:rPr lang="en-US" dirty="0"/>
-              <a:t>No fixed definition of what constitutes violent crime</a:t>
-            </a:r>
-          </a:p>
-          <a:p>
-            <a:pPr lvl="1"/>
-            <a:r>
-              <a:rPr lang="en-US" dirty="0"/>
-              <a:t>The LA Times article describes violent crime as 'violent crime — which includes homicide, rape, robbery and aggravated assault‘</a:t>
-            </a:r>
-          </a:p>
-          <a:p>
-            <a:pPr lvl="1"/>
-            <a:r>
-              <a:rPr lang="en-US" dirty="0"/>
-              <a:t>Efforts on going to classify crime (</a:t>
-            </a:r>
-            <a:r>
-              <a:rPr lang="en-US" dirty="0">
-                <a:hlinkClick r:id="rId2"/>
-              </a:rPr>
-              <a:t>https://www.nap.edu/read/23492/chapter/7#121</a:t>
-            </a:r>
-            <a:r>
-              <a:rPr lang="en-US" dirty="0"/>
-              <a:t>)</a:t>
-            </a:r>
-          </a:p>
-          <a:p>
-            <a:r>
-              <a:rPr lang="en-US" dirty="0"/>
-              <a:t>The data analysis can only be as good as the underlying data</a:t>
-            </a:r>
-          </a:p>
-          <a:p>
-            <a:pPr lvl="1"/>
-            <a:r>
-              <a:rPr lang="en-US" dirty="0"/>
-              <a:t>The LA Times article states that more then 25,000 serious crimes were classified as minor</a:t>
-            </a:r>
-          </a:p>
-          <a:p>
-            <a:pPr lvl="1"/>
-            <a:r>
-              <a:rPr lang="en-US" dirty="0">
-                <a:hlinkClick r:id="rId3"/>
-              </a:rPr>
-              <a:t>https://www.latimes.com/local/crime/la-me-lapd-audit-20151206-story.html</a:t>
-            </a:r>
-            <a:endParaRPr lang="en-US" dirty="0"/>
-          </a:p>
-          <a:p>
-            <a:r>
-              <a:rPr lang="en-US" dirty="0"/>
-              <a:t>Overall conclusion violent crime decrease sounds good, but local stark differences</a:t>
-            </a:r>
-          </a:p>
-          <a:p>
-            <a:r>
-              <a:rPr lang="en-US" dirty="0"/>
-              <a:t>How to account for changing perception of what constitutes a crime and/or what people consider ‘normal/acceptable’ behavior over time</a:t>
-            </a:r>
-          </a:p>
-          <a:p>
-            <a:endParaRPr lang="en-US" dirty="0"/>
+              <a:rPr lang="en-US" sz="3600" dirty="0"/>
+              <a:t>No fixed definition of </a:t>
+            </a:r>
+            <a:r>
+              <a:rPr lang="en-US" sz="3600" dirty="0" smtClean="0"/>
+              <a:t>violent crime</a:t>
+            </a:r>
+          </a:p>
+          <a:p>
+            <a:r>
+              <a:rPr lang="en-US" sz="3600" dirty="0" smtClean="0"/>
+              <a:t>Analysis only as good as underlying data</a:t>
+            </a:r>
+            <a:endParaRPr lang="en-US" sz="3600" dirty="0"/>
+          </a:p>
+          <a:p>
+            <a:r>
+              <a:rPr lang="en-US" sz="3600" dirty="0" smtClean="0"/>
+              <a:t>Stark local differences</a:t>
+            </a:r>
+            <a:endParaRPr lang="en-US" sz="3600" dirty="0"/>
+          </a:p>
+          <a:p>
+            <a:r>
+              <a:rPr lang="en-US" sz="3600" dirty="0"/>
+              <a:t>C</a:t>
+            </a:r>
+            <a:r>
+              <a:rPr lang="en-US" sz="3600" dirty="0" smtClean="0"/>
+              <a:t>hanging perception</a:t>
+            </a:r>
+            <a:endParaRPr lang="en-US" sz="3600" dirty="0"/>
           </a:p>
         </p:txBody>
       </p:sp>
@@ -4287,7 +4957,7 @@
           <a:graphicData uri="http://schemas.openxmlformats.org/presentationml/2006/ole">
             <mc:AlternateContent xmlns:mc="http://schemas.openxmlformats.org/markup-compatibility/2006">
               <mc:Choice xmlns:v="urn:schemas-microsoft-com:vml" Requires="v">
-                <p:oleObj spid="_x0000_s2052" name="Packager Shell Object" showAsIcon="1" r:id="rId3" imgW="669600" imgH="375840" progId="Package">
+                <p:oleObj spid="_x0000_s2055" name="Packager Shell Object" showAsIcon="1" r:id="rId3" imgW="669600" imgH="375840" progId="Package">
                   <p:embed/>
                 </p:oleObj>
               </mc:Choice>
@@ -4847,4 +5517,265 @@
     </a:ext>
   </a:extLst>
 </a:theme>
+</file>
+
+<file path=ppt/theme/theme2.xml><?xml version="1.0" encoding="utf-8"?>
+<a:theme xmlns:a="http://schemas.openxmlformats.org/drawingml/2006/main" name="Office Theme">
+  <a:themeElements>
+    <a:clrScheme name="Office">
+      <a:dk1>
+        <a:sysClr val="windowText" lastClr="000000"/>
+      </a:dk1>
+      <a:lt1>
+        <a:sysClr val="window" lastClr="FFFFFF"/>
+      </a:lt1>
+      <a:dk2>
+        <a:srgbClr val="44546A"/>
+      </a:dk2>
+      <a:lt2>
+        <a:srgbClr val="E7E6E6"/>
+      </a:lt2>
+      <a:accent1>
+        <a:srgbClr val="5B9BD5"/>
+      </a:accent1>
+      <a:accent2>
+        <a:srgbClr val="ED7D31"/>
+      </a:accent2>
+      <a:accent3>
+        <a:srgbClr val="A5A5A5"/>
+      </a:accent3>
+      <a:accent4>
+        <a:srgbClr val="FFC000"/>
+      </a:accent4>
+      <a:accent5>
+        <a:srgbClr val="4472C4"/>
+      </a:accent5>
+      <a:accent6>
+        <a:srgbClr val="70AD47"/>
+      </a:accent6>
+      <a:hlink>
+        <a:srgbClr val="0563C1"/>
+      </a:hlink>
+      <a:folHlink>
+        <a:srgbClr val="954F72"/>
+      </a:folHlink>
+    </a:clrScheme>
+    <a:fontScheme name="Office">
+      <a:majorFont>
+        <a:latin typeface="Calibri Light" panose="020F0302020204030204"/>
+        <a:ea typeface=""/>
+        <a:cs typeface=""/>
+        <a:font script="Jpan" typeface="游ゴシック Light"/>
+        <a:font script="Hang" typeface="맑은 고딕"/>
+        <a:font script="Hans" typeface="等线 Light"/>
+        <a:font script="Hant" typeface="新細明體"/>
+        <a:font script="Arab" typeface="Times New Roman"/>
+        <a:font script="Hebr" typeface="Times New Roman"/>
+        <a:font script="Thai" typeface="Angsana New"/>
+        <a:font script="Ethi" typeface="Nyala"/>
+        <a:font script="Beng" typeface="Vrinda"/>
+        <a:font script="Gujr" typeface="Shruti"/>
+        <a:font script="Khmr" typeface="MoolBoran"/>
+        <a:font script="Knda" typeface="Tunga"/>
+        <a:font script="Guru" typeface="Raavi"/>
+        <a:font script="Cans" typeface="Euphemia"/>
+        <a:font script="Cher" typeface="Plantagenet Cherokee"/>
+        <a:font script="Yiii" typeface="Microsoft Yi Baiti"/>
+        <a:font script="Tibt" typeface="Microsoft Himalaya"/>
+        <a:font script="Thaa" typeface="MV Boli"/>
+        <a:font script="Deva" typeface="Mangal"/>
+        <a:font script="Telu" typeface="Gautami"/>
+        <a:font script="Taml" typeface="Latha"/>
+        <a:font script="Syrc" typeface="Estrangelo Edessa"/>
+        <a:font script="Orya" typeface="Kalinga"/>
+        <a:font script="Mlym" typeface="Kartika"/>
+        <a:font script="Laoo" typeface="DokChampa"/>
+        <a:font script="Sinh" typeface="Iskoola Pota"/>
+        <a:font script="Mong" typeface="Mongolian Baiti"/>
+        <a:font script="Viet" typeface="Times New Roman"/>
+        <a:font script="Uigh" typeface="Microsoft Uighur"/>
+        <a:font script="Geor" typeface="Sylfaen"/>
+      </a:majorFont>
+      <a:minorFont>
+        <a:latin typeface="Calibri" panose="020F0502020204030204"/>
+        <a:ea typeface=""/>
+        <a:cs typeface=""/>
+        <a:font script="Jpan" typeface="游ゴシック"/>
+        <a:font script="Hang" typeface="맑은 고딕"/>
+        <a:font script="Hans" typeface="等线"/>
+        <a:font script="Hant" typeface="新細明體"/>
+        <a:font script="Arab" typeface="Arial"/>
+        <a:font script="Hebr" typeface="Arial"/>
+        <a:font script="Thai" typeface="Cordia New"/>
+        <a:font script="Ethi" typeface="Nyala"/>
+        <a:font script="Beng" typeface="Vrinda"/>
+        <a:font script="Gujr" typeface="Shruti"/>
+        <a:font script="Khmr" typeface="DaunPenh"/>
+        <a:font script="Knda" typeface="Tunga"/>
+        <a:font script="Guru" typeface="Raavi"/>
+        <a:font script="Cans" typeface="Euphemia"/>
+        <a:font script="Cher" typeface="Plantagenet Cherokee"/>
+        <a:font script="Yiii" typeface="Microsoft Yi Baiti"/>
+        <a:font script="Tibt" typeface="Microsoft Himalaya"/>
+        <a:font script="Thaa" typeface="MV Boli"/>
+        <a:font script="Deva" typeface="Mangal"/>
+        <a:font script="Telu" typeface="Gautami"/>
+        <a:font script="Taml" typeface="Latha"/>
+        <a:font script="Syrc" typeface="Estrangelo Edessa"/>
+        <a:font script="Orya" typeface="Kalinga"/>
+        <a:font script="Mlym" typeface="Kartika"/>
+        <a:font script="Laoo" typeface="DokChampa"/>
+        <a:font script="Sinh" typeface="Iskoola Pota"/>
+        <a:font script="Mong" typeface="Mongolian Baiti"/>
+        <a:font script="Viet" typeface="Arial"/>
+        <a:font script="Uigh" typeface="Microsoft Uighur"/>
+        <a:font script="Geor" typeface="Sylfaen"/>
+      </a:minorFont>
+    </a:fontScheme>
+    <a:fmtScheme name="Office">
+      <a:fillStyleLst>
+        <a:solidFill>
+          <a:schemeClr val="phClr"/>
+        </a:solidFill>
+        <a:gradFill rotWithShape="1">
+          <a:gsLst>
+            <a:gs pos="0">
+              <a:schemeClr val="phClr">
+                <a:lumMod val="110000"/>
+                <a:satMod val="105000"/>
+                <a:tint val="67000"/>
+              </a:schemeClr>
+            </a:gs>
+            <a:gs pos="50000">
+              <a:schemeClr val="phClr">
+                <a:lumMod val="105000"/>
+                <a:satMod val="103000"/>
+                <a:tint val="73000"/>
+              </a:schemeClr>
+            </a:gs>
+            <a:gs pos="100000">
+              <a:schemeClr val="phClr">
+                <a:lumMod val="105000"/>
+                <a:satMod val="109000"/>
+                <a:tint val="81000"/>
+              </a:schemeClr>
+            </a:gs>
+          </a:gsLst>
+          <a:lin ang="5400000" scaled="0"/>
+        </a:gradFill>
+        <a:gradFill rotWithShape="1">
+          <a:gsLst>
+            <a:gs pos="0">
+              <a:schemeClr val="phClr">
+                <a:satMod val="103000"/>
+                <a:lumMod val="102000"/>
+                <a:tint val="94000"/>
+              </a:schemeClr>
+            </a:gs>
+            <a:gs pos="50000">
+              <a:schemeClr val="phClr">
+                <a:satMod val="110000"/>
+                <a:lumMod val="100000"/>
+                <a:shade val="100000"/>
+              </a:schemeClr>
+            </a:gs>
+            <a:gs pos="100000">
+              <a:schemeClr val="phClr">
+                <a:lumMod val="99000"/>
+                <a:satMod val="120000"/>
+                <a:shade val="78000"/>
+              </a:schemeClr>
+            </a:gs>
+          </a:gsLst>
+          <a:lin ang="5400000" scaled="0"/>
+        </a:gradFill>
+      </a:fillStyleLst>
+      <a:lnStyleLst>
+        <a:ln w="6350" cap="flat" cmpd="sng" algn="ctr">
+          <a:solidFill>
+            <a:schemeClr val="phClr"/>
+          </a:solidFill>
+          <a:prstDash val="solid"/>
+          <a:miter lim="800000"/>
+        </a:ln>
+        <a:ln w="12700" cap="flat" cmpd="sng" algn="ctr">
+          <a:solidFill>
+            <a:schemeClr val="phClr"/>
+          </a:solidFill>
+          <a:prstDash val="solid"/>
+          <a:miter lim="800000"/>
+        </a:ln>
+        <a:ln w="19050" cap="flat" cmpd="sng" algn="ctr">
+          <a:solidFill>
+            <a:schemeClr val="phClr"/>
+          </a:solidFill>
+          <a:prstDash val="solid"/>
+          <a:miter lim="800000"/>
+        </a:ln>
+      </a:lnStyleLst>
+      <a:effectStyleLst>
+        <a:effectStyle>
+          <a:effectLst/>
+        </a:effectStyle>
+        <a:effectStyle>
+          <a:effectLst/>
+        </a:effectStyle>
+        <a:effectStyle>
+          <a:effectLst>
+            <a:outerShdw blurRad="57150" dist="19050" dir="5400000" algn="ctr" rotWithShape="0">
+              <a:srgbClr val="000000">
+                <a:alpha val="63000"/>
+              </a:srgbClr>
+            </a:outerShdw>
+          </a:effectLst>
+        </a:effectStyle>
+      </a:effectStyleLst>
+      <a:bgFillStyleLst>
+        <a:solidFill>
+          <a:schemeClr val="phClr"/>
+        </a:solidFill>
+        <a:solidFill>
+          <a:schemeClr val="phClr">
+            <a:tint val="95000"/>
+            <a:satMod val="170000"/>
+          </a:schemeClr>
+        </a:solidFill>
+        <a:gradFill rotWithShape="1">
+          <a:gsLst>
+            <a:gs pos="0">
+              <a:schemeClr val="phClr">
+                <a:tint val="93000"/>
+                <a:satMod val="150000"/>
+                <a:shade val="98000"/>
+                <a:lumMod val="102000"/>
+              </a:schemeClr>
+            </a:gs>
+            <a:gs pos="50000">
+              <a:schemeClr val="phClr">
+                <a:tint val="98000"/>
+                <a:satMod val="130000"/>
+                <a:shade val="90000"/>
+                <a:lumMod val="103000"/>
+              </a:schemeClr>
+            </a:gs>
+            <a:gs pos="100000">
+              <a:schemeClr val="phClr">
+                <a:shade val="63000"/>
+                <a:satMod val="120000"/>
+              </a:schemeClr>
+            </a:gs>
+          </a:gsLst>
+          <a:lin ang="5400000" scaled="0"/>
+        </a:gradFill>
+      </a:bgFillStyleLst>
+    </a:fmtScheme>
+  </a:themeElements>
+  <a:objectDefaults/>
+  <a:extraClrSchemeLst/>
+  <a:extLst>
+    <a:ext uri="{05A4C25C-085E-4340-85A3-A5531E510DB2}">
+      <thm15:themeFamily xmlns:thm15="http://schemas.microsoft.com/office/thememl/2012/main" name="Office Theme" id="{62F939B6-93AF-4DB8-9C6B-D6C7DFDC589F}" vid="{4A3C46E8-61CC-4603-A589-7422A47A8E4A}"/>
+    </a:ext>
+  </a:extLst>
+</a:theme>
 </file>
--- a/Presentation Project1 - Los Angeles Crime Statistics.pptx
+++ b/Presentation Project1 - Los Angeles Crime Statistics.pptx
@@ -5,7 +5,7 @@
     <p:sldMasterId id="2147483648" r:id="rId1"/>
   </p:sldMasterIdLst>
   <p:notesMasterIdLst>
-    <p:notesMasterId r:id="rId11"/>
+    <p:notesMasterId r:id="rId14"/>
   </p:notesMasterIdLst>
   <p:sldIdLst>
     <p:sldId id="256" r:id="rId2"/>
@@ -15,8 +15,11 @@
     <p:sldId id="259" r:id="rId6"/>
     <p:sldId id="260" r:id="rId7"/>
     <p:sldId id="262" r:id="rId8"/>
-    <p:sldId id="263" r:id="rId9"/>
-    <p:sldId id="264" r:id="rId10"/>
+    <p:sldId id="265" r:id="rId9"/>
+    <p:sldId id="267" r:id="rId10"/>
+    <p:sldId id="266" r:id="rId11"/>
+    <p:sldId id="263" r:id="rId12"/>
+    <p:sldId id="264" r:id="rId13"/>
   </p:sldIdLst>
   <p:sldSz cx="12192000" cy="6858000"/>
   <p:notesSz cx="6858000" cy="9144000"/>
@@ -269,38 +272,37 @@
           <a:p>
             <a:pPr lvl="0"/>
             <a:r>
-              <a:rPr lang="en-US" smtClean="0"/>
+              <a:rPr lang="en-US"/>
               <a:t>Edit Master text styles</a:t>
             </a:r>
           </a:p>
           <a:p>
             <a:pPr lvl="1"/>
             <a:r>
-              <a:rPr lang="en-US" smtClean="0"/>
+              <a:rPr lang="en-US"/>
               <a:t>Second level</a:t>
             </a:r>
           </a:p>
           <a:p>
             <a:pPr lvl="2"/>
             <a:r>
-              <a:rPr lang="en-US" smtClean="0"/>
+              <a:rPr lang="en-US"/>
               <a:t>Third level</a:t>
             </a:r>
           </a:p>
           <a:p>
             <a:pPr lvl="3"/>
             <a:r>
-              <a:rPr lang="en-US" smtClean="0"/>
+              <a:rPr lang="en-US"/>
               <a:t>Fourth level</a:t>
             </a:r>
           </a:p>
           <a:p>
             <a:pPr lvl="4"/>
             <a:r>
-              <a:rPr lang="en-US" smtClean="0"/>
+              <a:rPr lang="en-US"/>
               <a:t>Fifth level</a:t>
             </a:r>
-            <a:endParaRPr lang="en-US"/>
           </a:p>
         </p:txBody>
       </p:sp>
@@ -518,86 +520,86 @@
           <a:lstStyle/>
           <a:p>
             <a:r>
-              <a:rPr lang="en-US" b="1" dirty="0" smtClean="0"/>
+              <a:rPr lang="en-US" b="1" dirty="0"/>
               <a:t>No fixed definition </a:t>
             </a:r>
             <a:r>
-              <a:rPr lang="en-US" dirty="0" smtClean="0"/>
+              <a:rPr lang="en-US" dirty="0"/>
               <a:t>of what constitutes violent crime</a:t>
             </a:r>
           </a:p>
           <a:p>
             <a:pPr lvl="1"/>
             <a:r>
-              <a:rPr lang="en-US" dirty="0" smtClean="0"/>
+              <a:rPr lang="en-US" dirty="0"/>
               <a:t>The LA Times article describes violent crime as 'violent crime — which includes homicide, rape, robbery and aggravated assault‘</a:t>
             </a:r>
           </a:p>
           <a:p>
             <a:pPr lvl="1"/>
             <a:r>
-              <a:rPr lang="en-US" dirty="0" smtClean="0"/>
+              <a:rPr lang="en-US" dirty="0"/>
               <a:t>Efforts on going to classify crime (</a:t>
             </a:r>
             <a:r>
-              <a:rPr lang="en-US" dirty="0" smtClean="0">
+              <a:rPr lang="en-US" dirty="0">
                 <a:hlinkClick r:id="rId3"/>
               </a:rPr>
               <a:t>https://www.nap.edu/read/23492/chapter/7#121</a:t>
             </a:r>
             <a:r>
-              <a:rPr lang="en-US" dirty="0" smtClean="0"/>
+              <a:rPr lang="en-US" dirty="0"/>
               <a:t>)</a:t>
             </a:r>
           </a:p>
           <a:p>
             <a:r>
-              <a:rPr lang="en-US" dirty="0" smtClean="0"/>
+              <a:rPr lang="en-US" dirty="0"/>
               <a:t>The </a:t>
             </a:r>
             <a:r>
-              <a:rPr lang="en-US" b="1" dirty="0" smtClean="0"/>
+              <a:rPr lang="en-US" b="1" dirty="0"/>
               <a:t>data analysis</a:t>
             </a:r>
             <a:r>
-              <a:rPr lang="en-US" dirty="0" smtClean="0"/>
+              <a:rPr lang="en-US" dirty="0"/>
               <a:t> can </a:t>
             </a:r>
             <a:r>
-              <a:rPr lang="en-US" b="1" dirty="0" smtClean="0"/>
+              <a:rPr lang="en-US" b="1" dirty="0"/>
               <a:t>only be as good as the underlying data</a:t>
             </a:r>
           </a:p>
           <a:p>
             <a:pPr lvl="1"/>
             <a:r>
-              <a:rPr lang="en-US" dirty="0" smtClean="0"/>
+              <a:rPr lang="en-US" dirty="0"/>
               <a:t>The LA Times article states that more then 25,000 serious crimes were classified as minor</a:t>
             </a:r>
           </a:p>
           <a:p>
             <a:pPr lvl="1"/>
             <a:r>
-              <a:rPr lang="en-US" dirty="0" smtClean="0">
+              <a:rPr lang="en-US" dirty="0">
                 <a:hlinkClick r:id="rId4"/>
               </a:rPr>
               <a:t>https://www.latimes.com/local/crime/la-me-lapd-audit-20151206-story.html</a:t>
             </a:r>
-            <a:endParaRPr lang="en-US" dirty="0" smtClean="0"/>
-          </a:p>
-          <a:p>
-            <a:r>
-              <a:rPr lang="en-US" dirty="0" smtClean="0"/>
+            <a:endParaRPr lang="en-US" dirty="0"/>
+          </a:p>
+          <a:p>
+            <a:r>
+              <a:rPr lang="en-US" dirty="0"/>
               <a:t>Overall conclusion violent crime decrease sounds good, but </a:t>
             </a:r>
             <a:r>
-              <a:rPr lang="en-US" b="1" dirty="0" smtClean="0"/>
+              <a:rPr lang="en-US" b="1" dirty="0"/>
               <a:t>local stark differences</a:t>
             </a:r>
           </a:p>
           <a:p>
             <a:r>
-              <a:rPr lang="en-US" dirty="0" smtClean="0"/>
+              <a:rPr lang="en-US" dirty="0"/>
               <a:t>How to account for changing perception of what constitutes a crime and/or what people consider ‘normal/acceptable’ behavior over time</a:t>
             </a:r>
           </a:p>
@@ -3688,6 +3690,330 @@
 </p:sld>
 </file>
 
+<file path=ppt/slides/slide10.xml><?xml version="1.0" encoding="utf-8"?>
+<p:sld xmlns:a="http://schemas.openxmlformats.org/drawingml/2006/main" xmlns:r="http://schemas.openxmlformats.org/officeDocument/2006/relationships" xmlns:p="http://schemas.openxmlformats.org/presentationml/2006/main">
+  <p:cSld>
+    <p:spTree>
+      <p:nvGrpSpPr>
+        <p:cNvPr id="1" name=""/>
+        <p:cNvGrpSpPr/>
+        <p:nvPr/>
+      </p:nvGrpSpPr>
+      <p:grpSpPr>
+        <a:xfrm>
+          <a:off x="0" y="0"/>
+          <a:ext cx="0" cy="0"/>
+          <a:chOff x="0" y="0"/>
+          <a:chExt cx="0" cy="0"/>
+        </a:xfrm>
+      </p:grpSpPr>
+      <p:sp>
+        <p:nvSpPr>
+          <p:cNvPr id="2" name="Title 1">
+            <a:extLst>
+              <a:ext uri="{FF2B5EF4-FFF2-40B4-BE49-F238E27FC236}">
+                <a16:creationId xmlns:a16="http://schemas.microsoft.com/office/drawing/2014/main" id="{BAA325E2-FC80-4776-AC50-39BD6322C1F8}"/>
+              </a:ext>
+            </a:extLst>
+          </p:cNvPr>
+          <p:cNvSpPr>
+            <a:spLocks noGrp="1"/>
+          </p:cNvSpPr>
+          <p:nvPr>
+            <p:ph type="title"/>
+          </p:nvPr>
+        </p:nvSpPr>
+        <p:spPr/>
+        <p:txBody>
+          <a:bodyPr>
+            <a:normAutofit/>
+          </a:bodyPr>
+          <a:lstStyle/>
+          <a:p>
+            <a:r>
+              <a:rPr lang="en-US" dirty="0"/>
+              <a:t>Is it safe to live in Los Angeles?</a:t>
+            </a:r>
+          </a:p>
+        </p:txBody>
+      </p:sp>
+      <p:pic>
+        <p:nvPicPr>
+          <p:cNvPr id="5" name="Content Placeholder 4">
+            <a:extLst>
+              <a:ext uri="{FF2B5EF4-FFF2-40B4-BE49-F238E27FC236}">
+                <a16:creationId xmlns:a16="http://schemas.microsoft.com/office/drawing/2014/main" id="{C8C97DEA-C391-4A93-B772-6F5CA118245F}"/>
+              </a:ext>
+            </a:extLst>
+          </p:cNvPr>
+          <p:cNvPicPr>
+            <a:picLocks noGrp="1" noChangeAspect="1"/>
+          </p:cNvPicPr>
+          <p:nvPr>
+            <p:ph idx="1"/>
+          </p:nvPr>
+        </p:nvPicPr>
+        <p:blipFill>
+          <a:blip r:embed="rId2">
+            <a:extLst>
+              <a:ext uri="{28A0092B-C50C-407E-A947-70E740481C1C}">
+                <a14:useLocalDpi xmlns:a14="http://schemas.microsoft.com/office/drawing/2010/main" val="0"/>
+              </a:ext>
+            </a:extLst>
+          </a:blip>
+          <a:stretch>
+            <a:fillRect/>
+          </a:stretch>
+        </p:blipFill>
+        <p:spPr>
+          <a:xfrm>
+            <a:off x="1447800" y="2964143"/>
+            <a:ext cx="9296400" cy="3667125"/>
+          </a:xfrm>
+        </p:spPr>
+      </p:pic>
+    </p:spTree>
+    <p:extLst>
+      <p:ext uri="{BB962C8B-B14F-4D97-AF65-F5344CB8AC3E}">
+        <p14:creationId xmlns:p14="http://schemas.microsoft.com/office/powerpoint/2010/main" val="3418396921"/>
+      </p:ext>
+    </p:extLst>
+  </p:cSld>
+  <p:clrMapOvr>
+    <a:masterClrMapping/>
+  </p:clrMapOvr>
+</p:sld>
+</file>
+
+<file path=ppt/slides/slide11.xml><?xml version="1.0" encoding="utf-8"?>
+<p:sld xmlns:a="http://schemas.openxmlformats.org/drawingml/2006/main" xmlns:r="http://schemas.openxmlformats.org/officeDocument/2006/relationships" xmlns:p="http://schemas.openxmlformats.org/presentationml/2006/main">
+  <p:cSld>
+    <p:spTree>
+      <p:nvGrpSpPr>
+        <p:cNvPr id="1" name=""/>
+        <p:cNvGrpSpPr/>
+        <p:nvPr/>
+      </p:nvGrpSpPr>
+      <p:grpSpPr>
+        <a:xfrm>
+          <a:off x="0" y="0"/>
+          <a:ext cx="0" cy="0"/>
+          <a:chOff x="0" y="0"/>
+          <a:chExt cx="0" cy="0"/>
+        </a:xfrm>
+      </p:grpSpPr>
+      <p:sp>
+        <p:nvSpPr>
+          <p:cNvPr id="2" name="Title 1">
+            <a:extLst>
+              <a:ext uri="{FF2B5EF4-FFF2-40B4-BE49-F238E27FC236}">
+                <a16:creationId xmlns:a16="http://schemas.microsoft.com/office/drawing/2014/main" id="{E390AA14-0418-497B-963B-7619A4ADA13C}"/>
+              </a:ext>
+            </a:extLst>
+          </p:cNvPr>
+          <p:cNvSpPr>
+            <a:spLocks noGrp="1"/>
+          </p:cNvSpPr>
+          <p:nvPr>
+            <p:ph type="title"/>
+          </p:nvPr>
+        </p:nvSpPr>
+        <p:spPr/>
+        <p:txBody>
+          <a:bodyPr/>
+          <a:lstStyle/>
+          <a:p>
+            <a:r>
+              <a:rPr lang="en-US" dirty="0"/>
+              <a:t>Effects of Property Values on Crime Rates</a:t>
+            </a:r>
+          </a:p>
+        </p:txBody>
+      </p:sp>
+      <p:pic>
+        <p:nvPicPr>
+          <p:cNvPr id="5" name="Content Placeholder 4">
+            <a:extLst>
+              <a:ext uri="{FF2B5EF4-FFF2-40B4-BE49-F238E27FC236}">
+                <a16:creationId xmlns:a16="http://schemas.microsoft.com/office/drawing/2014/main" id="{1A905802-84B2-4656-A99A-799BA3F39449}"/>
+              </a:ext>
+            </a:extLst>
+          </p:cNvPr>
+          <p:cNvPicPr>
+            <a:picLocks noGrp="1" noChangeAspect="1"/>
+          </p:cNvPicPr>
+          <p:nvPr>
+            <p:ph idx="1"/>
+          </p:nvPr>
+        </p:nvPicPr>
+        <p:blipFill>
+          <a:blip r:embed="rId2">
+            <a:extLst>
+              <a:ext uri="{28A0092B-C50C-407E-A947-70E740481C1C}">
+                <a14:useLocalDpi xmlns:a14="http://schemas.microsoft.com/office/drawing/2010/main" val="0"/>
+              </a:ext>
+            </a:extLst>
+          </a:blip>
+          <a:stretch>
+            <a:fillRect/>
+          </a:stretch>
+        </p:blipFill>
+        <p:spPr>
+          <a:xfrm>
+            <a:off x="1748902" y="1627008"/>
+            <a:ext cx="7778984" cy="4865867"/>
+          </a:xfrm>
+        </p:spPr>
+      </p:pic>
+    </p:spTree>
+    <p:extLst>
+      <p:ext uri="{BB962C8B-B14F-4D97-AF65-F5344CB8AC3E}">
+        <p14:creationId xmlns:p14="http://schemas.microsoft.com/office/powerpoint/2010/main" val="3806262976"/>
+      </p:ext>
+    </p:extLst>
+  </p:cSld>
+  <p:clrMapOvr>
+    <a:masterClrMapping/>
+  </p:clrMapOvr>
+</p:sld>
+</file>
+
+<file path=ppt/slides/slide12.xml><?xml version="1.0" encoding="utf-8"?>
+<p:sld xmlns:a="http://schemas.openxmlformats.org/drawingml/2006/main" xmlns:r="http://schemas.openxmlformats.org/officeDocument/2006/relationships" xmlns:p="http://schemas.openxmlformats.org/presentationml/2006/main">
+  <p:cSld>
+    <p:spTree>
+      <p:nvGrpSpPr>
+        <p:cNvPr id="1" name=""/>
+        <p:cNvGrpSpPr/>
+        <p:nvPr/>
+      </p:nvGrpSpPr>
+      <p:grpSpPr>
+        <a:xfrm>
+          <a:off x="0" y="0"/>
+          <a:ext cx="0" cy="0"/>
+          <a:chOff x="0" y="0"/>
+          <a:chExt cx="0" cy="0"/>
+        </a:xfrm>
+      </p:grpSpPr>
+      <p:sp>
+        <p:nvSpPr>
+          <p:cNvPr id="2" name="Title 1">
+            <a:extLst>
+              <a:ext uri="{FF2B5EF4-FFF2-40B4-BE49-F238E27FC236}">
+                <a16:creationId xmlns:a16="http://schemas.microsoft.com/office/drawing/2014/main" id="{2BD75507-4969-4CC9-A690-0FBD4304FFDC}"/>
+              </a:ext>
+            </a:extLst>
+          </p:cNvPr>
+          <p:cNvSpPr>
+            <a:spLocks noGrp="1"/>
+          </p:cNvSpPr>
+          <p:nvPr>
+            <p:ph type="title"/>
+          </p:nvPr>
+        </p:nvSpPr>
+        <p:spPr/>
+        <p:txBody>
+          <a:bodyPr/>
+          <a:lstStyle/>
+          <a:p>
+            <a:r>
+              <a:rPr lang="en-US" dirty="0"/>
+              <a:t>Effects of Property Values on Crime Rates:</a:t>
+            </a:r>
+            <a:br>
+              <a:rPr lang="en-US" dirty="0"/>
+            </a:br>
+            <a:r>
+              <a:rPr lang="en-US" dirty="0"/>
+              <a:t>Other views</a:t>
+            </a:r>
+          </a:p>
+        </p:txBody>
+      </p:sp>
+      <p:pic>
+        <p:nvPicPr>
+          <p:cNvPr id="11" name="Content Placeholder 10">
+            <a:extLst>
+              <a:ext uri="{FF2B5EF4-FFF2-40B4-BE49-F238E27FC236}">
+                <a16:creationId xmlns:a16="http://schemas.microsoft.com/office/drawing/2014/main" id="{7FC71050-A42C-4403-9EA3-3162C3D0034E}"/>
+              </a:ext>
+            </a:extLst>
+          </p:cNvPr>
+          <p:cNvPicPr>
+            <a:picLocks noGrp="1" noChangeAspect="1"/>
+          </p:cNvPicPr>
+          <p:nvPr>
+            <p:ph idx="1"/>
+          </p:nvPr>
+        </p:nvPicPr>
+        <p:blipFill>
+          <a:blip r:embed="rId2">
+            <a:extLst>
+              <a:ext uri="{28A0092B-C50C-407E-A947-70E740481C1C}">
+                <a14:useLocalDpi xmlns:a14="http://schemas.microsoft.com/office/drawing/2010/main" val="0"/>
+              </a:ext>
+            </a:extLst>
+          </a:blip>
+          <a:stretch>
+            <a:fillRect/>
+          </a:stretch>
+        </p:blipFill>
+        <p:spPr>
+          <a:xfrm>
+            <a:off x="935632" y="1965422"/>
+            <a:ext cx="4900476" cy="3245770"/>
+          </a:xfrm>
+        </p:spPr>
+      </p:pic>
+      <p:pic>
+        <p:nvPicPr>
+          <p:cNvPr id="13" name="Picture 12">
+            <a:extLst>
+              <a:ext uri="{FF2B5EF4-FFF2-40B4-BE49-F238E27FC236}">
+                <a16:creationId xmlns:a16="http://schemas.microsoft.com/office/drawing/2014/main" id="{980DADD5-6BD3-43D2-9DEE-BF8E4ECB3B0E}"/>
+              </a:ext>
+            </a:extLst>
+          </p:cNvPr>
+          <p:cNvPicPr>
+            <a:picLocks noChangeAspect="1"/>
+          </p:cNvPicPr>
+          <p:nvPr/>
+        </p:nvPicPr>
+        <p:blipFill>
+          <a:blip r:embed="rId3">
+            <a:extLst>
+              <a:ext uri="{28A0092B-C50C-407E-A947-70E740481C1C}">
+                <a14:useLocalDpi xmlns:a14="http://schemas.microsoft.com/office/drawing/2010/main" val="0"/>
+              </a:ext>
+            </a:extLst>
+          </a:blip>
+          <a:stretch>
+            <a:fillRect/>
+          </a:stretch>
+        </p:blipFill>
+        <p:spPr>
+          <a:xfrm>
+            <a:off x="6355894" y="1965422"/>
+            <a:ext cx="4797206" cy="3245769"/>
+          </a:xfrm>
+          <a:prstGeom prst="rect">
+            <a:avLst/>
+          </a:prstGeom>
+        </p:spPr>
+      </p:pic>
+    </p:spTree>
+    <p:extLst>
+      <p:ext uri="{BB962C8B-B14F-4D97-AF65-F5344CB8AC3E}">
+        <p14:creationId xmlns:p14="http://schemas.microsoft.com/office/powerpoint/2010/main" val="3014659041"/>
+      </p:ext>
+    </p:extLst>
+  </p:cSld>
+  <p:clrMapOvr>
+    <a:masterClrMapping/>
+  </p:clrMapOvr>
+</p:sld>
+</file>
+
 <file path=ppt/slides/slide2.xml><?xml version="1.0" encoding="utf-8"?>
 <p:sld xmlns:a="http://schemas.openxmlformats.org/drawingml/2006/main" xmlns:r="http://schemas.openxmlformats.org/officeDocument/2006/relationships" xmlns:p="http://schemas.openxmlformats.org/presentationml/2006/main">
   <p:cSld>
@@ -3721,12 +4047,8 @@
           <a:lstStyle/>
           <a:p>
             <a:r>
-              <a:rPr lang="en-US" dirty="0" smtClean="0"/>
-              <a:t>Top Violent Crimes Disparity </a:t>
-            </a:r>
-            <a:r>
               <a:rPr lang="en-US" dirty="0"/>
-              <a:t>by Zip Code</a:t>
+              <a:t>Top Violent Crimes Disparity by Zip Code</a:t>
             </a:r>
           </a:p>
         </p:txBody>
@@ -3747,63 +4069,31 @@
           <a:lstStyle/>
           <a:p>
             <a:r>
-              <a:rPr lang="en-US" sz="3600" b="1" dirty="0" smtClean="0"/>
-              <a:t>Top 10</a:t>
-            </a:r>
-            <a:r>
               <a:rPr lang="en-US" sz="3600" b="1" dirty="0"/>
-              <a:t>%</a:t>
+              <a:t>Top 10%</a:t>
             </a:r>
             <a:r>
               <a:rPr lang="en-US" dirty="0"/>
-              <a:t> </a:t>
-            </a:r>
-            <a:r>
-              <a:rPr lang="en-US" dirty="0" smtClean="0"/>
-              <a:t>account </a:t>
+              <a:t> account for </a:t>
+            </a:r>
+            <a:r>
+              <a:rPr lang="en-US" sz="3600" b="1" dirty="0"/>
+              <a:t>43.66 %</a:t>
+            </a:r>
+            <a:endParaRPr lang="en-US" dirty="0"/>
+          </a:p>
+          <a:p>
+            <a:r>
+              <a:rPr lang="en-US" sz="3600" b="1" dirty="0"/>
+              <a:t>Top 20 %</a:t>
             </a:r>
             <a:r>
               <a:rPr lang="en-US" dirty="0"/>
-              <a:t>for </a:t>
+              <a:t> account for </a:t>
             </a:r>
             <a:r>
               <a:rPr lang="en-US" sz="3600" b="1" dirty="0"/>
-              <a:t>43.66 </a:t>
-            </a:r>
-            <a:r>
-              <a:rPr lang="en-US" sz="3600" b="1" dirty="0" smtClean="0"/>
-              <a:t>%</a:t>
-            </a:r>
-            <a:endParaRPr lang="en-US" dirty="0"/>
-          </a:p>
-          <a:p>
-            <a:r>
-              <a:rPr lang="en-US" sz="3600" b="1" dirty="0" smtClean="0"/>
-              <a:t>Top 20 </a:t>
-            </a:r>
-            <a:r>
-              <a:rPr lang="en-US" sz="3600" b="1" dirty="0"/>
-              <a:t>%</a:t>
-            </a:r>
-            <a:r>
-              <a:rPr lang="en-US" dirty="0"/>
-              <a:t> </a:t>
-            </a:r>
-            <a:r>
-              <a:rPr lang="en-US" dirty="0" smtClean="0"/>
-              <a:t>account </a:t>
-            </a:r>
-            <a:r>
-              <a:rPr lang="en-US" dirty="0"/>
-              <a:t>for </a:t>
-            </a:r>
-            <a:r>
-              <a:rPr lang="en-US" sz="3600" b="1" dirty="0"/>
-              <a:t>65.19 </a:t>
-            </a:r>
-            <a:r>
-              <a:rPr lang="en-US" sz="3600" b="1" dirty="0" smtClean="0"/>
-              <a:t>%</a:t>
+              <a:t>65.19 %</a:t>
             </a:r>
             <a:endParaRPr lang="en-US" dirty="0"/>
           </a:p>
@@ -3865,36 +4155,20 @@
               </a:rPr>
               <a:t>Expectation versus Data: </a:t>
             </a:r>
-            <a:r>
-              <a:rPr lang="en-US" dirty="0" smtClean="0">
-                <a:solidFill>
-                  <a:srgbClr val="00CC99"/>
-                </a:solidFill>
-              </a:rPr>
-              <a:t/>
-            </a:r>
             <a:br>
-              <a:rPr lang="en-US" dirty="0" smtClean="0">
+              <a:rPr lang="en-US" dirty="0">
                 <a:solidFill>
                   <a:srgbClr val="00CC99"/>
                 </a:solidFill>
               </a:rPr>
             </a:br>
             <a:r>
-              <a:rPr lang="en-US" dirty="0" smtClean="0">
-                <a:solidFill>
-                  <a:srgbClr val="00CC99"/>
-                </a:solidFill>
-              </a:rPr>
-              <a:t>Violent Crime Victim </a:t>
-            </a:r>
-            <a:r>
               <a:rPr lang="en-US" dirty="0">
                 <a:solidFill>
                   <a:srgbClr val="00CC99"/>
                 </a:solidFill>
               </a:rPr>
-              <a:t>Descent</a:t>
+              <a:t>Violent Crime Victim Descent</a:t>
             </a:r>
           </a:p>
         </p:txBody>
@@ -3920,31 +4194,18 @@
               <a:rPr lang="en-US" dirty="0"/>
               <a:t>Expectation: </a:t>
             </a:r>
-            <a:endParaRPr lang="en-US" dirty="0" smtClean="0"/>
           </a:p>
           <a:p>
             <a:pPr lvl="1"/>
             <a:r>
-              <a:rPr lang="en-US" sz="3200" b="1" dirty="0" smtClean="0"/>
-              <a:t>Close % </a:t>
-            </a:r>
-            <a:r>
               <a:rPr lang="en-US" sz="3200" b="1" dirty="0"/>
-              <a:t>of Hispanic / Black </a:t>
-            </a:r>
-            <a:r>
-              <a:rPr lang="en-US" sz="3200" b="1" dirty="0" smtClean="0"/>
-              <a:t>victims</a:t>
-            </a:r>
-          </a:p>
-          <a:p>
-            <a:r>
-              <a:rPr lang="en-US" dirty="0" smtClean="0"/>
-              <a:t>Data</a:t>
-            </a:r>
+              <a:t>Close % of Hispanic / Black victims</a:t>
+            </a:r>
+          </a:p>
+          <a:p>
             <a:r>
               <a:rPr lang="en-US" dirty="0"/>
-              <a:t>: </a:t>
+              <a:t>Data: </a:t>
             </a:r>
           </a:p>
           <a:p>
@@ -3958,16 +4219,12 @@
               <a:t> of </a:t>
             </a:r>
             <a:r>
-              <a:rPr lang="en-US" sz="3600" b="1" dirty="0" smtClean="0"/>
+              <a:rPr lang="en-US" sz="3600" b="1" dirty="0"/>
               <a:t>Hispanic</a:t>
             </a:r>
             <a:r>
-              <a:rPr lang="en-US" sz="2800" dirty="0" smtClean="0"/>
-              <a:t> </a:t>
-            </a:r>
-            <a:r>
               <a:rPr lang="en-US" sz="2800" dirty="0"/>
-              <a:t>descent</a:t>
+              <a:t> descent</a:t>
             </a:r>
           </a:p>
           <a:p>
@@ -3981,12 +4238,8 @@
               <a:t>crime </a:t>
             </a:r>
             <a:r>
-              <a:rPr lang="en-US" sz="2800" b="1" dirty="0" smtClean="0"/>
-              <a:t>not dramatically </a:t>
-            </a:r>
-            <a:r>
               <a:rPr lang="en-US" sz="2800" b="1" dirty="0"/>
-              <a:t>different</a:t>
+              <a:t>not dramatically different</a:t>
             </a:r>
           </a:p>
         </p:txBody>
@@ -4325,24 +4578,12 @@
               <a:rPr lang="en-US" dirty="0"/>
               <a:t>Expectation versus Data: </a:t>
             </a:r>
-            <a:r>
-              <a:rPr lang="en-US" dirty="0" smtClean="0"/>
-              <a:t/>
-            </a:r>
             <a:br>
-              <a:rPr lang="en-US" dirty="0" smtClean="0"/>
+              <a:rPr lang="en-US" dirty="0"/>
             </a:br>
             <a:r>
-              <a:rPr lang="en-US" dirty="0" smtClean="0"/>
-              <a:t>Violent Crime </a:t>
-            </a:r>
-            <a:r>
-              <a:rPr lang="en-US" dirty="0" smtClean="0"/>
-              <a:t>Victim </a:t>
-            </a:r>
-            <a:r>
               <a:rPr lang="en-US" dirty="0"/>
-              <a:t>Gender</a:t>
+              <a:t>Violent Crime Victim Gender</a:t>
             </a:r>
           </a:p>
         </p:txBody>
@@ -4368,48 +4609,29 @@
               <a:rPr lang="en-US" dirty="0"/>
               <a:t>Expectation: </a:t>
             </a:r>
-            <a:endParaRPr lang="en-US" dirty="0" smtClean="0"/>
           </a:p>
           <a:p>
             <a:pPr lvl="1"/>
             <a:r>
-              <a:rPr lang="en-US" sz="3200" b="1" dirty="0" smtClean="0"/>
-              <a:t>Higher </a:t>
-            </a:r>
-            <a:r>
               <a:rPr lang="en-US" sz="3200" b="1" dirty="0"/>
-              <a:t>% of female </a:t>
-            </a:r>
-            <a:r>
-              <a:rPr lang="en-US" sz="3200" b="1" dirty="0" smtClean="0"/>
-              <a:t>victim</a:t>
-            </a:r>
-            <a:endParaRPr lang="en-US" sz="3200" b="1" dirty="0"/>
+              <a:t>Higher % of female victim</a:t>
+            </a:r>
           </a:p>
           <a:p>
             <a:r>
               <a:rPr lang="en-US" dirty="0"/>
               <a:t>Data: </a:t>
             </a:r>
-            <a:endParaRPr lang="en-US" dirty="0" smtClean="0"/>
           </a:p>
           <a:p>
             <a:pPr lvl="1"/>
             <a:r>
-              <a:rPr lang="en-US" sz="3600" b="1" dirty="0" smtClean="0"/>
-              <a:t>60.15</a:t>
-            </a:r>
-            <a:r>
               <a:rPr lang="en-US" sz="3600" b="1" dirty="0"/>
-              <a:t>%</a:t>
+              <a:t>60.15%</a:t>
             </a:r>
             <a:r>
               <a:rPr lang="en-US" dirty="0"/>
-              <a:t> </a:t>
-            </a:r>
-            <a:r>
-              <a:rPr lang="en-US" dirty="0" smtClean="0"/>
-              <a:t>are </a:t>
+              <a:t> are </a:t>
             </a:r>
             <a:r>
               <a:rPr lang="en-US" sz="3600" b="1" dirty="0"/>
@@ -4495,28 +4717,15 @@
           <a:p>
             <a:r>
               <a:rPr lang="en-US" dirty="0"/>
-              <a:t>News </a:t>
-            </a:r>
-            <a:r>
-              <a:rPr lang="en-US" dirty="0" smtClean="0"/>
-              <a:t>Validation</a:t>
-            </a:r>
-            <a:r>
+              <a:t>News Validation: 2018 versus 2017 : </a:t>
+            </a:r>
+            <a:br>
               <a:rPr lang="en-US" dirty="0"/>
-              <a:t>: 2018 versus 2017 </a:t>
-            </a:r>
-            <a:r>
-              <a:rPr lang="en-US" dirty="0" smtClean="0"/>
-              <a:t>: </a:t>
-            </a:r>
-            <a:br>
-              <a:rPr lang="en-US" dirty="0" smtClean="0"/>
             </a:br>
             <a:r>
-              <a:rPr lang="en-US" dirty="0" smtClean="0"/>
+              <a:rPr lang="en-US" dirty="0"/>
               <a:t>Overall Violent Crime</a:t>
             </a:r>
-            <a:endParaRPr lang="en-US" dirty="0"/>
           </a:p>
         </p:txBody>
       </p:sp>
@@ -4538,23 +4747,18 @@
           <a:lstStyle/>
           <a:p>
             <a:r>
-              <a:rPr lang="en-US" dirty="0" smtClean="0"/>
-              <a:t>News article</a:t>
-            </a:r>
-            <a:r>
               <a:rPr lang="en-US" dirty="0"/>
-              <a:t>: </a:t>
-            </a:r>
-            <a:endParaRPr lang="en-US" dirty="0" smtClean="0"/>
+              <a:t>News article: </a:t>
+            </a:r>
           </a:p>
           <a:p>
             <a:pPr lvl="1"/>
             <a:r>
-              <a:rPr lang="en-US" dirty="0" smtClean="0"/>
+              <a:rPr lang="en-US" dirty="0"/>
               <a:t>Violent crime: 2018: </a:t>
             </a:r>
             <a:r>
-              <a:rPr lang="en-US" sz="3200" b="1" dirty="0" smtClean="0"/>
+              <a:rPr lang="en-US" sz="3200" b="1" dirty="0"/>
               <a:t>27,246</a:t>
             </a:r>
           </a:p>
@@ -4562,15 +4766,7 @@
             <a:pPr lvl="1"/>
             <a:r>
               <a:rPr lang="en-US" dirty="0"/>
-              <a:t>D</a:t>
-            </a:r>
-            <a:r>
-              <a:rPr lang="en-US" dirty="0" smtClean="0"/>
-              <a:t>ecrease </a:t>
-            </a:r>
-            <a:r>
-              <a:rPr lang="en-US" dirty="0"/>
-              <a:t>of near to </a:t>
+              <a:t>Decrease of near to </a:t>
             </a:r>
             <a:r>
               <a:rPr lang="en-US" sz="3200" b="1" dirty="0"/>
@@ -4582,17 +4778,11 @@
             <a:pPr marL="457200" lvl="1" indent="0">
               <a:buNone/>
             </a:pPr>
-            <a:r>
-              <a:rPr lang="en-US" sz="1400" dirty="0" smtClean="0">
-                <a:hlinkClick r:id="rId2"/>
-              </a:rPr>
-              <a:t>https</a:t>
-            </a:r>
             <a:r>
               <a:rPr lang="en-US" sz="1400" dirty="0">
                 <a:hlinkClick r:id="rId2"/>
               </a:rPr>
-              <a:t>://www.latimes.com/local/lanow/la-me-lapd-crime-stats-20181229-story.html</a:t>
+              <a:t>https://www.latimes.com/local/lanow/la-me-lapd-crime-stats-20181229-story.html</a:t>
             </a:r>
             <a:endParaRPr lang="en-US" sz="1400" dirty="0"/>
           </a:p>
@@ -4606,7 +4796,6 @@
               <a:rPr lang="en-US" dirty="0"/>
               <a:t>Analysis: </a:t>
             </a:r>
-            <a:endParaRPr lang="en-US" dirty="0" smtClean="0"/>
           </a:p>
           <a:p>
             <a:pPr lvl="1"/>
@@ -4620,30 +4809,18 @@
             </a:r>
             <a:r>
               <a:rPr lang="en-US" dirty="0"/>
-              <a:t> </a:t>
-            </a:r>
-            <a:r>
-              <a:rPr lang="en-US" dirty="0" smtClean="0"/>
-              <a:t>(from 2017: 29,045)</a:t>
+              <a:t> (from 2017: 29,045)</a:t>
             </a:r>
           </a:p>
           <a:p>
             <a:pPr lvl="1"/>
             <a:r>
-              <a:rPr lang="en-US" dirty="0" smtClean="0"/>
-              <a:t>Decrease </a:t>
-            </a:r>
-            <a:r>
               <a:rPr lang="en-US" dirty="0"/>
-              <a:t>of </a:t>
-            </a:r>
-            <a:r>
-              <a:rPr lang="en-US" sz="3200" b="1" dirty="0" smtClean="0"/>
-              <a:t>3.63 </a:t>
+              <a:t>Decrease of </a:t>
             </a:r>
             <a:r>
               <a:rPr lang="en-US" sz="3200" b="1" dirty="0"/>
-              <a:t>%</a:t>
+              <a:t>3.63 %</a:t>
             </a:r>
             <a:endParaRPr lang="en-US" b="1" dirty="0"/>
           </a:p>
@@ -4830,37 +5007,26 @@
           <a:p>
             <a:r>
               <a:rPr lang="en-US" sz="3600" dirty="0"/>
-              <a:t>No fixed definition of </a:t>
-            </a:r>
-            <a:r>
-              <a:rPr lang="en-US" sz="3600" dirty="0" smtClean="0"/>
-              <a:t>violent crime</a:t>
-            </a:r>
-          </a:p>
-          <a:p>
-            <a:r>
-              <a:rPr lang="en-US" sz="3600" dirty="0" smtClean="0"/>
+              <a:t>No fixed definition of violent crime</a:t>
+            </a:r>
+          </a:p>
+          <a:p>
+            <a:r>
+              <a:rPr lang="en-US" sz="3600" dirty="0"/>
               <a:t>Analysis only as good as underlying data</a:t>
             </a:r>
-            <a:endParaRPr lang="en-US" sz="3600" dirty="0"/>
-          </a:p>
-          <a:p>
-            <a:r>
-              <a:rPr lang="en-US" sz="3600" dirty="0" smtClean="0"/>
+          </a:p>
+          <a:p>
+            <a:r>
+              <a:rPr lang="en-US" sz="3600" dirty="0"/>
               <a:t>Stark local differences</a:t>
             </a:r>
-            <a:endParaRPr lang="en-US" sz="3600" dirty="0"/>
           </a:p>
           <a:p>
             <a:r>
               <a:rPr lang="en-US" sz="3600" dirty="0"/>
-              <a:t>C</a:t>
-            </a:r>
-            <a:r>
-              <a:rPr lang="en-US" sz="3600" dirty="0" smtClean="0"/>
-              <a:t>hanging perception</a:t>
-            </a:r>
-            <a:endParaRPr lang="en-US" sz="3600" dirty="0"/>
+              <a:t>Changing perception</a:t>
+            </a:r>
           </a:p>
         </p:txBody>
       </p:sp>
@@ -4910,88 +5076,12 @@
           <a:lstStyle/>
           <a:p>
             <a:r>
-              <a:rPr lang="en-US" dirty="0"/>
-              <a:t>Zip Codes</a:t>
-            </a:r>
-          </a:p>
-        </p:txBody>
-      </p:sp>
-      <p:sp>
-        <p:nvSpPr>
-          <p:cNvPr id="3" name="Content Placeholder 2"/>
-          <p:cNvSpPr>
-            <a:spLocks noGrp="1"/>
-          </p:cNvSpPr>
-          <p:nvPr>
-            <p:ph idx="1"/>
-          </p:nvPr>
-        </p:nvSpPr>
-        <p:spPr/>
-        <p:txBody>
-          <a:bodyPr/>
-          <a:lstStyle/>
-          <a:p>
-            <a:endParaRPr lang="en-US"/>
-          </a:p>
-        </p:txBody>
-      </p:sp>
-      <p:graphicFrame>
-        <p:nvGraphicFramePr>
-          <p:cNvPr id="4" name="Object 3"/>
-          <p:cNvGraphicFramePr>
-            <a:graphicFrameLocks noChangeAspect="1"/>
-          </p:cNvGraphicFramePr>
-          <p:nvPr>
-            <p:extLst>
-              <p:ext uri="{D42A27DB-BD31-4B8C-83A1-F6EECF244321}">
-                <p14:modId xmlns:p14="http://schemas.microsoft.com/office/powerpoint/2010/main" val="1013870627"/>
-              </p:ext>
-            </p:extLst>
-          </p:nvPr>
-        </p:nvGraphicFramePr>
-        <p:xfrm>
-          <a:off x="11260138" y="3714750"/>
-          <a:ext cx="669925" cy="376238"/>
-        </p:xfrm>
-        <a:graphic>
-          <a:graphicData uri="http://schemas.openxmlformats.org/presentationml/2006/ole">
-            <mc:AlternateContent xmlns:mc="http://schemas.openxmlformats.org/markup-compatibility/2006">
-              <mc:Choice xmlns:v="urn:schemas-microsoft-com:vml" Requires="v">
-                <p:oleObj spid="_x0000_s2055" name="Packager Shell Object" showAsIcon="1" r:id="rId3" imgW="669600" imgH="375840" progId="Package">
-                  <p:embed/>
-                </p:oleObj>
-              </mc:Choice>
-              <mc:Fallback>
-                <p:oleObj name="Packager Shell Object" showAsIcon="1" r:id="rId3" imgW="669600" imgH="375840" progId="Package">
-                  <p:embed/>
-                  <p:pic>
-                    <p:nvPicPr>
-                      <p:cNvPr id="0" name=""/>
-                      <p:cNvPicPr/>
-                      <p:nvPr/>
-                    </p:nvPicPr>
-                    <p:blipFill>
-                      <a:blip r:embed="rId4"/>
-                      <a:stretch>
-                        <a:fillRect/>
-                      </a:stretch>
-                    </p:blipFill>
-                    <p:spPr>
-                      <a:xfrm>
-                        <a:off x="11260138" y="3714750"/>
-                        <a:ext cx="669925" cy="376238"/>
-                      </a:xfrm>
-                      <a:prstGeom prst="rect">
-                        <a:avLst/>
-                      </a:prstGeom>
-                    </p:spPr>
-                  </p:pic>
-                </p:oleObj>
-              </mc:Fallback>
-            </mc:AlternateContent>
-          </a:graphicData>
-        </a:graphic>
-      </p:graphicFrame>
+              <a:rPr lang="en-US" sz="4000" dirty="0"/>
+              <a:t>Which zip codes not to live in LA?</a:t>
+            </a:r>
+          </a:p>
+        </p:txBody>
+      </p:sp>
       <p:pic>
         <p:nvPicPr>
           <p:cNvPr id="5" name="Picture 4"/>
@@ -5001,7 +5091,7 @@
           <p:nvPr/>
         </p:nvPicPr>
         <p:blipFill>
-          <a:blip r:embed="rId5"/>
+          <a:blip r:embed="rId2"/>
           <a:stretch>
             <a:fillRect/>
           </a:stretch>
@@ -5014,6 +5104,41 @@
           <a:prstGeom prst="rect">
             <a:avLst/>
           </a:prstGeom>
+        </p:spPr>
+      </p:pic>
+      <p:pic>
+        <p:nvPicPr>
+          <p:cNvPr id="11" name="Content Placeholder 10">
+            <a:extLst>
+              <a:ext uri="{FF2B5EF4-FFF2-40B4-BE49-F238E27FC236}">
+                <a16:creationId xmlns:a16="http://schemas.microsoft.com/office/drawing/2014/main" id="{D8F54930-2819-4243-8FBA-FFCE2887E12B}"/>
+              </a:ext>
+            </a:extLst>
+          </p:cNvPr>
+          <p:cNvPicPr>
+            <a:picLocks noGrp="1" noChangeAspect="1"/>
+          </p:cNvPicPr>
+          <p:nvPr>
+            <p:ph idx="1"/>
+          </p:nvPr>
+        </p:nvPicPr>
+        <p:blipFill>
+          <a:blip r:embed="rId3">
+            <a:extLst>
+              <a:ext uri="{28A0092B-C50C-407E-A947-70E740481C1C}">
+                <a14:useLocalDpi xmlns:a14="http://schemas.microsoft.com/office/drawing/2010/main" val="0"/>
+              </a:ext>
+            </a:extLst>
+          </a:blip>
+          <a:stretch>
+            <a:fillRect/>
+          </a:stretch>
+        </p:blipFill>
+        <p:spPr>
+          <a:xfrm>
+            <a:off x="383458" y="2167731"/>
+            <a:ext cx="7211961" cy="3667125"/>
+          </a:xfrm>
         </p:spPr>
       </p:pic>
     </p:spTree>
@@ -5051,7 +5176,7 @@
           <p:cNvPr id="2" name="Title 1">
             <a:extLst>
               <a:ext uri="{FF2B5EF4-FFF2-40B4-BE49-F238E27FC236}">
-                <a16:creationId xmlns:a16="http://schemas.microsoft.com/office/drawing/2014/main" id="{E390AA14-0418-497B-963B-7619A4ADA13C}"/>
+                <a16:creationId xmlns:a16="http://schemas.microsoft.com/office/drawing/2014/main" id="{853BD4B2-5EB5-49C7-B1A7-F248A64004D2}"/>
               </a:ext>
             </a:extLst>
           </p:cNvPr>
@@ -5069,26 +5194,24 @@
           <a:p>
             <a:r>
               <a:rPr lang="en-US" dirty="0"/>
-              <a:t>Effects of Property Values on Crime Rates</a:t>
+              <a:t>Are the top crime changing?</a:t>
             </a:r>
           </a:p>
         </p:txBody>
       </p:sp>
       <p:pic>
         <p:nvPicPr>
-          <p:cNvPr id="5" name="Content Placeholder 4">
+          <p:cNvPr id="7" name="Picture 6">
             <a:extLst>
               <a:ext uri="{FF2B5EF4-FFF2-40B4-BE49-F238E27FC236}">
-                <a16:creationId xmlns:a16="http://schemas.microsoft.com/office/drawing/2014/main" id="{1A905802-84B2-4656-A99A-799BA3F39449}"/>
+                <a16:creationId xmlns:a16="http://schemas.microsoft.com/office/drawing/2014/main" id="{4E44E2D2-3D56-4500-9A8D-7D369A086ECF}"/>
               </a:ext>
             </a:extLst>
           </p:cNvPr>
           <p:cNvPicPr>
-            <a:picLocks noGrp="1" noChangeAspect="1"/>
+            <a:picLocks noChangeAspect="1"/>
           </p:cNvPicPr>
-          <p:nvPr>
-            <p:ph idx="1"/>
-          </p:nvPr>
+          <p:nvPr/>
         </p:nvPicPr>
         <p:blipFill>
           <a:blip r:embed="rId2">
@@ -5104,15 +5227,270 @@
         </p:blipFill>
         <p:spPr>
           <a:xfrm>
-            <a:off x="1748902" y="1627008"/>
-            <a:ext cx="7778984" cy="4865867"/>
+            <a:off x="844579" y="1990899"/>
+            <a:ext cx="2271963" cy="1514642"/>
           </a:xfrm>
+          <a:prstGeom prst="rect">
+            <a:avLst/>
+          </a:prstGeom>
+        </p:spPr>
+      </p:pic>
+      <p:pic>
+        <p:nvPicPr>
+          <p:cNvPr id="9" name="Picture 8">
+            <a:extLst>
+              <a:ext uri="{FF2B5EF4-FFF2-40B4-BE49-F238E27FC236}">
+                <a16:creationId xmlns:a16="http://schemas.microsoft.com/office/drawing/2014/main" id="{0331DEA6-E138-487D-B9F8-CBB392F1C159}"/>
+              </a:ext>
+            </a:extLst>
+          </p:cNvPr>
+          <p:cNvPicPr>
+            <a:picLocks noChangeAspect="1"/>
+          </p:cNvPicPr>
+          <p:nvPr/>
+        </p:nvPicPr>
+        <p:blipFill>
+          <a:blip r:embed="rId3">
+            <a:extLst>
+              <a:ext uri="{28A0092B-C50C-407E-A947-70E740481C1C}">
+                <a14:useLocalDpi xmlns:a14="http://schemas.microsoft.com/office/drawing/2010/main" val="0"/>
+              </a:ext>
+            </a:extLst>
+          </a:blip>
+          <a:stretch>
+            <a:fillRect/>
+          </a:stretch>
+        </p:blipFill>
+        <p:spPr>
+          <a:xfrm>
+            <a:off x="3549758" y="1990899"/>
+            <a:ext cx="2271963" cy="1514642"/>
+          </a:xfrm>
+          <a:prstGeom prst="rect">
+            <a:avLst/>
+          </a:prstGeom>
+        </p:spPr>
+      </p:pic>
+      <p:pic>
+        <p:nvPicPr>
+          <p:cNvPr id="11" name="Picture 10">
+            <a:extLst>
+              <a:ext uri="{FF2B5EF4-FFF2-40B4-BE49-F238E27FC236}">
+                <a16:creationId xmlns:a16="http://schemas.microsoft.com/office/drawing/2014/main" id="{E2A89FEE-23AC-4A92-8F7C-24216FA4C6F5}"/>
+              </a:ext>
+            </a:extLst>
+          </p:cNvPr>
+          <p:cNvPicPr>
+            <a:picLocks noChangeAspect="1"/>
+          </p:cNvPicPr>
+          <p:nvPr/>
+        </p:nvPicPr>
+        <p:blipFill>
+          <a:blip r:embed="rId4">
+            <a:extLst>
+              <a:ext uri="{28A0092B-C50C-407E-A947-70E740481C1C}">
+                <a14:useLocalDpi xmlns:a14="http://schemas.microsoft.com/office/drawing/2010/main" val="0"/>
+              </a:ext>
+            </a:extLst>
+          </a:blip>
+          <a:stretch>
+            <a:fillRect/>
+          </a:stretch>
+        </p:blipFill>
+        <p:spPr>
+          <a:xfrm>
+            <a:off x="6222693" y="1990899"/>
+            <a:ext cx="2271963" cy="1514642"/>
+          </a:xfrm>
+          <a:prstGeom prst="rect">
+            <a:avLst/>
+          </a:prstGeom>
+        </p:spPr>
+      </p:pic>
+      <p:pic>
+        <p:nvPicPr>
+          <p:cNvPr id="13" name="Picture 12">
+            <a:extLst>
+              <a:ext uri="{FF2B5EF4-FFF2-40B4-BE49-F238E27FC236}">
+                <a16:creationId xmlns:a16="http://schemas.microsoft.com/office/drawing/2014/main" id="{61455ED7-4A4E-4BA8-ACD0-2ECF6D09B14F}"/>
+              </a:ext>
+            </a:extLst>
+          </p:cNvPr>
+          <p:cNvPicPr>
+            <a:picLocks noChangeAspect="1"/>
+          </p:cNvPicPr>
+          <p:nvPr/>
+        </p:nvPicPr>
+        <p:blipFill>
+          <a:blip r:embed="rId5">
+            <a:extLst>
+              <a:ext uri="{28A0092B-C50C-407E-A947-70E740481C1C}">
+                <a14:useLocalDpi xmlns:a14="http://schemas.microsoft.com/office/drawing/2010/main" val="0"/>
+              </a:ext>
+            </a:extLst>
+          </a:blip>
+          <a:stretch>
+            <a:fillRect/>
+          </a:stretch>
+        </p:blipFill>
+        <p:spPr>
+          <a:xfrm>
+            <a:off x="8895629" y="1990899"/>
+            <a:ext cx="2271963" cy="1514642"/>
+          </a:xfrm>
+          <a:prstGeom prst="rect">
+            <a:avLst/>
+          </a:prstGeom>
+        </p:spPr>
+      </p:pic>
+      <p:pic>
+        <p:nvPicPr>
+          <p:cNvPr id="15" name="Picture 14">
+            <a:extLst>
+              <a:ext uri="{FF2B5EF4-FFF2-40B4-BE49-F238E27FC236}">
+                <a16:creationId xmlns:a16="http://schemas.microsoft.com/office/drawing/2014/main" id="{F163C587-36BE-4271-A0F2-E0574200D278}"/>
+              </a:ext>
+            </a:extLst>
+          </p:cNvPr>
+          <p:cNvPicPr>
+            <a:picLocks noChangeAspect="1"/>
+          </p:cNvPicPr>
+          <p:nvPr/>
+        </p:nvPicPr>
+        <p:blipFill>
+          <a:blip r:embed="rId6">
+            <a:extLst>
+              <a:ext uri="{28A0092B-C50C-407E-A947-70E740481C1C}">
+                <a14:useLocalDpi xmlns:a14="http://schemas.microsoft.com/office/drawing/2010/main" val="0"/>
+              </a:ext>
+            </a:extLst>
+          </a:blip>
+          <a:stretch>
+            <a:fillRect/>
+          </a:stretch>
+        </p:blipFill>
+        <p:spPr>
+          <a:xfrm>
+            <a:off x="844579" y="3896135"/>
+            <a:ext cx="2271963" cy="1514642"/>
+          </a:xfrm>
+          <a:prstGeom prst="rect">
+            <a:avLst/>
+          </a:prstGeom>
+        </p:spPr>
+      </p:pic>
+      <p:pic>
+        <p:nvPicPr>
+          <p:cNvPr id="17" name="Picture 16">
+            <a:extLst>
+              <a:ext uri="{FF2B5EF4-FFF2-40B4-BE49-F238E27FC236}">
+                <a16:creationId xmlns:a16="http://schemas.microsoft.com/office/drawing/2014/main" id="{5DC102F6-0913-4588-8DDF-1E394D3C75BA}"/>
+              </a:ext>
+            </a:extLst>
+          </p:cNvPr>
+          <p:cNvPicPr>
+            <a:picLocks noChangeAspect="1"/>
+          </p:cNvPicPr>
+          <p:nvPr/>
+        </p:nvPicPr>
+        <p:blipFill>
+          <a:blip r:embed="rId7">
+            <a:extLst>
+              <a:ext uri="{28A0092B-C50C-407E-A947-70E740481C1C}">
+                <a14:useLocalDpi xmlns:a14="http://schemas.microsoft.com/office/drawing/2010/main" val="0"/>
+              </a:ext>
+            </a:extLst>
+          </a:blip>
+          <a:stretch>
+            <a:fillRect/>
+          </a:stretch>
+        </p:blipFill>
+        <p:spPr>
+          <a:xfrm>
+            <a:off x="3549758" y="3896135"/>
+            <a:ext cx="2271963" cy="1514642"/>
+          </a:xfrm>
+          <a:prstGeom prst="rect">
+            <a:avLst/>
+          </a:prstGeom>
+        </p:spPr>
+      </p:pic>
+      <p:pic>
+        <p:nvPicPr>
+          <p:cNvPr id="19" name="Picture 18">
+            <a:extLst>
+              <a:ext uri="{FF2B5EF4-FFF2-40B4-BE49-F238E27FC236}">
+                <a16:creationId xmlns:a16="http://schemas.microsoft.com/office/drawing/2014/main" id="{870DB01D-BF52-4502-BD01-81AFFA5DEBB2}"/>
+              </a:ext>
+            </a:extLst>
+          </p:cNvPr>
+          <p:cNvPicPr>
+            <a:picLocks noChangeAspect="1"/>
+          </p:cNvPicPr>
+          <p:nvPr/>
+        </p:nvPicPr>
+        <p:blipFill>
+          <a:blip r:embed="rId8">
+            <a:extLst>
+              <a:ext uri="{28A0092B-C50C-407E-A947-70E740481C1C}">
+                <a14:useLocalDpi xmlns:a14="http://schemas.microsoft.com/office/drawing/2010/main" val="0"/>
+              </a:ext>
+            </a:extLst>
+          </a:blip>
+          <a:stretch>
+            <a:fillRect/>
+          </a:stretch>
+        </p:blipFill>
+        <p:spPr>
+          <a:xfrm>
+            <a:off x="6222693" y="3896135"/>
+            <a:ext cx="2271963" cy="1514642"/>
+          </a:xfrm>
+          <a:prstGeom prst="rect">
+            <a:avLst/>
+          </a:prstGeom>
+        </p:spPr>
+      </p:pic>
+      <p:pic>
+        <p:nvPicPr>
+          <p:cNvPr id="21" name="Picture 20">
+            <a:extLst>
+              <a:ext uri="{FF2B5EF4-FFF2-40B4-BE49-F238E27FC236}">
+                <a16:creationId xmlns:a16="http://schemas.microsoft.com/office/drawing/2014/main" id="{BBEF3D0E-4D0B-4B9D-ADA9-878D8585E1D3}"/>
+              </a:ext>
+            </a:extLst>
+          </p:cNvPr>
+          <p:cNvPicPr>
+            <a:picLocks noChangeAspect="1"/>
+          </p:cNvPicPr>
+          <p:nvPr/>
+        </p:nvPicPr>
+        <p:blipFill>
+          <a:blip r:embed="rId9">
+            <a:extLst>
+              <a:ext uri="{28A0092B-C50C-407E-A947-70E740481C1C}">
+                <a14:useLocalDpi xmlns:a14="http://schemas.microsoft.com/office/drawing/2010/main" val="0"/>
+              </a:ext>
+            </a:extLst>
+          </a:blip>
+          <a:stretch>
+            <a:fillRect/>
+          </a:stretch>
+        </p:blipFill>
+        <p:spPr>
+          <a:xfrm>
+            <a:off x="8895629" y="3896135"/>
+            <a:ext cx="2271963" cy="1514642"/>
+          </a:xfrm>
+          <a:prstGeom prst="rect">
+            <a:avLst/>
+          </a:prstGeom>
         </p:spPr>
       </p:pic>
     </p:spTree>
     <p:extLst>
       <p:ext uri="{BB962C8B-B14F-4D97-AF65-F5344CB8AC3E}">
-        <p14:creationId xmlns:p14="http://schemas.microsoft.com/office/powerpoint/2010/main" val="3806262976"/>
+        <p14:creationId xmlns:p14="http://schemas.microsoft.com/office/powerpoint/2010/main" val="848655875"/>
       </p:ext>
     </p:extLst>
   </p:cSld>
@@ -5144,7 +5522,7 @@
           <p:cNvPr id="2" name="Title 1">
             <a:extLst>
               <a:ext uri="{FF2B5EF4-FFF2-40B4-BE49-F238E27FC236}">
-                <a16:creationId xmlns:a16="http://schemas.microsoft.com/office/drawing/2014/main" id="{2BD75507-4969-4CC9-A690-0FBD4304FFDC}"/>
+                <a16:creationId xmlns:a16="http://schemas.microsoft.com/office/drawing/2014/main" id="{EA285C5C-9429-48F7-AAFB-A6EF6DDEA726}"/>
               </a:ext>
             </a:extLst>
           </p:cNvPr>
@@ -5162,24 +5540,17 @@
           <a:p>
             <a:r>
               <a:rPr lang="en-US" dirty="0"/>
-              <a:t>Effects of Property Values on Crime Rates:</a:t>
-            </a:r>
-            <a:br>
-              <a:rPr lang="en-US" dirty="0"/>
-            </a:br>
-            <a:r>
-              <a:rPr lang="en-US" dirty="0"/>
-              <a:t>Other views</a:t>
+              <a:t>Are some months/days safer for Los Angeles residents?</a:t>
             </a:r>
           </a:p>
         </p:txBody>
       </p:sp>
       <p:pic>
         <p:nvPicPr>
-          <p:cNvPr id="11" name="Content Placeholder 10">
+          <p:cNvPr id="5" name="Content Placeholder 4">
             <a:extLst>
               <a:ext uri="{FF2B5EF4-FFF2-40B4-BE49-F238E27FC236}">
-                <a16:creationId xmlns:a16="http://schemas.microsoft.com/office/drawing/2014/main" id="{7FC71050-A42C-4403-9EA3-3162C3D0034E}"/>
+                <a16:creationId xmlns:a16="http://schemas.microsoft.com/office/drawing/2014/main" id="{85DA5BD6-FA5A-40D1-9B33-135B153D6F98}"/>
               </a:ext>
             </a:extLst>
           </p:cNvPr>
@@ -5204,17 +5575,17 @@
         </p:blipFill>
         <p:spPr>
           <a:xfrm>
-            <a:off x="935632" y="1965422"/>
-            <a:ext cx="4900476" cy="3245770"/>
+            <a:off x="5675671" y="2437545"/>
+            <a:ext cx="5705106" cy="3658433"/>
           </a:xfrm>
         </p:spPr>
       </p:pic>
       <p:pic>
         <p:nvPicPr>
-          <p:cNvPr id="13" name="Picture 12">
+          <p:cNvPr id="7" name="Picture 6">
             <a:extLst>
               <a:ext uri="{FF2B5EF4-FFF2-40B4-BE49-F238E27FC236}">
-                <a16:creationId xmlns:a16="http://schemas.microsoft.com/office/drawing/2014/main" id="{980DADD5-6BD3-43D2-9DEE-BF8E4ECB3B0E}"/>
+                <a16:creationId xmlns:a16="http://schemas.microsoft.com/office/drawing/2014/main" id="{8884DF2D-8658-4079-A429-0B926014BF3C}"/>
               </a:ext>
             </a:extLst>
           </p:cNvPr>
@@ -5237,8 +5608,8 @@
         </p:blipFill>
         <p:spPr>
           <a:xfrm>
-            <a:off x="6355894" y="1965422"/>
-            <a:ext cx="4797206" cy="3245769"/>
+            <a:off x="188021" y="2516696"/>
+            <a:ext cx="5487650" cy="3658433"/>
           </a:xfrm>
           <a:prstGeom prst="rect">
             <a:avLst/>
@@ -5248,7 +5619,7 @@
     </p:spTree>
     <p:extLst>
       <p:ext uri="{BB962C8B-B14F-4D97-AF65-F5344CB8AC3E}">
-        <p14:creationId xmlns:p14="http://schemas.microsoft.com/office/powerpoint/2010/main" val="3014659041"/>
+        <p14:creationId xmlns:p14="http://schemas.microsoft.com/office/powerpoint/2010/main" val="511219407"/>
       </p:ext>
     </p:extLst>
   </p:cSld>

--- a/Presentation Project1 - Los Angeles Crime Statistics.pptx
+++ b/Presentation Project1 - Los Angeles Crime Statistics.pptx
@@ -5,7 +5,7 @@
     <p:sldMasterId id="2147483648" r:id="rId1"/>
   </p:sldMasterIdLst>
   <p:notesMasterIdLst>
-    <p:notesMasterId r:id="rId14"/>
+    <p:notesMasterId r:id="rId15"/>
   </p:notesMasterIdLst>
   <p:sldIdLst>
     <p:sldId id="256" r:id="rId2"/>
@@ -20,6 +20,7 @@
     <p:sldId id="266" r:id="rId11"/>
     <p:sldId id="263" r:id="rId12"/>
     <p:sldId id="264" r:id="rId13"/>
+    <p:sldId id="268" r:id="rId14"/>
   </p:sldIdLst>
   <p:sldSz cx="12192000" cy="6858000"/>
   <p:notesSz cx="6858000" cy="9144000"/>
@@ -4005,6 +4006,171 @@
     <p:extLst>
       <p:ext uri="{BB962C8B-B14F-4D97-AF65-F5344CB8AC3E}">
         <p14:creationId xmlns:p14="http://schemas.microsoft.com/office/powerpoint/2010/main" val="3014659041"/>
+      </p:ext>
+    </p:extLst>
+  </p:cSld>
+  <p:clrMapOvr>
+    <a:masterClrMapping/>
+  </p:clrMapOvr>
+</p:sld>
+</file>
+
+<file path=ppt/slides/slide13.xml><?xml version="1.0" encoding="utf-8"?>
+<p:sld xmlns:a="http://schemas.openxmlformats.org/drawingml/2006/main" xmlns:r="http://schemas.openxmlformats.org/officeDocument/2006/relationships" xmlns:p="http://schemas.openxmlformats.org/presentationml/2006/main">
+  <p:cSld>
+    <p:spTree>
+      <p:nvGrpSpPr>
+        <p:cNvPr id="1" name=""/>
+        <p:cNvGrpSpPr/>
+        <p:nvPr/>
+      </p:nvGrpSpPr>
+      <p:grpSpPr>
+        <a:xfrm>
+          <a:off x="0" y="0"/>
+          <a:ext cx="0" cy="0"/>
+          <a:chOff x="0" y="0"/>
+          <a:chExt cx="0" cy="0"/>
+        </a:xfrm>
+      </p:grpSpPr>
+      <p:sp>
+        <p:nvSpPr>
+          <p:cNvPr id="2" name="Title 1">
+            <a:extLst>
+              <a:ext uri="{FF2B5EF4-FFF2-40B4-BE49-F238E27FC236}">
+                <a16:creationId xmlns:a16="http://schemas.microsoft.com/office/drawing/2014/main" id="{E9915F18-E107-4392-B635-0760B449D650}"/>
+              </a:ext>
+            </a:extLst>
+          </p:cNvPr>
+          <p:cNvSpPr>
+            <a:spLocks noGrp="1"/>
+          </p:cNvSpPr>
+          <p:nvPr>
+            <p:ph type="title"/>
+          </p:nvPr>
+        </p:nvSpPr>
+        <p:spPr/>
+        <p:txBody>
+          <a:bodyPr/>
+          <a:lstStyle/>
+          <a:p>
+            <a:r>
+              <a:rPr lang="en-US" dirty="0"/>
+              <a:t>Effects of Median Income on Crime Rates</a:t>
+            </a:r>
+          </a:p>
+        </p:txBody>
+      </p:sp>
+      <p:pic>
+        <p:nvPicPr>
+          <p:cNvPr id="5" name="Content Placeholder 4">
+            <a:extLst>
+              <a:ext uri="{FF2B5EF4-FFF2-40B4-BE49-F238E27FC236}">
+                <a16:creationId xmlns:a16="http://schemas.microsoft.com/office/drawing/2014/main" id="{7E12DE93-BB87-42FF-9B0A-D2D275E326A0}"/>
+              </a:ext>
+            </a:extLst>
+          </p:cNvPr>
+          <p:cNvPicPr>
+            <a:picLocks noGrp="1" noChangeAspect="1"/>
+          </p:cNvPicPr>
+          <p:nvPr>
+            <p:ph idx="1"/>
+          </p:nvPr>
+        </p:nvPicPr>
+        <p:blipFill>
+          <a:blip r:embed="rId2">
+            <a:extLst>
+              <a:ext uri="{28A0092B-C50C-407E-A947-70E740481C1C}">
+                <a14:useLocalDpi xmlns:a14="http://schemas.microsoft.com/office/drawing/2010/main" val="0"/>
+              </a:ext>
+            </a:extLst>
+          </a:blip>
+          <a:stretch>
+            <a:fillRect/>
+          </a:stretch>
+        </p:blipFill>
+        <p:spPr>
+          <a:xfrm>
+            <a:off x="500785" y="1690688"/>
+            <a:ext cx="6637282" cy="4259748"/>
+          </a:xfrm>
+        </p:spPr>
+      </p:pic>
+      <p:pic>
+        <p:nvPicPr>
+          <p:cNvPr id="7" name="Picture 6">
+            <a:extLst>
+              <a:ext uri="{FF2B5EF4-FFF2-40B4-BE49-F238E27FC236}">
+                <a16:creationId xmlns:a16="http://schemas.microsoft.com/office/drawing/2014/main" id="{BC69BDDF-83E5-4D13-829E-25C4354881E0}"/>
+              </a:ext>
+            </a:extLst>
+          </p:cNvPr>
+          <p:cNvPicPr>
+            <a:picLocks noChangeAspect="1"/>
+          </p:cNvPicPr>
+          <p:nvPr/>
+        </p:nvPicPr>
+        <p:blipFill>
+          <a:blip r:embed="rId3">
+            <a:extLst>
+              <a:ext uri="{28A0092B-C50C-407E-A947-70E740481C1C}">
+                <a14:useLocalDpi xmlns:a14="http://schemas.microsoft.com/office/drawing/2010/main" val="0"/>
+              </a:ext>
+            </a:extLst>
+          </a:blip>
+          <a:stretch>
+            <a:fillRect/>
+          </a:stretch>
+        </p:blipFill>
+        <p:spPr>
+          <a:xfrm>
+            <a:off x="7547510" y="1481222"/>
+            <a:ext cx="3550920" cy="2339340"/>
+          </a:xfrm>
+          <a:prstGeom prst="rect">
+            <a:avLst/>
+          </a:prstGeom>
+        </p:spPr>
+      </p:pic>
+      <p:pic>
+        <p:nvPicPr>
+          <p:cNvPr id="9" name="Picture 8">
+            <a:extLst>
+              <a:ext uri="{FF2B5EF4-FFF2-40B4-BE49-F238E27FC236}">
+                <a16:creationId xmlns:a16="http://schemas.microsoft.com/office/drawing/2014/main" id="{59A37A17-992A-4CD4-86DF-111F556C3F43}"/>
+              </a:ext>
+            </a:extLst>
+          </p:cNvPr>
+          <p:cNvPicPr>
+            <a:picLocks noChangeAspect="1"/>
+          </p:cNvPicPr>
+          <p:nvPr/>
+        </p:nvPicPr>
+        <p:blipFill>
+          <a:blip r:embed="rId4">
+            <a:extLst>
+              <a:ext uri="{28A0092B-C50C-407E-A947-70E740481C1C}">
+                <a14:useLocalDpi xmlns:a14="http://schemas.microsoft.com/office/drawing/2010/main" val="0"/>
+              </a:ext>
+            </a:extLst>
+          </a:blip>
+          <a:stretch>
+            <a:fillRect/>
+          </a:stretch>
+        </p:blipFill>
+        <p:spPr>
+          <a:xfrm>
+            <a:off x="7547510" y="4107815"/>
+            <a:ext cx="3672840" cy="2385060"/>
+          </a:xfrm>
+          <a:prstGeom prst="rect">
+            <a:avLst/>
+          </a:prstGeom>
+        </p:spPr>
+      </p:pic>
+    </p:spTree>
+    <p:extLst>
+      <p:ext uri="{BB962C8B-B14F-4D97-AF65-F5344CB8AC3E}">
+        <p14:creationId xmlns:p14="http://schemas.microsoft.com/office/powerpoint/2010/main" val="4002664754"/>
       </p:ext>
     </p:extLst>
   </p:cSld>

--- a/Presentation Project1 - Los Angeles Crime Statistics.pptx
+++ b/Presentation Project1 - Los Angeles Crime Statistics.pptx
@@ -3733,7 +3733,27 @@
           <a:p>
             <a:r>
               <a:rPr lang="en-US" dirty="0"/>
-              <a:t>Is it safe to live in Los Angeles?</a:t>
+              <a:t>Is </a:t>
+            </a:r>
+            <a:r>
+              <a:rPr lang="en-US" dirty="0"/>
+              <a:t>I</a:t>
+            </a:r>
+            <a:r>
+              <a:rPr lang="en-US" dirty="0" smtClean="0"/>
+              <a:t>t Safe </a:t>
+            </a:r>
+            <a:r>
+              <a:rPr lang="en-US" dirty="0"/>
+              <a:t>to </a:t>
+            </a:r>
+            <a:r>
+              <a:rPr lang="en-US" dirty="0" smtClean="0"/>
+              <a:t>Live </a:t>
+            </a:r>
+            <a:r>
+              <a:rPr lang="en-US" dirty="0"/>
+              <a:t>in Los Angeles?</a:t>
             </a:r>
           </a:p>
         </p:txBody>
@@ -3926,8 +3946,13 @@
             </a:br>
             <a:r>
               <a:rPr lang="en-US" dirty="0"/>
-              <a:t>Other views</a:t>
-            </a:r>
+              <a:t>Other </a:t>
+            </a:r>
+            <a:r>
+              <a:rPr lang="en-US" dirty="0" smtClean="0"/>
+              <a:t>Views</a:t>
+            </a:r>
+            <a:endParaRPr lang="en-US" dirty="0"/>
           </a:p>
         </p:txBody>
       </p:sp>
@@ -4920,7 +4945,7 @@
           <a:p>
             <a:pPr lvl="1"/>
             <a:r>
-              <a:rPr lang="en-US" dirty="0"/>
+              <a:rPr lang="en-US" sz="2800" dirty="0"/>
               <a:t>Violent crime: 2018: </a:t>
             </a:r>
             <a:r>
@@ -4931,7 +4956,7 @@
           <a:p>
             <a:pPr lvl="1"/>
             <a:r>
-              <a:rPr lang="en-US" dirty="0"/>
+              <a:rPr lang="en-US" sz="2800" dirty="0"/>
               <a:t>Decrease of near to </a:t>
             </a:r>
             <a:r>
@@ -4945,12 +4970,12 @@
               <a:buNone/>
             </a:pPr>
             <a:r>
-              <a:rPr lang="en-US" sz="1400" dirty="0">
+              <a:rPr lang="en-US" sz="1600" dirty="0">
                 <a:hlinkClick r:id="rId2"/>
               </a:rPr>
               <a:t>https://www.latimes.com/local/lanow/la-me-lapd-crime-stats-20181229-story.html</a:t>
             </a:r>
-            <a:endParaRPr lang="en-US" sz="1400" dirty="0"/>
+            <a:endParaRPr lang="en-US" sz="1600" dirty="0"/>
           </a:p>
           <a:p>
             <a:pPr>
@@ -4966,7 +4991,7 @@
           <a:p>
             <a:pPr lvl="1"/>
             <a:r>
-              <a:rPr lang="en-US" dirty="0"/>
+              <a:rPr lang="en-US" sz="2800" dirty="0"/>
               <a:t>Violent crime: 2018: </a:t>
             </a:r>
             <a:r>
@@ -4975,13 +5000,17 @@
             </a:r>
             <a:r>
               <a:rPr lang="en-US" dirty="0"/>
-              <a:t> (from 2017: 29,045)</a:t>
+              <a:t> </a:t>
+            </a:r>
+            <a:r>
+              <a:rPr lang="en-US" sz="2800" dirty="0"/>
+              <a:t>(from 2017: 29,045)</a:t>
             </a:r>
           </a:p>
           <a:p>
             <a:pPr lvl="1"/>
             <a:r>
-              <a:rPr lang="en-US" dirty="0"/>
+              <a:rPr lang="en-US" sz="2800" dirty="0"/>
               <a:t>Decrease of </a:t>
             </a:r>
             <a:r>
@@ -5706,7 +5735,27 @@
           <a:p>
             <a:r>
               <a:rPr lang="en-US" dirty="0"/>
-              <a:t>Are some months/days safer for Los Angeles residents?</a:t>
+              <a:t>Are </a:t>
+            </a:r>
+            <a:r>
+              <a:rPr lang="en-US" dirty="0" smtClean="0"/>
+              <a:t>Some Months/Days Safer </a:t>
+            </a:r>
+            <a:r>
+              <a:rPr lang="en-US" dirty="0"/>
+              <a:t>for Los </a:t>
+            </a:r>
+            <a:r>
+              <a:rPr lang="en-US"/>
+              <a:t>Angeles </a:t>
+            </a:r>
+            <a:r>
+              <a:rPr lang="en-US" smtClean="0"/>
+              <a:t>Residents</a:t>
+            </a:r>
+            <a:r>
+              <a:rPr lang="en-US" dirty="0"/>
+              <a:t>?</a:t>
             </a:r>
           </a:p>
         </p:txBody>

--- a/Presentation Project1 - Los Angeles Crime Statistics.pptx
+++ b/Presentation Project1 - Los Angeles Crime Statistics.pptx
@@ -209,7 +209,7 @@
           <a:p>
             <a:fld id="{35DA68C4-F8BF-43E3-8330-6C18CC5931C6}" type="datetimeFigureOut">
               <a:rPr lang="en-US" smtClean="0"/>
-              <a:t>3/28/2019</a:t>
+              <a:t>3/29/2019</a:t>
             </a:fld>
             <a:endParaRPr lang="en-US"/>
           </a:p>
@@ -774,7 +774,7 @@
           <a:p>
             <a:fld id="{6ADD931D-199D-4775-8AFB-7A6102A10C14}" type="datetimeFigureOut">
               <a:rPr lang="en-US" smtClean="0"/>
-              <a:t>3/28/2019</a:t>
+              <a:t>3/29/2019</a:t>
             </a:fld>
             <a:endParaRPr lang="en-US"/>
           </a:p>
@@ -942,7 +942,7 @@
           <a:p>
             <a:fld id="{6ADD931D-199D-4775-8AFB-7A6102A10C14}" type="datetimeFigureOut">
               <a:rPr lang="en-US" smtClean="0"/>
-              <a:t>3/28/2019</a:t>
+              <a:t>3/29/2019</a:t>
             </a:fld>
             <a:endParaRPr lang="en-US"/>
           </a:p>
@@ -1120,7 +1120,7 @@
           <a:p>
             <a:fld id="{6ADD931D-199D-4775-8AFB-7A6102A10C14}" type="datetimeFigureOut">
               <a:rPr lang="en-US" smtClean="0"/>
-              <a:t>3/28/2019</a:t>
+              <a:t>3/29/2019</a:t>
             </a:fld>
             <a:endParaRPr lang="en-US"/>
           </a:p>
@@ -1296,7 +1296,7 @@
           <a:p>
             <a:fld id="{6ADD931D-199D-4775-8AFB-7A6102A10C14}" type="datetimeFigureOut">
               <a:rPr lang="en-US" smtClean="0"/>
-              <a:t>3/28/2019</a:t>
+              <a:t>3/29/2019</a:t>
             </a:fld>
             <a:endParaRPr lang="en-US"/>
           </a:p>
@@ -1541,7 +1541,7 @@
           <a:p>
             <a:fld id="{6ADD931D-199D-4775-8AFB-7A6102A10C14}" type="datetimeFigureOut">
               <a:rPr lang="en-US" smtClean="0"/>
-              <a:t>3/28/2019</a:t>
+              <a:t>3/29/2019</a:t>
             </a:fld>
             <a:endParaRPr lang="en-US"/>
           </a:p>
@@ -1778,7 +1778,7 @@
           <a:p>
             <a:fld id="{6ADD931D-199D-4775-8AFB-7A6102A10C14}" type="datetimeFigureOut">
               <a:rPr lang="en-US" smtClean="0"/>
-              <a:t>3/28/2019</a:t>
+              <a:t>3/29/2019</a:t>
             </a:fld>
             <a:endParaRPr lang="en-US"/>
           </a:p>
@@ -2142,7 +2142,7 @@
           <a:p>
             <a:fld id="{6ADD931D-199D-4775-8AFB-7A6102A10C14}" type="datetimeFigureOut">
               <a:rPr lang="en-US" smtClean="0"/>
-              <a:t>3/28/2019</a:t>
+              <a:t>3/29/2019</a:t>
             </a:fld>
             <a:endParaRPr lang="en-US"/>
           </a:p>
@@ -2259,7 +2259,7 @@
           <a:p>
             <a:fld id="{6ADD931D-199D-4775-8AFB-7A6102A10C14}" type="datetimeFigureOut">
               <a:rPr lang="en-US" smtClean="0"/>
-              <a:t>3/28/2019</a:t>
+              <a:t>3/29/2019</a:t>
             </a:fld>
             <a:endParaRPr lang="en-US"/>
           </a:p>
@@ -2354,7 +2354,7 @@
           <a:p>
             <a:fld id="{6ADD931D-199D-4775-8AFB-7A6102A10C14}" type="datetimeFigureOut">
               <a:rPr lang="en-US" smtClean="0"/>
-              <a:t>3/28/2019</a:t>
+              <a:t>3/29/2019</a:t>
             </a:fld>
             <a:endParaRPr lang="en-US"/>
           </a:p>
@@ -2629,7 +2629,7 @@
           <a:p>
             <a:fld id="{6ADD931D-199D-4775-8AFB-7A6102A10C14}" type="datetimeFigureOut">
               <a:rPr lang="en-US" smtClean="0"/>
-              <a:t>3/28/2019</a:t>
+              <a:t>3/29/2019</a:t>
             </a:fld>
             <a:endParaRPr lang="en-US"/>
           </a:p>
@@ -2881,7 +2881,7 @@
           <a:p>
             <a:fld id="{6ADD931D-199D-4775-8AFB-7A6102A10C14}" type="datetimeFigureOut">
               <a:rPr lang="en-US" smtClean="0"/>
-              <a:t>3/28/2019</a:t>
+              <a:t>3/29/2019</a:t>
             </a:fld>
             <a:endParaRPr lang="en-US"/>
           </a:p>
@@ -3092,7 +3092,7 @@
           <a:p>
             <a:fld id="{6ADD931D-199D-4775-8AFB-7A6102A10C14}" type="datetimeFigureOut">
               <a:rPr lang="en-US" smtClean="0"/>
-              <a:t>3/28/2019</a:t>
+              <a:t>3/29/2019</a:t>
             </a:fld>
             <a:endParaRPr lang="en-US"/>
           </a:p>
@@ -3733,27 +3733,7 @@
           <a:p>
             <a:r>
               <a:rPr lang="en-US" dirty="0"/>
-              <a:t>Is </a:t>
-            </a:r>
-            <a:r>
-              <a:rPr lang="en-US" dirty="0"/>
-              <a:t>I</a:t>
-            </a:r>
-            <a:r>
-              <a:rPr lang="en-US" dirty="0" smtClean="0"/>
-              <a:t>t Safe </a:t>
-            </a:r>
-            <a:r>
-              <a:rPr lang="en-US" dirty="0"/>
-              <a:t>to </a:t>
-            </a:r>
-            <a:r>
-              <a:rPr lang="en-US" dirty="0" smtClean="0"/>
-              <a:t>Live </a:t>
-            </a:r>
-            <a:r>
-              <a:rPr lang="en-US" dirty="0"/>
-              <a:t>in Los Angeles?</a:t>
+              <a:t>Is It Safe to Live in Los Angeles?</a:t>
             </a:r>
           </a:p>
         </p:txBody>
@@ -3946,13 +3926,8 @@
             </a:br>
             <a:r>
               <a:rPr lang="en-US" dirty="0"/>
-              <a:t>Other </a:t>
-            </a:r>
-            <a:r>
-              <a:rPr lang="en-US" dirty="0" smtClean="0"/>
-              <a:t>Views</a:t>
-            </a:r>
-            <a:endParaRPr lang="en-US" dirty="0"/>
+              <a:t>Other Views</a:t>
+            </a:r>
           </a:p>
         </p:txBody>
       </p:sp>
@@ -5265,7 +5240,12 @@
             <p:ph type="title"/>
           </p:nvPr>
         </p:nvSpPr>
-        <p:spPr/>
+        <p:spPr>
+          <a:xfrm>
+            <a:off x="739724" y="365125"/>
+            <a:ext cx="10515600" cy="1325563"/>
+          </a:xfrm>
+        </p:spPr>
         <p:txBody>
           <a:bodyPr/>
           <a:lstStyle/>
@@ -5331,11 +5311,50 @@
         </p:blipFill>
         <p:spPr>
           <a:xfrm>
-            <a:off x="383458" y="2167731"/>
+            <a:off x="383458" y="2913318"/>
             <a:ext cx="7211961" cy="3667125"/>
           </a:xfrm>
         </p:spPr>
       </p:pic>
+      <p:sp>
+        <p:nvSpPr>
+          <p:cNvPr id="3" name="TextBox 2">
+            <a:extLst>
+              <a:ext uri="{FF2B5EF4-FFF2-40B4-BE49-F238E27FC236}">
+                <a16:creationId xmlns:a16="http://schemas.microsoft.com/office/drawing/2014/main" id="{2F02C409-058E-4C43-9653-FE08A9BFC5DE}"/>
+              </a:ext>
+            </a:extLst>
+          </p:cNvPr>
+          <p:cNvSpPr txBox="1"/>
+          <p:nvPr/>
+        </p:nvSpPr>
+        <p:spPr>
+          <a:xfrm>
+            <a:off x="838200" y="1969477"/>
+            <a:ext cx="4971757" cy="461665"/>
+          </a:xfrm>
+          <a:prstGeom prst="rect">
+            <a:avLst/>
+          </a:prstGeom>
+          <a:noFill/>
+        </p:spPr>
+        <p:txBody>
+          <a:bodyPr wrap="square" rtlCol="0">
+            <a:spAutoFit/>
+          </a:bodyPr>
+          <a:lstStyle/>
+          <a:p>
+            <a:r>
+              <a:rPr lang="en-US" sz="2400" dirty="0">
+                <a:solidFill>
+                  <a:srgbClr val="FF0000"/>
+                </a:solidFill>
+              </a:rPr>
+              <a:t>90037, 90003,  90011, 90057, 90062</a:t>
+            </a:r>
+          </a:p>
+        </p:txBody>
+      </p:sp>
     </p:spTree>
     <p:extLst>
       <p:ext uri="{BB962C8B-B14F-4D97-AF65-F5344CB8AC3E}">
@@ -5422,7 +5441,7 @@
         </p:blipFill>
         <p:spPr>
           <a:xfrm>
-            <a:off x="844579" y="1990899"/>
+            <a:off x="844579" y="2187846"/>
             <a:ext cx="2271963" cy="1514642"/>
           </a:xfrm>
           <a:prstGeom prst="rect">
@@ -5458,7 +5477,7 @@
         </p:blipFill>
         <p:spPr>
           <a:xfrm>
-            <a:off x="3549758" y="1990899"/>
+            <a:off x="3549758" y="2187846"/>
             <a:ext cx="2271963" cy="1514642"/>
           </a:xfrm>
           <a:prstGeom prst="rect">
@@ -5494,7 +5513,7 @@
         </p:blipFill>
         <p:spPr>
           <a:xfrm>
-            <a:off x="6222693" y="1990899"/>
+            <a:off x="6222693" y="2187846"/>
             <a:ext cx="2271963" cy="1514642"/>
           </a:xfrm>
           <a:prstGeom prst="rect">
@@ -5530,7 +5549,7 @@
         </p:blipFill>
         <p:spPr>
           <a:xfrm>
-            <a:off x="8895629" y="1990899"/>
+            <a:off x="8895629" y="2187846"/>
             <a:ext cx="2271963" cy="1514642"/>
           </a:xfrm>
           <a:prstGeom prst="rect">
@@ -5566,7 +5585,7 @@
         </p:blipFill>
         <p:spPr>
           <a:xfrm>
-            <a:off x="844579" y="3896135"/>
+            <a:off x="844579" y="4093082"/>
             <a:ext cx="2271963" cy="1514642"/>
           </a:xfrm>
           <a:prstGeom prst="rect">
@@ -5602,7 +5621,7 @@
         </p:blipFill>
         <p:spPr>
           <a:xfrm>
-            <a:off x="3549758" y="3896135"/>
+            <a:off x="3549758" y="4093082"/>
             <a:ext cx="2271963" cy="1514642"/>
           </a:xfrm>
           <a:prstGeom prst="rect">
@@ -5638,7 +5657,7 @@
         </p:blipFill>
         <p:spPr>
           <a:xfrm>
-            <a:off x="6222693" y="3896135"/>
+            <a:off x="6222693" y="4093082"/>
             <a:ext cx="2271963" cy="1514642"/>
           </a:xfrm>
           <a:prstGeom prst="rect">
@@ -5674,7 +5693,7 @@
         </p:blipFill>
         <p:spPr>
           <a:xfrm>
-            <a:off x="8895629" y="3896135"/>
+            <a:off x="8895629" y="4093082"/>
             <a:ext cx="2271963" cy="1514642"/>
           </a:xfrm>
           <a:prstGeom prst="rect">
@@ -5735,23 +5754,11 @@
           <a:p>
             <a:r>
               <a:rPr lang="en-US" dirty="0"/>
-              <a:t>Are </a:t>
-            </a:r>
-            <a:r>
-              <a:rPr lang="en-US" dirty="0" smtClean="0"/>
-              <a:t>Some Months/Days Safer </a:t>
-            </a:r>
-            <a:r>
-              <a:rPr lang="en-US" dirty="0"/>
-              <a:t>for Los </a:t>
-            </a:r>
-            <a:r>
-              <a:rPr lang="en-US"/>
-              <a:t>Angeles </a:t>
-            </a:r>
-            <a:r>
-              <a:rPr lang="en-US" smtClean="0"/>
-              <a:t>Residents</a:t>
+              <a:t>Are Some Months/Days Safer for Los </a:t>
+            </a:r>
+            <a:r>
+              <a:rPr lang="en-US"/>
+              <a:t>Angeles Residents</a:t>
             </a:r>
             <a:r>
               <a:rPr lang="en-US" dirty="0"/>

--- a/Presentation Project1 - Los Angeles Crime Statistics.pptx
+++ b/Presentation Project1 - Los Angeles Crime Statistics.pptx
@@ -3724,7 +3724,12 @@
             <p:ph type="title"/>
           </p:nvPr>
         </p:nvSpPr>
-        <p:spPr/>
+        <p:spPr>
+          <a:xfrm>
+            <a:off x="838200" y="365125"/>
+            <a:ext cx="10515600" cy="2181127"/>
+          </a:xfrm>
+        </p:spPr>
         <p:txBody>
           <a:bodyPr>
             <a:normAutofit/>
@@ -3735,6 +3740,44 @@
               <a:rPr lang="en-US" dirty="0"/>
               <a:t>Is It Safe to Live in Los Angeles?</a:t>
             </a:r>
+            <a:br>
+              <a:rPr lang="en-US" dirty="0"/>
+            </a:br>
+            <a:br>
+              <a:rPr lang="en-US" sz="2400" dirty="0"/>
+            </a:br>
+            <a:r>
+              <a:rPr lang="en-US" sz="2400" dirty="0"/>
+              <a:t>Total Reported Crimes in 2018:  </a:t>
+            </a:r>
+            <a:r>
+              <a:rPr lang="en-US" sz="2400" dirty="0">
+                <a:solidFill>
+                  <a:srgbClr val="FF0000"/>
+                </a:solidFill>
+              </a:rPr>
+              <a:t>225811</a:t>
+            </a:r>
+            <a:r>
+              <a:rPr lang="en-US" dirty="0"/>
+              <a:t> </a:t>
+            </a:r>
+            <a:br>
+              <a:rPr lang="en-US" dirty="0"/>
+            </a:br>
+            <a:r>
+              <a:rPr lang="en-US" sz="2400" dirty="0"/>
+              <a:t>Total Population:  </a:t>
+            </a:r>
+            <a:r>
+              <a:rPr lang="en-US" sz="2400" dirty="0">
+                <a:solidFill>
+                  <a:srgbClr val="FF0000"/>
+                </a:solidFill>
+              </a:rPr>
+              <a:t>4.01 millions estimated</a:t>
+            </a:r>
+            <a:endParaRPr lang="en-US" sz="2400" dirty="0"/>
           </a:p>
         </p:txBody>
       </p:sp>

--- a/Presentation Project1 - Los Angeles Crime Statistics.pptx
+++ b/Presentation Project1 - Los Angeles Crime Statistics.pptx
@@ -209,7 +209,7 @@
           <a:p>
             <a:fld id="{35DA68C4-F8BF-43E3-8330-6C18CC5931C6}" type="datetimeFigureOut">
               <a:rPr lang="en-US" smtClean="0"/>
-              <a:t>3/29/2019</a:t>
+              <a:t>3/30/2019</a:t>
             </a:fld>
             <a:endParaRPr lang="en-US"/>
           </a:p>
@@ -774,7 +774,7 @@
           <a:p>
             <a:fld id="{6ADD931D-199D-4775-8AFB-7A6102A10C14}" type="datetimeFigureOut">
               <a:rPr lang="en-US" smtClean="0"/>
-              <a:t>3/29/2019</a:t>
+              <a:t>3/30/2019</a:t>
             </a:fld>
             <a:endParaRPr lang="en-US"/>
           </a:p>
@@ -942,7 +942,7 @@
           <a:p>
             <a:fld id="{6ADD931D-199D-4775-8AFB-7A6102A10C14}" type="datetimeFigureOut">
               <a:rPr lang="en-US" smtClean="0"/>
-              <a:t>3/29/2019</a:t>
+              <a:t>3/30/2019</a:t>
             </a:fld>
             <a:endParaRPr lang="en-US"/>
           </a:p>
@@ -1120,7 +1120,7 @@
           <a:p>
             <a:fld id="{6ADD931D-199D-4775-8AFB-7A6102A10C14}" type="datetimeFigureOut">
               <a:rPr lang="en-US" smtClean="0"/>
-              <a:t>3/29/2019</a:t>
+              <a:t>3/30/2019</a:t>
             </a:fld>
             <a:endParaRPr lang="en-US"/>
           </a:p>
@@ -1296,7 +1296,7 @@
           <a:p>
             <a:fld id="{6ADD931D-199D-4775-8AFB-7A6102A10C14}" type="datetimeFigureOut">
               <a:rPr lang="en-US" smtClean="0"/>
-              <a:t>3/29/2019</a:t>
+              <a:t>3/30/2019</a:t>
             </a:fld>
             <a:endParaRPr lang="en-US"/>
           </a:p>
@@ -1541,7 +1541,7 @@
           <a:p>
             <a:fld id="{6ADD931D-199D-4775-8AFB-7A6102A10C14}" type="datetimeFigureOut">
               <a:rPr lang="en-US" smtClean="0"/>
-              <a:t>3/29/2019</a:t>
+              <a:t>3/30/2019</a:t>
             </a:fld>
             <a:endParaRPr lang="en-US"/>
           </a:p>
@@ -1778,7 +1778,7 @@
           <a:p>
             <a:fld id="{6ADD931D-199D-4775-8AFB-7A6102A10C14}" type="datetimeFigureOut">
               <a:rPr lang="en-US" smtClean="0"/>
-              <a:t>3/29/2019</a:t>
+              <a:t>3/30/2019</a:t>
             </a:fld>
             <a:endParaRPr lang="en-US"/>
           </a:p>
@@ -2142,7 +2142,7 @@
           <a:p>
             <a:fld id="{6ADD931D-199D-4775-8AFB-7A6102A10C14}" type="datetimeFigureOut">
               <a:rPr lang="en-US" smtClean="0"/>
-              <a:t>3/29/2019</a:t>
+              <a:t>3/30/2019</a:t>
             </a:fld>
             <a:endParaRPr lang="en-US"/>
           </a:p>
@@ -2259,7 +2259,7 @@
           <a:p>
             <a:fld id="{6ADD931D-199D-4775-8AFB-7A6102A10C14}" type="datetimeFigureOut">
               <a:rPr lang="en-US" smtClean="0"/>
-              <a:t>3/29/2019</a:t>
+              <a:t>3/30/2019</a:t>
             </a:fld>
             <a:endParaRPr lang="en-US"/>
           </a:p>
@@ -2354,7 +2354,7 @@
           <a:p>
             <a:fld id="{6ADD931D-199D-4775-8AFB-7A6102A10C14}" type="datetimeFigureOut">
               <a:rPr lang="en-US" smtClean="0"/>
-              <a:t>3/29/2019</a:t>
+              <a:t>3/30/2019</a:t>
             </a:fld>
             <a:endParaRPr lang="en-US"/>
           </a:p>
@@ -2629,7 +2629,7 @@
           <a:p>
             <a:fld id="{6ADD931D-199D-4775-8AFB-7A6102A10C14}" type="datetimeFigureOut">
               <a:rPr lang="en-US" smtClean="0"/>
-              <a:t>3/29/2019</a:t>
+              <a:t>3/30/2019</a:t>
             </a:fld>
             <a:endParaRPr lang="en-US"/>
           </a:p>
@@ -2881,7 +2881,7 @@
           <a:p>
             <a:fld id="{6ADD931D-199D-4775-8AFB-7A6102A10C14}" type="datetimeFigureOut">
               <a:rPr lang="en-US" smtClean="0"/>
-              <a:t>3/29/2019</a:t>
+              <a:t>3/30/2019</a:t>
             </a:fld>
             <a:endParaRPr lang="en-US"/>
           </a:p>
@@ -3092,7 +3092,7 @@
           <a:p>
             <a:fld id="{6ADD931D-199D-4775-8AFB-7A6102A10C14}" type="datetimeFigureOut">
               <a:rPr lang="en-US" smtClean="0"/>
-              <a:t>3/29/2019</a:t>
+              <a:t>3/30/2019</a:t>
             </a:fld>
             <a:endParaRPr lang="en-US"/>
           </a:p>
@@ -3743,6 +3743,10 @@
             <a:br>
               <a:rPr lang="en-US" dirty="0"/>
             </a:br>
+            <a:r>
+              <a:rPr lang="en-US" sz="2400" dirty="0"/>
+              <a:t/>
+            </a:r>
             <a:br>
               <a:rPr lang="en-US" sz="2400" dirty="0"/>
             </a:br>
@@ -5243,6 +5247,36 @@
           </a:p>
         </p:txBody>
       </p:sp>
+      <p:pic>
+        <p:nvPicPr>
+          <p:cNvPr id="4" name="Picture 3"/>
+          <p:cNvPicPr>
+            <a:picLocks noChangeAspect="1"/>
+          </p:cNvPicPr>
+          <p:nvPr/>
+        </p:nvPicPr>
+        <p:blipFill>
+          <a:blip r:embed="rId3">
+            <a:extLst>
+              <a:ext uri="{28A0092B-C50C-407E-A947-70E740481C1C}">
+                <a14:useLocalDpi xmlns:a14="http://schemas.microsoft.com/office/drawing/2010/main" val="0"/>
+              </a:ext>
+            </a:extLst>
+          </a:blip>
+          <a:stretch>
+            <a:fillRect/>
+          </a:stretch>
+        </p:blipFill>
+        <p:spPr>
+          <a:xfrm>
+            <a:off x="6096000" y="3005796"/>
+            <a:ext cx="5487650" cy="3658433"/>
+          </a:xfrm>
+          <a:prstGeom prst="rect">
+            <a:avLst/>
+          </a:prstGeom>
+        </p:spPr>
+      </p:pic>
     </p:spTree>
     <p:extLst>
       <p:ext uri="{BB962C8B-B14F-4D97-AF65-F5344CB8AC3E}">
